--- a/landraces_classification/classification_algorithms/Landrace_Gap_Analysis-results.pptx
+++ b/landraces_classification/classification_algorithms/Landrace_Gap_Analysis-results.pptx
@@ -9,13 +9,14 @@
     <p:sldId id="257" r:id="rId3"/>
     <p:sldId id="258" r:id="rId4"/>
     <p:sldId id="259" r:id="rId5"/>
-    <p:sldId id="263" r:id="rId6"/>
-    <p:sldId id="266" r:id="rId7"/>
-    <p:sldId id="260" r:id="rId8"/>
-    <p:sldId id="261" r:id="rId9"/>
-    <p:sldId id="262" r:id="rId10"/>
-    <p:sldId id="264" r:id="rId11"/>
-    <p:sldId id="265" r:id="rId12"/>
+    <p:sldId id="267" r:id="rId6"/>
+    <p:sldId id="263" r:id="rId7"/>
+    <p:sldId id="266" r:id="rId8"/>
+    <p:sldId id="260" r:id="rId9"/>
+    <p:sldId id="261" r:id="rId10"/>
+    <p:sldId id="262" r:id="rId11"/>
+    <p:sldId id="264" r:id="rId12"/>
+    <p:sldId id="265" r:id="rId13"/>
   </p:sldIdLst>
   <p:sldSz cx="12192000" cy="6858000"/>
   <p:notesSz cx="6858000" cy="9144000"/>
@@ -114,6 +115,11 @@
       </a:defRPr>
     </a:lvl9pPr>
   </p:defaultTextStyle>
+  <p:extLst>
+    <p:ext uri="{EFAFB233-063F-42B5-8137-9DF3F51BA10A}">
+      <p15:sldGuideLst xmlns:p15="http://schemas.microsoft.com/office/powerpoint/2012/main"/>
+    </p:ext>
+  </p:extLst>
 </p:presentation>
 </file>
 
@@ -248,7 +254,7 @@
           <a:p>
             <a:fld id="{C85E124E-CF58-40F0-9C4F-2B3D888B935B}" type="datetimeFigureOut">
               <a:rPr lang="es-CO" smtClean="0"/>
-              <a:t>04/09/2017</a:t>
+              <a:t>07/09/2017</a:t>
             </a:fld>
             <a:endParaRPr lang="es-CO"/>
           </a:p>
@@ -418,7 +424,7 @@
           <a:p>
             <a:fld id="{C85E124E-CF58-40F0-9C4F-2B3D888B935B}" type="datetimeFigureOut">
               <a:rPr lang="es-CO" smtClean="0"/>
-              <a:t>04/09/2017</a:t>
+              <a:t>07/09/2017</a:t>
             </a:fld>
             <a:endParaRPr lang="es-CO"/>
           </a:p>
@@ -598,7 +604,7 @@
           <a:p>
             <a:fld id="{C85E124E-CF58-40F0-9C4F-2B3D888B935B}" type="datetimeFigureOut">
               <a:rPr lang="es-CO" smtClean="0"/>
-              <a:t>04/09/2017</a:t>
+              <a:t>07/09/2017</a:t>
             </a:fld>
             <a:endParaRPr lang="es-CO"/>
           </a:p>
@@ -768,7 +774,7 @@
           <a:p>
             <a:fld id="{C85E124E-CF58-40F0-9C4F-2B3D888B935B}" type="datetimeFigureOut">
               <a:rPr lang="es-CO" smtClean="0"/>
-              <a:t>04/09/2017</a:t>
+              <a:t>07/09/2017</a:t>
             </a:fld>
             <a:endParaRPr lang="es-CO"/>
           </a:p>
@@ -1014,7 +1020,7 @@
           <a:p>
             <a:fld id="{C85E124E-CF58-40F0-9C4F-2B3D888B935B}" type="datetimeFigureOut">
               <a:rPr lang="es-CO" smtClean="0"/>
-              <a:t>04/09/2017</a:t>
+              <a:t>07/09/2017</a:t>
             </a:fld>
             <a:endParaRPr lang="es-CO"/>
           </a:p>
@@ -1246,7 +1252,7 @@
           <a:p>
             <a:fld id="{C85E124E-CF58-40F0-9C4F-2B3D888B935B}" type="datetimeFigureOut">
               <a:rPr lang="es-CO" smtClean="0"/>
-              <a:t>04/09/2017</a:t>
+              <a:t>07/09/2017</a:t>
             </a:fld>
             <a:endParaRPr lang="es-CO"/>
           </a:p>
@@ -1613,7 +1619,7 @@
           <a:p>
             <a:fld id="{C85E124E-CF58-40F0-9C4F-2B3D888B935B}" type="datetimeFigureOut">
               <a:rPr lang="es-CO" smtClean="0"/>
-              <a:t>04/09/2017</a:t>
+              <a:t>07/09/2017</a:t>
             </a:fld>
             <a:endParaRPr lang="es-CO"/>
           </a:p>
@@ -1731,7 +1737,7 @@
           <a:p>
             <a:fld id="{C85E124E-CF58-40F0-9C4F-2B3D888B935B}" type="datetimeFigureOut">
               <a:rPr lang="es-CO" smtClean="0"/>
-              <a:t>04/09/2017</a:t>
+              <a:t>07/09/2017</a:t>
             </a:fld>
             <a:endParaRPr lang="es-CO"/>
           </a:p>
@@ -1826,7 +1832,7 @@
           <a:p>
             <a:fld id="{C85E124E-CF58-40F0-9C4F-2B3D888B935B}" type="datetimeFigureOut">
               <a:rPr lang="es-CO" smtClean="0"/>
-              <a:t>04/09/2017</a:t>
+              <a:t>07/09/2017</a:t>
             </a:fld>
             <a:endParaRPr lang="es-CO"/>
           </a:p>
@@ -2103,7 +2109,7 @@
           <a:p>
             <a:fld id="{C85E124E-CF58-40F0-9C4F-2B3D888B935B}" type="datetimeFigureOut">
               <a:rPr lang="es-CO" smtClean="0"/>
-              <a:t>04/09/2017</a:t>
+              <a:t>07/09/2017</a:t>
             </a:fld>
             <a:endParaRPr lang="es-CO"/>
           </a:p>
@@ -2356,7 +2362,7 @@
           <a:p>
             <a:fld id="{C85E124E-CF58-40F0-9C4F-2B3D888B935B}" type="datetimeFigureOut">
               <a:rPr lang="es-CO" smtClean="0"/>
-              <a:t>04/09/2017</a:t>
+              <a:t>07/09/2017</a:t>
             </a:fld>
             <a:endParaRPr lang="es-CO"/>
           </a:p>
@@ -2569,7 +2575,7 @@
           <a:p>
             <a:fld id="{C85E124E-CF58-40F0-9C4F-2B3D888B935B}" type="datetimeFigureOut">
               <a:rPr lang="es-CO" smtClean="0"/>
-              <a:t>04/09/2017</a:t>
+              <a:t>07/09/2017</a:t>
             </a:fld>
             <a:endParaRPr lang="es-CO"/>
           </a:p>
@@ -3059,6 +3065,97 @@
       </p:grpSpPr>
       <p:sp>
         <p:nvSpPr>
+          <p:cNvPr id="3" name="TextBox 2"/>
+          <p:cNvSpPr txBox="1"/>
+          <p:nvPr/>
+        </p:nvSpPr>
+        <p:spPr>
+          <a:xfrm>
+            <a:off x="4803898" y="543465"/>
+            <a:ext cx="2151295" cy="369332"/>
+          </a:xfrm>
+          <a:prstGeom prst="rect">
+            <a:avLst/>
+          </a:prstGeom>
+          <a:noFill/>
+        </p:spPr>
+        <p:txBody>
+          <a:bodyPr wrap="none" rtlCol="0">
+            <a:spAutoFit/>
+          </a:bodyPr>
+          <a:lstStyle/>
+          <a:p>
+            <a:r>
+              <a:rPr lang="en-US" b="1" dirty="0" smtClean="0"/>
+              <a:t>Qualitative variables</a:t>
+            </a:r>
+            <a:endParaRPr lang="es-CO" b="1" dirty="0"/>
+          </a:p>
+        </p:txBody>
+      </p:sp>
+      <p:pic>
+        <p:nvPicPr>
+          <p:cNvPr id="2" name="Picture 1"/>
+          <p:cNvPicPr>
+            <a:picLocks noChangeAspect="1"/>
+          </p:cNvPicPr>
+          <p:nvPr/>
+        </p:nvPicPr>
+        <p:blipFill>
+          <a:blip r:embed="rId2"/>
+          <a:stretch>
+            <a:fillRect/>
+          </a:stretch>
+        </p:blipFill>
+        <p:spPr>
+          <a:xfrm>
+            <a:off x="1776936" y="1103885"/>
+            <a:ext cx="8205217" cy="5486400"/>
+          </a:xfrm>
+          <a:prstGeom prst="rect">
+            <a:avLst/>
+          </a:prstGeom>
+        </p:spPr>
+      </p:pic>
+    </p:spTree>
+    <p:extLst>
+      <p:ext uri="{BB962C8B-B14F-4D97-AF65-F5344CB8AC3E}">
+        <p14:creationId xmlns:p14="http://schemas.microsoft.com/office/powerpoint/2010/main" val="3851783663"/>
+      </p:ext>
+    </p:extLst>
+  </p:cSld>
+  <p:clrMapOvr>
+    <a:masterClrMapping/>
+  </p:clrMapOvr>
+  <p:timing>
+    <p:tnLst>
+      <p:par>
+        <p:cTn id="1" dur="indefinite" restart="never" nodeType="tmRoot"/>
+      </p:par>
+    </p:tnLst>
+  </p:timing>
+</p:sld>
+</file>
+
+<file path=ppt/slides/slide11.xml><?xml version="1.0" encoding="utf-8"?>
+<p:sld xmlns:a="http://schemas.openxmlformats.org/drawingml/2006/main" xmlns:r="http://schemas.openxmlformats.org/officeDocument/2006/relationships" xmlns:p="http://schemas.openxmlformats.org/presentationml/2006/main">
+  <p:cSld>
+    <p:spTree>
+      <p:nvGrpSpPr>
+        <p:cNvPr id="1" name=""/>
+        <p:cNvGrpSpPr/>
+        <p:nvPr/>
+      </p:nvGrpSpPr>
+      <p:grpSpPr>
+        <a:xfrm>
+          <a:off x="0" y="0"/>
+          <a:ext cx="0" cy="0"/>
+          <a:chOff x="0" y="0"/>
+          <a:chExt cx="0" cy="0"/>
+        </a:xfrm>
+      </p:grpSpPr>
+      <p:sp>
+        <p:nvSpPr>
           <p:cNvPr id="2" name="Title 1"/>
           <p:cNvSpPr>
             <a:spLocks noGrp="1"/>
@@ -3100,7 +3197,7 @@
 </p:sld>
 </file>
 
-<file path=ppt/slides/slide11.xml><?xml version="1.0" encoding="utf-8"?>
+<file path=ppt/slides/slide12.xml><?xml version="1.0" encoding="utf-8"?>
 <p:sld xmlns:a="http://schemas.openxmlformats.org/drawingml/2006/main" xmlns:r="http://schemas.openxmlformats.org/officeDocument/2006/relationships" xmlns:p="http://schemas.openxmlformats.org/presentationml/2006/main">
   <p:cSld>
     <p:spTree>
@@ -3468,6 +3565,559 @@
           <a:chExt cx="0" cy="0"/>
         </a:xfrm>
       </p:grpSpPr>
+      <p:pic>
+        <p:nvPicPr>
+          <p:cNvPr id="2" name="Picture 1"/>
+          <p:cNvPicPr>
+            <a:picLocks noChangeAspect="1"/>
+          </p:cNvPicPr>
+          <p:nvPr/>
+        </p:nvPicPr>
+        <p:blipFill>
+          <a:blip r:embed="rId2"/>
+          <a:stretch>
+            <a:fillRect/>
+          </a:stretch>
+        </p:blipFill>
+        <p:spPr>
+          <a:xfrm>
+            <a:off x="400898" y="753143"/>
+            <a:ext cx="5334462" cy="5334462"/>
+          </a:xfrm>
+          <a:prstGeom prst="rect">
+            <a:avLst/>
+          </a:prstGeom>
+        </p:spPr>
+      </p:pic>
+      <p:sp>
+        <p:nvSpPr>
+          <p:cNvPr id="3" name="TextBox 2"/>
+          <p:cNvSpPr txBox="1"/>
+          <p:nvPr/>
+        </p:nvSpPr>
+        <p:spPr>
+          <a:xfrm>
+            <a:off x="1374652" y="383811"/>
+            <a:ext cx="3386953" cy="369332"/>
+          </a:xfrm>
+          <a:prstGeom prst="rect">
+            <a:avLst/>
+          </a:prstGeom>
+          <a:noFill/>
+        </p:spPr>
+        <p:txBody>
+          <a:bodyPr wrap="none" rtlCol="0">
+            <a:spAutoFit/>
+          </a:bodyPr>
+          <a:lstStyle/>
+          <a:p>
+            <a:r>
+              <a:rPr lang="en-US" b="1" dirty="0" smtClean="0"/>
+              <a:t>Original altitude data distribution</a:t>
+            </a:r>
+            <a:endParaRPr lang="es-CO" b="1" dirty="0"/>
+          </a:p>
+        </p:txBody>
+      </p:sp>
+      <p:pic>
+        <p:nvPicPr>
+          <p:cNvPr id="4" name="Picture 3"/>
+          <p:cNvPicPr>
+            <a:picLocks noChangeAspect="1"/>
+          </p:cNvPicPr>
+          <p:nvPr/>
+        </p:nvPicPr>
+        <p:blipFill>
+          <a:blip r:embed="rId3"/>
+          <a:stretch>
+            <a:fillRect/>
+          </a:stretch>
+        </p:blipFill>
+        <p:spPr>
+          <a:xfrm>
+            <a:off x="6232352" y="753143"/>
+            <a:ext cx="5334462" cy="5334462"/>
+          </a:xfrm>
+          <a:prstGeom prst="rect">
+            <a:avLst/>
+          </a:prstGeom>
+        </p:spPr>
+      </p:pic>
+      <p:sp>
+        <p:nvSpPr>
+          <p:cNvPr id="5" name="TextBox 4"/>
+          <p:cNvSpPr txBox="1"/>
+          <p:nvPr/>
+        </p:nvSpPr>
+        <p:spPr>
+          <a:xfrm>
+            <a:off x="6625402" y="383811"/>
+            <a:ext cx="4548361" cy="369332"/>
+          </a:xfrm>
+          <a:prstGeom prst="rect">
+            <a:avLst/>
+          </a:prstGeom>
+          <a:noFill/>
+        </p:spPr>
+        <p:txBody>
+          <a:bodyPr wrap="none" rtlCol="0">
+            <a:spAutoFit/>
+          </a:bodyPr>
+          <a:lstStyle/>
+          <a:p>
+            <a:r>
+              <a:rPr lang="en-US" b="1" dirty="0" smtClean="0"/>
+              <a:t>Altitude data distribution updated with SRTM</a:t>
+            </a:r>
+            <a:endParaRPr lang="es-CO" b="1" dirty="0"/>
+          </a:p>
+        </p:txBody>
+      </p:sp>
+      <mc:AlternateContent xmlns:mc="http://schemas.openxmlformats.org/markup-compatibility/2006">
+        <mc:Choice xmlns:a14="http://schemas.microsoft.com/office/drawing/2010/main" Requires="a14">
+          <p:sp>
+            <p:nvSpPr>
+              <p:cNvPr id="6" name="TextBox 5"/>
+              <p:cNvSpPr txBox="1"/>
+              <p:nvPr/>
+            </p:nvSpPr>
+            <p:spPr>
+              <a:xfrm>
+                <a:off x="1218904" y="6179938"/>
+                <a:ext cx="3698448" cy="276999"/>
+              </a:xfrm>
+              <a:prstGeom prst="rect">
+                <a:avLst/>
+              </a:prstGeom>
+              <a:noFill/>
+            </p:spPr>
+            <p:txBody>
+              <a:bodyPr wrap="none" lIns="0" tIns="0" rIns="0" bIns="0" rtlCol="0">
+                <a:spAutoFit/>
+              </a:bodyPr>
+              <a:lstStyle/>
+              <a:p>
+                <a14:m>
+                  <m:oMathPara xmlns:m="http://schemas.openxmlformats.org/officeDocument/2006/math">
+                    <m:oMathParaPr>
+                      <m:jc m:val="centerGroup"/>
+                    </m:oMathParaPr>
+                    <m:oMath xmlns:m="http://schemas.openxmlformats.org/officeDocument/2006/math">
+                      <m:r>
+                        <a:rPr lang="en-US" b="0" i="1" smtClean="0">
+                          <a:latin typeface="Cambria Math" panose="02040503050406030204" pitchFamily="18" charset="0"/>
+                        </a:rPr>
+                        <m:t>𝑃</m:t>
+                      </m:r>
+                      <m:d>
+                        <m:dPr>
+                          <m:ctrlPr>
+                            <a:rPr lang="en-US" b="0" i="1" smtClean="0">
+                              <a:latin typeface="Cambria Math" panose="02040503050406030204" pitchFamily="18" charset="0"/>
+                            </a:rPr>
+                          </m:ctrlPr>
+                        </m:dPr>
+                        <m:e>
+                          <m:r>
+                            <a:rPr lang="en-US" b="0" i="1" smtClean="0">
+                              <a:latin typeface="Cambria Math" panose="02040503050406030204" pitchFamily="18" charset="0"/>
+                            </a:rPr>
+                            <m:t>𝐴𝑙𝑡𝑖𝑡𝑢𝑑𝑒</m:t>
+                          </m:r>
+                          <m:r>
+                            <a:rPr lang="en-US" b="0" i="1" smtClean="0">
+                              <a:latin typeface="Cambria Math" panose="02040503050406030204" pitchFamily="18" charset="0"/>
+                              <a:ea typeface="Cambria Math" panose="02040503050406030204" pitchFamily="18" charset="0"/>
+                            </a:rPr>
+                            <m:t>≥</m:t>
+                          </m:r>
+                          <m:r>
+                            <a:rPr lang="en-US" b="0" i="1" smtClean="0">
+                              <a:latin typeface="Cambria Math" panose="02040503050406030204" pitchFamily="18" charset="0"/>
+                            </a:rPr>
+                            <m:t>3000</m:t>
+                          </m:r>
+                        </m:e>
+                      </m:d>
+                      <m:r>
+                        <a:rPr lang="en-US" i="1">
+                          <a:latin typeface="Cambria Math" panose="02040503050406030204" pitchFamily="18" charset="0"/>
+                        </a:rPr>
+                        <m:t>=0.006958508</m:t>
+                      </m:r>
+                    </m:oMath>
+                  </m:oMathPara>
+                </a14:m>
+                <a:endParaRPr lang="es-CO" dirty="0"/>
+              </a:p>
+            </p:txBody>
+          </p:sp>
+        </mc:Choice>
+        <mc:Fallback>
+          <p:sp>
+            <p:nvSpPr>
+              <p:cNvPr id="6" name="TextBox 5"/>
+              <p:cNvSpPr txBox="1">
+                <a:spLocks noRot="1" noChangeAspect="1" noMove="1" noResize="1" noEditPoints="1" noAdjustHandles="1" noChangeArrowheads="1" noChangeShapeType="1" noTextEdit="1"/>
+              </p:cNvSpPr>
+              <p:nvPr/>
+            </p:nvSpPr>
+            <p:spPr>
+              <a:xfrm>
+                <a:off x="1218904" y="6179938"/>
+                <a:ext cx="3698448" cy="276999"/>
+              </a:xfrm>
+              <a:prstGeom prst="rect">
+                <a:avLst/>
+              </a:prstGeom>
+              <a:blipFill rotWithShape="0">
+                <a:blip r:embed="rId4"/>
+                <a:stretch>
+                  <a:fillRect l="-1153" r="-1153" b="-11111"/>
+                </a:stretch>
+              </a:blipFill>
+            </p:spPr>
+            <p:txBody>
+              <a:bodyPr/>
+              <a:lstStyle/>
+              <a:p>
+                <a:r>
+                  <a:rPr lang="es-CO">
+                    <a:noFill/>
+                  </a:rPr>
+                  <a:t> </a:t>
+                </a:r>
+              </a:p>
+            </p:txBody>
+          </p:sp>
+        </mc:Fallback>
+      </mc:AlternateContent>
+      <mc:AlternateContent xmlns:mc="http://schemas.openxmlformats.org/markup-compatibility/2006">
+        <mc:Choice xmlns:a14="http://schemas.microsoft.com/office/drawing/2010/main" Requires="a14">
+          <p:sp>
+            <p:nvSpPr>
+              <p:cNvPr id="10" name="TextBox 9"/>
+              <p:cNvSpPr txBox="1"/>
+              <p:nvPr/>
+            </p:nvSpPr>
+            <p:spPr>
+              <a:xfrm>
+                <a:off x="7050358" y="6179937"/>
+                <a:ext cx="3570208" cy="276999"/>
+              </a:xfrm>
+              <a:prstGeom prst="rect">
+                <a:avLst/>
+              </a:prstGeom>
+              <a:noFill/>
+            </p:spPr>
+            <p:txBody>
+              <a:bodyPr wrap="none" lIns="0" tIns="0" rIns="0" bIns="0" rtlCol="0">
+                <a:spAutoFit/>
+              </a:bodyPr>
+              <a:lstStyle/>
+              <a:p>
+                <a14:m>
+                  <m:oMathPara xmlns:m="http://schemas.openxmlformats.org/officeDocument/2006/math">
+                    <m:oMathParaPr>
+                      <m:jc m:val="centerGroup"/>
+                    </m:oMathParaPr>
+                    <m:oMath xmlns:m="http://schemas.openxmlformats.org/officeDocument/2006/math">
+                      <m:r>
+                        <a:rPr lang="en-US" b="0" i="1" smtClean="0">
+                          <a:latin typeface="Cambria Math" panose="02040503050406030204" pitchFamily="18" charset="0"/>
+                        </a:rPr>
+                        <m:t>𝑃</m:t>
+                      </m:r>
+                      <m:d>
+                        <m:dPr>
+                          <m:ctrlPr>
+                            <a:rPr lang="en-US" b="0" i="1" smtClean="0">
+                              <a:latin typeface="Cambria Math" panose="02040503050406030204" pitchFamily="18" charset="0"/>
+                            </a:rPr>
+                          </m:ctrlPr>
+                        </m:dPr>
+                        <m:e>
+                          <m:r>
+                            <a:rPr lang="en-US" b="0" i="1" smtClean="0">
+                              <a:latin typeface="Cambria Math" panose="02040503050406030204" pitchFamily="18" charset="0"/>
+                            </a:rPr>
+                            <m:t>𝐴𝑙𝑡𝑖𝑡𝑢𝑑𝑒</m:t>
+                          </m:r>
+                          <m:r>
+                            <a:rPr lang="en-US" b="0" i="1" smtClean="0">
+                              <a:latin typeface="Cambria Math" panose="02040503050406030204" pitchFamily="18" charset="0"/>
+                              <a:ea typeface="Cambria Math" panose="02040503050406030204" pitchFamily="18" charset="0"/>
+                            </a:rPr>
+                            <m:t>≥</m:t>
+                          </m:r>
+                          <m:r>
+                            <a:rPr lang="en-US" b="0" i="1" smtClean="0">
+                              <a:latin typeface="Cambria Math" panose="02040503050406030204" pitchFamily="18" charset="0"/>
+                            </a:rPr>
+                            <m:t>3000</m:t>
+                          </m:r>
+                        </m:e>
+                      </m:d>
+                      <m:r>
+                        <a:rPr lang="en-US" b="0" i="1" smtClean="0">
+                          <a:latin typeface="Cambria Math" panose="02040503050406030204" pitchFamily="18" charset="0"/>
+                        </a:rPr>
+                        <m:t>=0.01251908</m:t>
+                      </m:r>
+                    </m:oMath>
+                  </m:oMathPara>
+                </a14:m>
+                <a:endParaRPr lang="es-CO" dirty="0"/>
+              </a:p>
+            </p:txBody>
+          </p:sp>
+        </mc:Choice>
+        <mc:Fallback>
+          <p:sp>
+            <p:nvSpPr>
+              <p:cNvPr id="10" name="TextBox 9"/>
+              <p:cNvSpPr txBox="1">
+                <a:spLocks noRot="1" noChangeAspect="1" noMove="1" noResize="1" noEditPoints="1" noAdjustHandles="1" noChangeArrowheads="1" noChangeShapeType="1" noTextEdit="1"/>
+              </p:cNvSpPr>
+              <p:nvPr/>
+            </p:nvSpPr>
+            <p:spPr>
+              <a:xfrm>
+                <a:off x="7050358" y="6179937"/>
+                <a:ext cx="3570208" cy="276999"/>
+              </a:xfrm>
+              <a:prstGeom prst="rect">
+                <a:avLst/>
+              </a:prstGeom>
+              <a:blipFill rotWithShape="0">
+                <a:blip r:embed="rId5"/>
+                <a:stretch>
+                  <a:fillRect l="-1197" r="-1368" b="-11111"/>
+                </a:stretch>
+              </a:blipFill>
+            </p:spPr>
+            <p:txBody>
+              <a:bodyPr/>
+              <a:lstStyle/>
+              <a:p>
+                <a:r>
+                  <a:rPr lang="es-CO">
+                    <a:noFill/>
+                  </a:rPr>
+                  <a:t> </a:t>
+                </a:r>
+              </a:p>
+            </p:txBody>
+          </p:sp>
+        </mc:Fallback>
+      </mc:AlternateContent>
+      <mc:AlternateContent xmlns:mc="http://schemas.openxmlformats.org/markup-compatibility/2006">
+        <mc:Choice xmlns:a14="http://schemas.microsoft.com/office/drawing/2010/main" Requires="a14">
+          <p:sp>
+            <p:nvSpPr>
+              <p:cNvPr id="11" name="TextBox 10"/>
+              <p:cNvSpPr txBox="1"/>
+              <p:nvPr/>
+            </p:nvSpPr>
+            <p:spPr>
+              <a:xfrm>
+                <a:off x="6986238" y="6456936"/>
+                <a:ext cx="3736920" cy="276999"/>
+              </a:xfrm>
+              <a:prstGeom prst="rect">
+                <a:avLst/>
+              </a:prstGeom>
+              <a:noFill/>
+            </p:spPr>
+            <p:txBody>
+              <a:bodyPr wrap="none" lIns="0" tIns="0" rIns="0" bIns="0" rtlCol="0">
+                <a:spAutoFit/>
+              </a:bodyPr>
+              <a:lstStyle/>
+              <a:p>
+                <a14:m>
+                  <m:oMathPara xmlns:m="http://schemas.openxmlformats.org/officeDocument/2006/math">
+                    <m:oMathParaPr>
+                      <m:jc m:val="centerGroup"/>
+                    </m:oMathParaPr>
+                    <m:oMath xmlns:m="http://schemas.openxmlformats.org/officeDocument/2006/math">
+                      <m:r>
+                        <a:rPr lang="en-US" b="0" i="1" smtClean="0">
+                          <a:latin typeface="Cambria Math" panose="02040503050406030204" pitchFamily="18" charset="0"/>
+                        </a:rPr>
+                        <m:t>𝑃</m:t>
+                      </m:r>
+                      <m:d>
+                        <m:dPr>
+                          <m:ctrlPr>
+                            <a:rPr lang="en-US" b="0" i="1" smtClean="0">
+                              <a:latin typeface="Cambria Math" panose="02040503050406030204" pitchFamily="18" charset="0"/>
+                            </a:rPr>
+                          </m:ctrlPr>
+                        </m:dPr>
+                        <m:e>
+                          <m:r>
+                            <a:rPr lang="en-US" b="0" i="1" smtClean="0">
+                              <a:latin typeface="Cambria Math" panose="02040503050406030204" pitchFamily="18" charset="0"/>
+                            </a:rPr>
+                            <m:t>𝐴𝑙𝑡𝑖𝑡𝑢𝑑𝑒</m:t>
+                          </m:r>
+                          <m:r>
+                            <a:rPr lang="en-US" b="0" i="1" smtClean="0">
+                              <a:latin typeface="Cambria Math" panose="02040503050406030204" pitchFamily="18" charset="0"/>
+                              <a:ea typeface="Cambria Math" panose="02040503050406030204" pitchFamily="18" charset="0"/>
+                            </a:rPr>
+                            <m:t>≥</m:t>
+                          </m:r>
+                          <m:r>
+                            <a:rPr lang="en-US" b="1" i="1" smtClean="0">
+                              <a:latin typeface="Cambria Math" panose="02040503050406030204" pitchFamily="18" charset="0"/>
+                            </a:rPr>
+                            <m:t>𝟑𝟓𝟎𝟎</m:t>
+                          </m:r>
+                        </m:e>
+                      </m:d>
+                      <m:r>
+                        <a:rPr lang="en-US" b="0" i="1" smtClean="0">
+                          <a:latin typeface="Cambria Math" panose="02040503050406030204" pitchFamily="18" charset="0"/>
+                        </a:rPr>
+                        <m:t>=0.002565249</m:t>
+                      </m:r>
+                    </m:oMath>
+                  </m:oMathPara>
+                </a14:m>
+                <a:endParaRPr lang="es-CO" dirty="0"/>
+              </a:p>
+            </p:txBody>
+          </p:sp>
+        </mc:Choice>
+        <mc:Fallback>
+          <p:sp>
+            <p:nvSpPr>
+              <p:cNvPr id="11" name="TextBox 10"/>
+              <p:cNvSpPr txBox="1">
+                <a:spLocks noRot="1" noChangeAspect="1" noMove="1" noResize="1" noEditPoints="1" noAdjustHandles="1" noChangeArrowheads="1" noChangeShapeType="1" noTextEdit="1"/>
+              </p:cNvSpPr>
+              <p:nvPr/>
+            </p:nvSpPr>
+            <p:spPr>
+              <a:xfrm>
+                <a:off x="6986238" y="6456936"/>
+                <a:ext cx="3736920" cy="276999"/>
+              </a:xfrm>
+              <a:prstGeom prst="rect">
+                <a:avLst/>
+              </a:prstGeom>
+              <a:blipFill rotWithShape="0">
+                <a:blip r:embed="rId6"/>
+                <a:stretch>
+                  <a:fillRect l="-979" r="-1305" b="-10870"/>
+                </a:stretch>
+              </a:blipFill>
+            </p:spPr>
+            <p:txBody>
+              <a:bodyPr/>
+              <a:lstStyle/>
+              <a:p>
+                <a:r>
+                  <a:rPr lang="es-CO">
+                    <a:noFill/>
+                  </a:rPr>
+                  <a:t> </a:t>
+                </a:r>
+              </a:p>
+            </p:txBody>
+          </p:sp>
+        </mc:Fallback>
+      </mc:AlternateContent>
+      <p:sp>
+        <p:nvSpPr>
+          <p:cNvPr id="12" name="TextBox 11"/>
+          <p:cNvSpPr txBox="1"/>
+          <p:nvPr/>
+        </p:nvSpPr>
+        <p:spPr>
+          <a:xfrm>
+            <a:off x="8698470" y="1777042"/>
+            <a:ext cx="2475293" cy="369332"/>
+          </a:xfrm>
+          <a:prstGeom prst="rect">
+            <a:avLst/>
+          </a:prstGeom>
+          <a:noFill/>
+        </p:spPr>
+        <p:txBody>
+          <a:bodyPr wrap="none" rtlCol="0">
+            <a:spAutoFit/>
+          </a:bodyPr>
+          <a:lstStyle/>
+          <a:p>
+            <a:r>
+              <a:rPr lang="en-US" dirty="0" smtClean="0"/>
+              <a:t>Cut-off point = 3500 </a:t>
+            </a:r>
+            <a:r>
+              <a:rPr lang="en-US" dirty="0" err="1" smtClean="0"/>
+              <a:t>mts</a:t>
+            </a:r>
+            <a:endParaRPr lang="es-CO" dirty="0"/>
+          </a:p>
+        </p:txBody>
+      </p:sp>
+      <p:pic>
+        <p:nvPicPr>
+          <p:cNvPr id="13" name="Picture 12"/>
+          <p:cNvPicPr>
+            <a:picLocks noChangeAspect="1"/>
+          </p:cNvPicPr>
+          <p:nvPr/>
+        </p:nvPicPr>
+        <p:blipFill>
+          <a:blip r:embed="rId7"/>
+          <a:stretch>
+            <a:fillRect/>
+          </a:stretch>
+        </p:blipFill>
+        <p:spPr>
+          <a:xfrm>
+            <a:off x="1613304" y="937809"/>
+            <a:ext cx="5334462" cy="5334462"/>
+          </a:xfrm>
+          <a:prstGeom prst="rect">
+            <a:avLst/>
+          </a:prstGeom>
+        </p:spPr>
+      </p:pic>
+    </p:spTree>
+    <p:extLst>
+      <p:ext uri="{BB962C8B-B14F-4D97-AF65-F5344CB8AC3E}">
+        <p14:creationId xmlns:p14="http://schemas.microsoft.com/office/powerpoint/2010/main" val="33749687"/>
+      </p:ext>
+    </p:extLst>
+  </p:cSld>
+  <p:clrMapOvr>
+    <a:masterClrMapping/>
+  </p:clrMapOvr>
+</p:sld>
+</file>
+
+<file path=ppt/slides/slide6.xml><?xml version="1.0" encoding="utf-8"?>
+<p:sld xmlns:a="http://schemas.openxmlformats.org/drawingml/2006/main" xmlns:r="http://schemas.openxmlformats.org/officeDocument/2006/relationships" xmlns:p="http://schemas.openxmlformats.org/presentationml/2006/main">
+  <p:cSld>
+    <p:spTree>
+      <p:nvGrpSpPr>
+        <p:cNvPr id="1" name=""/>
+        <p:cNvGrpSpPr/>
+        <p:nvPr/>
+      </p:nvGrpSpPr>
+      <p:grpSpPr>
+        <a:xfrm>
+          <a:off x="0" y="0"/>
+          <a:ext cx="0" cy="0"/>
+          <a:chOff x="0" y="0"/>
+          <a:chExt cx="0" cy="0"/>
+        </a:xfrm>
+      </p:grpSpPr>
       <p:sp>
         <p:nvSpPr>
           <p:cNvPr id="3" name="TextBox 2"/>
@@ -3542,7 +4192,7 @@
 </p:sld>
 </file>
 
-<file path=ppt/slides/slide6.xml><?xml version="1.0" encoding="utf-8"?>
+<file path=ppt/slides/slide7.xml><?xml version="1.0" encoding="utf-8"?>
 <p:sld xmlns:a="http://schemas.openxmlformats.org/drawingml/2006/main" xmlns:r="http://schemas.openxmlformats.org/officeDocument/2006/relationships" xmlns:p="http://schemas.openxmlformats.org/presentationml/2006/main">
   <p:cSld>
     <p:spTree>
@@ -3630,7 +4280,7 @@
 </p:sld>
 </file>
 
-<file path=ppt/slides/slide7.xml><?xml version="1.0" encoding="utf-8"?>
+<file path=ppt/slides/slide8.xml><?xml version="1.0" encoding="utf-8"?>
 <p:sld xmlns:a="http://schemas.openxmlformats.org/drawingml/2006/main" xmlns:r="http://schemas.openxmlformats.org/officeDocument/2006/relationships" xmlns:p="http://schemas.openxmlformats.org/presentationml/2006/main">
   <p:cSld>
     <p:spTree>
@@ -3690,7 +4340,7 @@
 </p:sld>
 </file>
 
-<file path=ppt/slides/slide8.xml><?xml version="1.0" encoding="utf-8"?>
+<file path=ppt/slides/slide9.xml><?xml version="1.0" encoding="utf-8"?>
 <p:sld xmlns:a="http://schemas.openxmlformats.org/drawingml/2006/main" xmlns:r="http://schemas.openxmlformats.org/officeDocument/2006/relationships" xmlns:p="http://schemas.openxmlformats.org/presentationml/2006/main">
   <p:cSld>
     <p:spTree>
@@ -3771,97 +4421,6 @@
     <p:extLst>
       <p:ext uri="{BB962C8B-B14F-4D97-AF65-F5344CB8AC3E}">
         <p14:creationId xmlns:p14="http://schemas.microsoft.com/office/powerpoint/2010/main" val="1697567720"/>
-      </p:ext>
-    </p:extLst>
-  </p:cSld>
-  <p:clrMapOvr>
-    <a:masterClrMapping/>
-  </p:clrMapOvr>
-  <p:timing>
-    <p:tnLst>
-      <p:par>
-        <p:cTn id="1" dur="indefinite" restart="never" nodeType="tmRoot"/>
-      </p:par>
-    </p:tnLst>
-  </p:timing>
-</p:sld>
-</file>
-
-<file path=ppt/slides/slide9.xml><?xml version="1.0" encoding="utf-8"?>
-<p:sld xmlns:a="http://schemas.openxmlformats.org/drawingml/2006/main" xmlns:r="http://schemas.openxmlformats.org/officeDocument/2006/relationships" xmlns:p="http://schemas.openxmlformats.org/presentationml/2006/main">
-  <p:cSld>
-    <p:spTree>
-      <p:nvGrpSpPr>
-        <p:cNvPr id="1" name=""/>
-        <p:cNvGrpSpPr/>
-        <p:nvPr/>
-      </p:nvGrpSpPr>
-      <p:grpSpPr>
-        <a:xfrm>
-          <a:off x="0" y="0"/>
-          <a:ext cx="0" cy="0"/>
-          <a:chOff x="0" y="0"/>
-          <a:chExt cx="0" cy="0"/>
-        </a:xfrm>
-      </p:grpSpPr>
-      <p:sp>
-        <p:nvSpPr>
-          <p:cNvPr id="3" name="TextBox 2"/>
-          <p:cNvSpPr txBox="1"/>
-          <p:nvPr/>
-        </p:nvSpPr>
-        <p:spPr>
-          <a:xfrm>
-            <a:off x="4803898" y="543465"/>
-            <a:ext cx="2151295" cy="369332"/>
-          </a:xfrm>
-          <a:prstGeom prst="rect">
-            <a:avLst/>
-          </a:prstGeom>
-          <a:noFill/>
-        </p:spPr>
-        <p:txBody>
-          <a:bodyPr wrap="none" rtlCol="0">
-            <a:spAutoFit/>
-          </a:bodyPr>
-          <a:lstStyle/>
-          <a:p>
-            <a:r>
-              <a:rPr lang="en-US" b="1" dirty="0" smtClean="0"/>
-              <a:t>Qualitative variables</a:t>
-            </a:r>
-            <a:endParaRPr lang="es-CO" b="1" dirty="0"/>
-          </a:p>
-        </p:txBody>
-      </p:sp>
-      <p:pic>
-        <p:nvPicPr>
-          <p:cNvPr id="2" name="Picture 1"/>
-          <p:cNvPicPr>
-            <a:picLocks noChangeAspect="1"/>
-          </p:cNvPicPr>
-          <p:nvPr/>
-        </p:nvPicPr>
-        <p:blipFill>
-          <a:blip r:embed="rId2"/>
-          <a:stretch>
-            <a:fillRect/>
-          </a:stretch>
-        </p:blipFill>
-        <p:spPr>
-          <a:xfrm>
-            <a:off x="1776936" y="1103885"/>
-            <a:ext cx="8205217" cy="5486400"/>
-          </a:xfrm>
-          <a:prstGeom prst="rect">
-            <a:avLst/>
-          </a:prstGeom>
-        </p:spPr>
-      </p:pic>
-    </p:spTree>
-    <p:extLst>
-      <p:ext uri="{BB962C8B-B14F-4D97-AF65-F5344CB8AC3E}">
-        <p14:creationId xmlns:p14="http://schemas.microsoft.com/office/powerpoint/2010/main" val="3851783663"/>
       </p:ext>
     </p:extLst>
   </p:cSld>

--- a/landraces_classification/classification_algorithms/Landrace_Gap_Analysis-results.pptx
+++ b/landraces_classification/classification_algorithms/Landrace_Gap_Analysis-results.pptx
@@ -15,8 +15,11 @@
     <p:sldId id="260" r:id="rId9"/>
     <p:sldId id="261" r:id="rId10"/>
     <p:sldId id="262" r:id="rId11"/>
-    <p:sldId id="264" r:id="rId12"/>
-    <p:sldId id="265" r:id="rId13"/>
+    <p:sldId id="268" r:id="rId12"/>
+    <p:sldId id="270" r:id="rId13"/>
+    <p:sldId id="269" r:id="rId14"/>
+    <p:sldId id="264" r:id="rId15"/>
+    <p:sldId id="265" r:id="rId16"/>
   </p:sldIdLst>
   <p:sldSz cx="12192000" cy="6858000"/>
   <p:notesSz cx="6858000" cy="9144000"/>
@@ -3154,6 +3157,361 @@
           <a:chExt cx="0" cy="0"/>
         </a:xfrm>
       </p:grpSpPr>
+      <p:pic>
+        <p:nvPicPr>
+          <p:cNvPr id="2" name="Picture 1"/>
+          <p:cNvPicPr>
+            <a:picLocks noChangeAspect="1"/>
+          </p:cNvPicPr>
+          <p:nvPr/>
+        </p:nvPicPr>
+        <p:blipFill>
+          <a:blip r:embed="rId2"/>
+          <a:stretch>
+            <a:fillRect/>
+          </a:stretch>
+        </p:blipFill>
+        <p:spPr>
+          <a:xfrm>
+            <a:off x="823592" y="830781"/>
+            <a:ext cx="5334462" cy="5334462"/>
+          </a:xfrm>
+          <a:prstGeom prst="rect">
+            <a:avLst/>
+          </a:prstGeom>
+        </p:spPr>
+      </p:pic>
+      <p:pic>
+        <p:nvPicPr>
+          <p:cNvPr id="3" name="Picture 2"/>
+          <p:cNvPicPr>
+            <a:picLocks noChangeAspect="1"/>
+          </p:cNvPicPr>
+          <p:nvPr/>
+        </p:nvPicPr>
+        <p:blipFill>
+          <a:blip r:embed="rId3"/>
+          <a:stretch>
+            <a:fillRect/>
+          </a:stretch>
+        </p:blipFill>
+        <p:spPr>
+          <a:xfrm>
+            <a:off x="6158054" y="830781"/>
+            <a:ext cx="5334462" cy="5334462"/>
+          </a:xfrm>
+          <a:prstGeom prst="rect">
+            <a:avLst/>
+          </a:prstGeom>
+        </p:spPr>
+      </p:pic>
+      <p:sp>
+        <p:nvSpPr>
+          <p:cNvPr id="4" name="TextBox 3"/>
+          <p:cNvSpPr txBox="1"/>
+          <p:nvPr/>
+        </p:nvSpPr>
+        <p:spPr>
+          <a:xfrm>
+            <a:off x="2222886" y="461449"/>
+            <a:ext cx="1629036" cy="369332"/>
+          </a:xfrm>
+          <a:prstGeom prst="rect">
+            <a:avLst/>
+          </a:prstGeom>
+          <a:noFill/>
+        </p:spPr>
+        <p:txBody>
+          <a:bodyPr wrap="none" rtlCol="0">
+            <a:spAutoFit/>
+          </a:bodyPr>
+          <a:lstStyle/>
+          <a:p>
+            <a:r>
+              <a:rPr lang="en-US" b="1" dirty="0" smtClean="0"/>
+              <a:t>Random Forest</a:t>
+            </a:r>
+            <a:endParaRPr lang="es-CO" b="1" dirty="0"/>
+          </a:p>
+        </p:txBody>
+      </p:sp>
+      <p:sp>
+        <p:nvSpPr>
+          <p:cNvPr id="5" name="TextBox 4"/>
+          <p:cNvSpPr txBox="1"/>
+          <p:nvPr/>
+        </p:nvSpPr>
+        <p:spPr>
+          <a:xfrm>
+            <a:off x="1976825" y="6165243"/>
+            <a:ext cx="2121158" cy="369332"/>
+          </a:xfrm>
+          <a:prstGeom prst="rect">
+            <a:avLst/>
+          </a:prstGeom>
+          <a:noFill/>
+        </p:spPr>
+        <p:txBody>
+          <a:bodyPr wrap="none" rtlCol="0">
+            <a:spAutoFit/>
+          </a:bodyPr>
+          <a:lstStyle/>
+          <a:p>
+            <a:r>
+              <a:rPr lang="en-US" dirty="0" smtClean="0"/>
+              <a:t>Accuracy = 0.910692</a:t>
+            </a:r>
+            <a:endParaRPr lang="es-CO" dirty="0"/>
+          </a:p>
+        </p:txBody>
+      </p:sp>
+      <p:sp>
+        <p:nvSpPr>
+          <p:cNvPr id="7" name="TextBox 6"/>
+          <p:cNvSpPr txBox="1"/>
+          <p:nvPr/>
+        </p:nvSpPr>
+        <p:spPr>
+          <a:xfrm>
+            <a:off x="6996317" y="461449"/>
+            <a:ext cx="2595903" cy="369332"/>
+          </a:xfrm>
+          <a:prstGeom prst="rect">
+            <a:avLst/>
+          </a:prstGeom>
+          <a:noFill/>
+        </p:spPr>
+        <p:txBody>
+          <a:bodyPr wrap="none" rtlCol="0">
+            <a:spAutoFit/>
+          </a:bodyPr>
+          <a:lstStyle/>
+          <a:p>
+            <a:r>
+              <a:rPr lang="en-US" b="1" dirty="0" smtClean="0"/>
+              <a:t>Support Vector Machines</a:t>
+            </a:r>
+            <a:endParaRPr lang="es-CO" b="1" dirty="0"/>
+          </a:p>
+        </p:txBody>
+      </p:sp>
+      <p:sp>
+        <p:nvSpPr>
+          <p:cNvPr id="8" name="TextBox 7"/>
+          <p:cNvSpPr txBox="1"/>
+          <p:nvPr/>
+        </p:nvSpPr>
+        <p:spPr>
+          <a:xfrm>
+            <a:off x="7233689" y="6165243"/>
+            <a:ext cx="2238177" cy="369332"/>
+          </a:xfrm>
+          <a:prstGeom prst="rect">
+            <a:avLst/>
+          </a:prstGeom>
+          <a:noFill/>
+        </p:spPr>
+        <p:txBody>
+          <a:bodyPr wrap="none" rtlCol="0">
+            <a:spAutoFit/>
+          </a:bodyPr>
+          <a:lstStyle/>
+          <a:p>
+            <a:r>
+              <a:rPr lang="en-US" dirty="0" smtClean="0"/>
+              <a:t>Accuracy </a:t>
+            </a:r>
+            <a:r>
+              <a:rPr lang="en-US" dirty="0"/>
+              <a:t>= 0.8924528</a:t>
+            </a:r>
+            <a:endParaRPr lang="es-CO" dirty="0"/>
+          </a:p>
+        </p:txBody>
+      </p:sp>
+    </p:spTree>
+    <p:extLst>
+      <p:ext uri="{BB962C8B-B14F-4D97-AF65-F5344CB8AC3E}">
+        <p14:creationId xmlns:p14="http://schemas.microsoft.com/office/powerpoint/2010/main" val="2206704834"/>
+      </p:ext>
+    </p:extLst>
+  </p:cSld>
+  <p:clrMapOvr>
+    <a:masterClrMapping/>
+  </p:clrMapOvr>
+  <p:timing>
+    <p:tnLst>
+      <p:par>
+        <p:cTn id="1" dur="indefinite" restart="never" nodeType="tmRoot"/>
+      </p:par>
+    </p:tnLst>
+  </p:timing>
+</p:sld>
+</file>
+
+<file path=ppt/slides/slide12.xml><?xml version="1.0" encoding="utf-8"?>
+<p:sld xmlns:a="http://schemas.openxmlformats.org/drawingml/2006/main" xmlns:r="http://schemas.openxmlformats.org/officeDocument/2006/relationships" xmlns:p="http://schemas.openxmlformats.org/presentationml/2006/main">
+  <p:cSld>
+    <p:spTree>
+      <p:nvGrpSpPr>
+        <p:cNvPr id="1" name=""/>
+        <p:cNvGrpSpPr/>
+        <p:nvPr/>
+      </p:nvGrpSpPr>
+      <p:grpSpPr>
+        <a:xfrm>
+          <a:off x="0" y="0"/>
+          <a:ext cx="0" cy="0"/>
+          <a:chOff x="0" y="0"/>
+          <a:chExt cx="0" cy="0"/>
+        </a:xfrm>
+      </p:grpSpPr>
+      <p:pic>
+        <p:nvPicPr>
+          <p:cNvPr id="2" name="Picture 1"/>
+          <p:cNvPicPr>
+            <a:picLocks noChangeAspect="1"/>
+          </p:cNvPicPr>
+          <p:nvPr/>
+        </p:nvPicPr>
+        <p:blipFill>
+          <a:blip r:embed="rId2"/>
+          <a:stretch>
+            <a:fillRect/>
+          </a:stretch>
+        </p:blipFill>
+        <p:spPr>
+          <a:xfrm>
+            <a:off x="0" y="899792"/>
+            <a:ext cx="6096528" cy="5334462"/>
+          </a:xfrm>
+          <a:prstGeom prst="rect">
+            <a:avLst/>
+          </a:prstGeom>
+        </p:spPr>
+      </p:pic>
+      <p:pic>
+        <p:nvPicPr>
+          <p:cNvPr id="4" name="Picture 3"/>
+          <p:cNvPicPr>
+            <a:picLocks noChangeAspect="1"/>
+          </p:cNvPicPr>
+          <p:nvPr/>
+        </p:nvPicPr>
+        <p:blipFill>
+          <a:blip r:embed="rId3"/>
+          <a:stretch>
+            <a:fillRect/>
+          </a:stretch>
+        </p:blipFill>
+        <p:spPr>
+          <a:xfrm>
+            <a:off x="6095472" y="899792"/>
+            <a:ext cx="6096528" cy="5334462"/>
+          </a:xfrm>
+          <a:prstGeom prst="rect">
+            <a:avLst/>
+          </a:prstGeom>
+        </p:spPr>
+      </p:pic>
+    </p:spTree>
+    <p:extLst>
+      <p:ext uri="{BB962C8B-B14F-4D97-AF65-F5344CB8AC3E}">
+        <p14:creationId xmlns:p14="http://schemas.microsoft.com/office/powerpoint/2010/main" val="4106778954"/>
+      </p:ext>
+    </p:extLst>
+  </p:cSld>
+  <p:clrMapOvr>
+    <a:masterClrMapping/>
+  </p:clrMapOvr>
+  <p:timing>
+    <p:tnLst>
+      <p:par>
+        <p:cTn id="1" dur="indefinite" restart="never" nodeType="tmRoot"/>
+      </p:par>
+    </p:tnLst>
+  </p:timing>
+</p:sld>
+</file>
+
+<file path=ppt/slides/slide13.xml><?xml version="1.0" encoding="utf-8"?>
+<p:sld xmlns:a="http://schemas.openxmlformats.org/drawingml/2006/main" xmlns:r="http://schemas.openxmlformats.org/officeDocument/2006/relationships" xmlns:p="http://schemas.openxmlformats.org/presentationml/2006/main">
+  <p:cSld>
+    <p:spTree>
+      <p:nvGrpSpPr>
+        <p:cNvPr id="1" name=""/>
+        <p:cNvGrpSpPr/>
+        <p:nvPr/>
+      </p:nvGrpSpPr>
+      <p:grpSpPr>
+        <a:xfrm>
+          <a:off x="0" y="0"/>
+          <a:ext cx="0" cy="0"/>
+          <a:chOff x="0" y="0"/>
+          <a:chExt cx="0" cy="0"/>
+        </a:xfrm>
+      </p:grpSpPr>
+      <p:pic>
+        <p:nvPicPr>
+          <p:cNvPr id="2" name="Picture 1"/>
+          <p:cNvPicPr>
+            <a:picLocks noChangeAspect="1"/>
+          </p:cNvPicPr>
+          <p:nvPr/>
+        </p:nvPicPr>
+        <p:blipFill>
+          <a:blip r:embed="rId2"/>
+          <a:stretch>
+            <a:fillRect/>
+          </a:stretch>
+        </p:blipFill>
+        <p:spPr>
+          <a:xfrm>
+            <a:off x="448874" y="462261"/>
+            <a:ext cx="11354937" cy="5943600"/>
+          </a:xfrm>
+          <a:prstGeom prst="rect">
+            <a:avLst/>
+          </a:prstGeom>
+        </p:spPr>
+      </p:pic>
+    </p:spTree>
+    <p:extLst>
+      <p:ext uri="{BB962C8B-B14F-4D97-AF65-F5344CB8AC3E}">
+        <p14:creationId xmlns:p14="http://schemas.microsoft.com/office/powerpoint/2010/main" val="1124300279"/>
+      </p:ext>
+    </p:extLst>
+  </p:cSld>
+  <p:clrMapOvr>
+    <a:masterClrMapping/>
+  </p:clrMapOvr>
+  <p:timing>
+    <p:tnLst>
+      <p:par>
+        <p:cTn id="1" dur="indefinite" restart="never" nodeType="tmRoot"/>
+      </p:par>
+    </p:tnLst>
+  </p:timing>
+</p:sld>
+</file>
+
+<file path=ppt/slides/slide14.xml><?xml version="1.0" encoding="utf-8"?>
+<p:sld xmlns:a="http://schemas.openxmlformats.org/drawingml/2006/main" xmlns:r="http://schemas.openxmlformats.org/officeDocument/2006/relationships" xmlns:p="http://schemas.openxmlformats.org/presentationml/2006/main">
+  <p:cSld>
+    <p:spTree>
+      <p:nvGrpSpPr>
+        <p:cNvPr id="1" name=""/>
+        <p:cNvGrpSpPr/>
+        <p:nvPr/>
+      </p:nvGrpSpPr>
+      <p:grpSpPr>
+        <a:xfrm>
+          <a:off x="0" y="0"/>
+          <a:ext cx="0" cy="0"/>
+          <a:chOff x="0" y="0"/>
+          <a:chExt cx="0" cy="0"/>
+        </a:xfrm>
+      </p:grpSpPr>
       <p:sp>
         <p:nvSpPr>
           <p:cNvPr id="2" name="Title 1"/>
@@ -3197,7 +3555,7 @@
 </p:sld>
 </file>
 
-<file path=ppt/slides/slide12.xml><?xml version="1.0" encoding="utf-8"?>
+<file path=ppt/slides/slide15.xml><?xml version="1.0" encoding="utf-8"?>
 <p:sld xmlns:a="http://schemas.openxmlformats.org/drawingml/2006/main" xmlns:r="http://schemas.openxmlformats.org/officeDocument/2006/relationships" xmlns:p="http://schemas.openxmlformats.org/presentationml/2006/main">
   <p:cSld>
     <p:spTree>
@@ -3673,8 +4031,8 @@
           </a:p>
         </p:txBody>
       </p:sp>
-      <mc:AlternateContent xmlns:mc="http://schemas.openxmlformats.org/markup-compatibility/2006">
-        <mc:Choice xmlns:a14="http://schemas.microsoft.com/office/drawing/2010/main" Requires="a14">
+      <mc:AlternateContent xmlns:mc="http://schemas.openxmlformats.org/markup-compatibility/2006" xmlns:a14="http://schemas.microsoft.com/office/drawing/2010/main">
+        <mc:Choice Requires="a14">
           <p:sp>
             <p:nvSpPr>
               <p:cNvPr id="6" name="TextBox 5"/>
@@ -3697,6 +4055,7 @@
               </a:bodyPr>
               <a:lstStyle/>
               <a:p>
+                <a:pPr/>
                 <a14:m>
                   <m:oMathPara xmlns:m="http://schemas.openxmlformats.org/officeDocument/2006/math">
                     <m:oMathParaPr>
@@ -3753,7 +4112,7 @@
             </p:txBody>
           </p:sp>
         </mc:Choice>
-        <mc:Fallback>
+        <mc:Fallback xmlns="">
           <p:sp>
             <p:nvSpPr>
               <p:cNvPr id="6" name="TextBox 5"/>
@@ -3792,8 +4151,8 @@
           </p:sp>
         </mc:Fallback>
       </mc:AlternateContent>
-      <mc:AlternateContent xmlns:mc="http://schemas.openxmlformats.org/markup-compatibility/2006">
-        <mc:Choice xmlns:a14="http://schemas.microsoft.com/office/drawing/2010/main" Requires="a14">
+      <mc:AlternateContent xmlns:mc="http://schemas.openxmlformats.org/markup-compatibility/2006" xmlns:a14="http://schemas.microsoft.com/office/drawing/2010/main">
+        <mc:Choice Requires="a14">
           <p:sp>
             <p:nvSpPr>
               <p:cNvPr id="10" name="TextBox 9"/>
@@ -3816,6 +4175,7 @@
               </a:bodyPr>
               <a:lstStyle/>
               <a:p>
+                <a:pPr/>
                 <a14:m>
                   <m:oMathPara xmlns:m="http://schemas.openxmlformats.org/officeDocument/2006/math">
                     <m:oMathParaPr>
@@ -3872,7 +4232,7 @@
             </p:txBody>
           </p:sp>
         </mc:Choice>
-        <mc:Fallback>
+        <mc:Fallback xmlns="">
           <p:sp>
             <p:nvSpPr>
               <p:cNvPr id="10" name="TextBox 9"/>
@@ -3911,8 +4271,8 @@
           </p:sp>
         </mc:Fallback>
       </mc:AlternateContent>
-      <mc:AlternateContent xmlns:mc="http://schemas.openxmlformats.org/markup-compatibility/2006">
-        <mc:Choice xmlns:a14="http://schemas.microsoft.com/office/drawing/2010/main" Requires="a14">
+      <mc:AlternateContent xmlns:mc="http://schemas.openxmlformats.org/markup-compatibility/2006" xmlns:a14="http://schemas.microsoft.com/office/drawing/2010/main">
+        <mc:Choice Requires="a14">
           <p:sp>
             <p:nvSpPr>
               <p:cNvPr id="11" name="TextBox 10"/>
@@ -3935,6 +4295,7 @@
               </a:bodyPr>
               <a:lstStyle/>
               <a:p>
+                <a:pPr/>
                 <a14:m>
                   <m:oMathPara xmlns:m="http://schemas.openxmlformats.org/officeDocument/2006/math">
                     <m:oMathParaPr>
@@ -3991,7 +4352,7 @@
             </p:txBody>
           </p:sp>
         </mc:Choice>
-        <mc:Fallback>
+        <mc:Fallback xmlns="">
           <p:sp>
             <p:nvSpPr>
               <p:cNvPr id="11" name="TextBox 10"/>

--- a/landraces_classification/classification_algorithms/Landrace_Gap_Analysis-results.pptx
+++ b/landraces_classification/classification_algorithms/Landrace_Gap_Analysis-results.pptx
@@ -18,8 +18,9 @@
     <p:sldId id="268" r:id="rId12"/>
     <p:sldId id="270" r:id="rId13"/>
     <p:sldId id="269" r:id="rId14"/>
-    <p:sldId id="264" r:id="rId15"/>
-    <p:sldId id="265" r:id="rId16"/>
+    <p:sldId id="271" r:id="rId15"/>
+    <p:sldId id="264" r:id="rId16"/>
+    <p:sldId id="265" r:id="rId17"/>
   </p:sldIdLst>
   <p:sldSz cx="12192000" cy="6858000"/>
   <p:notesSz cx="6858000" cy="9144000"/>
@@ -257,7 +258,7 @@
           <a:p>
             <a:fld id="{C85E124E-CF58-40F0-9C4F-2B3D888B935B}" type="datetimeFigureOut">
               <a:rPr lang="es-CO" smtClean="0"/>
-              <a:t>07/09/2017</a:t>
+              <a:t>08/09/2017</a:t>
             </a:fld>
             <a:endParaRPr lang="es-CO"/>
           </a:p>
@@ -427,7 +428,7 @@
           <a:p>
             <a:fld id="{C85E124E-CF58-40F0-9C4F-2B3D888B935B}" type="datetimeFigureOut">
               <a:rPr lang="es-CO" smtClean="0"/>
-              <a:t>07/09/2017</a:t>
+              <a:t>08/09/2017</a:t>
             </a:fld>
             <a:endParaRPr lang="es-CO"/>
           </a:p>
@@ -607,7 +608,7 @@
           <a:p>
             <a:fld id="{C85E124E-CF58-40F0-9C4F-2B3D888B935B}" type="datetimeFigureOut">
               <a:rPr lang="es-CO" smtClean="0"/>
-              <a:t>07/09/2017</a:t>
+              <a:t>08/09/2017</a:t>
             </a:fld>
             <a:endParaRPr lang="es-CO"/>
           </a:p>
@@ -777,7 +778,7 @@
           <a:p>
             <a:fld id="{C85E124E-CF58-40F0-9C4F-2B3D888B935B}" type="datetimeFigureOut">
               <a:rPr lang="es-CO" smtClean="0"/>
-              <a:t>07/09/2017</a:t>
+              <a:t>08/09/2017</a:t>
             </a:fld>
             <a:endParaRPr lang="es-CO"/>
           </a:p>
@@ -1023,7 +1024,7 @@
           <a:p>
             <a:fld id="{C85E124E-CF58-40F0-9C4F-2B3D888B935B}" type="datetimeFigureOut">
               <a:rPr lang="es-CO" smtClean="0"/>
-              <a:t>07/09/2017</a:t>
+              <a:t>08/09/2017</a:t>
             </a:fld>
             <a:endParaRPr lang="es-CO"/>
           </a:p>
@@ -1255,7 +1256,7 @@
           <a:p>
             <a:fld id="{C85E124E-CF58-40F0-9C4F-2B3D888B935B}" type="datetimeFigureOut">
               <a:rPr lang="es-CO" smtClean="0"/>
-              <a:t>07/09/2017</a:t>
+              <a:t>08/09/2017</a:t>
             </a:fld>
             <a:endParaRPr lang="es-CO"/>
           </a:p>
@@ -1622,7 +1623,7 @@
           <a:p>
             <a:fld id="{C85E124E-CF58-40F0-9C4F-2B3D888B935B}" type="datetimeFigureOut">
               <a:rPr lang="es-CO" smtClean="0"/>
-              <a:t>07/09/2017</a:t>
+              <a:t>08/09/2017</a:t>
             </a:fld>
             <a:endParaRPr lang="es-CO"/>
           </a:p>
@@ -1740,7 +1741,7 @@
           <a:p>
             <a:fld id="{C85E124E-CF58-40F0-9C4F-2B3D888B935B}" type="datetimeFigureOut">
               <a:rPr lang="es-CO" smtClean="0"/>
-              <a:t>07/09/2017</a:t>
+              <a:t>08/09/2017</a:t>
             </a:fld>
             <a:endParaRPr lang="es-CO"/>
           </a:p>
@@ -1835,7 +1836,7 @@
           <a:p>
             <a:fld id="{C85E124E-CF58-40F0-9C4F-2B3D888B935B}" type="datetimeFigureOut">
               <a:rPr lang="es-CO" smtClean="0"/>
-              <a:t>07/09/2017</a:t>
+              <a:t>08/09/2017</a:t>
             </a:fld>
             <a:endParaRPr lang="es-CO"/>
           </a:p>
@@ -2112,7 +2113,7 @@
           <a:p>
             <a:fld id="{C85E124E-CF58-40F0-9C4F-2B3D888B935B}" type="datetimeFigureOut">
               <a:rPr lang="es-CO" smtClean="0"/>
-              <a:t>07/09/2017</a:t>
+              <a:t>08/09/2017</a:t>
             </a:fld>
             <a:endParaRPr lang="es-CO"/>
           </a:p>
@@ -2365,7 +2366,7 @@
           <a:p>
             <a:fld id="{C85E124E-CF58-40F0-9C4F-2B3D888B935B}" type="datetimeFigureOut">
               <a:rPr lang="es-CO" smtClean="0"/>
-              <a:t>07/09/2017</a:t>
+              <a:t>08/09/2017</a:t>
             </a:fld>
             <a:endParaRPr lang="es-CO"/>
           </a:p>
@@ -2578,7 +2579,7 @@
           <a:p>
             <a:fld id="{C85E124E-CF58-40F0-9C4F-2B3D888B935B}" type="datetimeFigureOut">
               <a:rPr lang="es-CO" smtClean="0"/>
-              <a:t>07/09/2017</a:t>
+              <a:t>08/09/2017</a:t>
             </a:fld>
             <a:endParaRPr lang="es-CO"/>
           </a:p>
@@ -3368,7 +3369,7 @@
       </p:grpSpPr>
       <p:pic>
         <p:nvPicPr>
-          <p:cNvPr id="2" name="Picture 1"/>
+          <p:cNvPr id="3" name="Picture 2"/>
           <p:cNvPicPr>
             <a:picLocks noChangeAspect="1"/>
           </p:cNvPicPr>
@@ -3382,8 +3383,8 @@
         </p:blipFill>
         <p:spPr>
           <a:xfrm>
-            <a:off x="0" y="899792"/>
-            <a:ext cx="6096528" cy="5334462"/>
+            <a:off x="293298" y="986056"/>
+            <a:ext cx="6477561" cy="5334462"/>
           </a:xfrm>
           <a:prstGeom prst="rect">
             <a:avLst/>
@@ -3392,7 +3393,7 @@
       </p:pic>
       <p:pic>
         <p:nvPicPr>
-          <p:cNvPr id="4" name="Picture 3"/>
+          <p:cNvPr id="5" name="Picture 4"/>
           <p:cNvPicPr>
             <a:picLocks noChangeAspect="1"/>
           </p:cNvPicPr>
@@ -3406,14 +3407,122 @@
         </p:blipFill>
         <p:spPr>
           <a:xfrm>
-            <a:off x="6095472" y="899792"/>
-            <a:ext cx="6096528" cy="5334462"/>
+            <a:off x="5591792" y="986056"/>
+            <a:ext cx="6477561" cy="5334462"/>
           </a:xfrm>
           <a:prstGeom prst="rect">
             <a:avLst/>
           </a:prstGeom>
         </p:spPr>
       </p:pic>
+      <p:sp>
+        <p:nvSpPr>
+          <p:cNvPr id="6" name="TextBox 5"/>
+          <p:cNvSpPr txBox="1"/>
+          <p:nvPr/>
+        </p:nvSpPr>
+        <p:spPr>
+          <a:xfrm>
+            <a:off x="2222886" y="461449"/>
+            <a:ext cx="1629036" cy="369332"/>
+          </a:xfrm>
+          <a:prstGeom prst="rect">
+            <a:avLst/>
+          </a:prstGeom>
+          <a:noFill/>
+        </p:spPr>
+        <p:txBody>
+          <a:bodyPr wrap="none" rtlCol="0">
+            <a:spAutoFit/>
+          </a:bodyPr>
+          <a:lstStyle/>
+          <a:p>
+            <a:r>
+              <a:rPr lang="en-US" b="1" dirty="0" smtClean="0"/>
+              <a:t>Random Forest</a:t>
+            </a:r>
+            <a:endParaRPr lang="es-CO" b="1" dirty="0"/>
+          </a:p>
+        </p:txBody>
+      </p:sp>
+      <p:sp>
+        <p:nvSpPr>
+          <p:cNvPr id="7" name="TextBox 6"/>
+          <p:cNvSpPr txBox="1"/>
+          <p:nvPr/>
+        </p:nvSpPr>
+        <p:spPr>
+          <a:xfrm>
+            <a:off x="6996317" y="461449"/>
+            <a:ext cx="2595903" cy="369332"/>
+          </a:xfrm>
+          <a:prstGeom prst="rect">
+            <a:avLst/>
+          </a:prstGeom>
+          <a:noFill/>
+        </p:spPr>
+        <p:txBody>
+          <a:bodyPr wrap="none" rtlCol="0">
+            <a:spAutoFit/>
+          </a:bodyPr>
+          <a:lstStyle/>
+          <a:p>
+            <a:r>
+              <a:rPr lang="en-US" b="1" dirty="0" smtClean="0"/>
+              <a:t>Support Vector Machines</a:t>
+            </a:r>
+            <a:endParaRPr lang="es-CO" b="1" dirty="0"/>
+          </a:p>
+        </p:txBody>
+      </p:sp>
+      <p:sp>
+        <p:nvSpPr>
+          <p:cNvPr id="8" name="Rectangle 7"/>
+          <p:cNvSpPr/>
+          <p:nvPr/>
+        </p:nvSpPr>
+        <p:spPr>
+          <a:xfrm>
+            <a:off x="10696755" y="3157268"/>
+            <a:ext cx="1372598" cy="258792"/>
+          </a:xfrm>
+          <a:prstGeom prst="rect">
+            <a:avLst/>
+          </a:prstGeom>
+          <a:solidFill>
+            <a:schemeClr val="bg1"/>
+          </a:solidFill>
+          <a:ln>
+            <a:solidFill>
+              <a:schemeClr val="bg1"/>
+            </a:solidFill>
+          </a:ln>
+        </p:spPr>
+        <p:style>
+          <a:lnRef idx="2">
+            <a:schemeClr val="accent1">
+              <a:shade val="50000"/>
+            </a:schemeClr>
+          </a:lnRef>
+          <a:fillRef idx="1">
+            <a:schemeClr val="accent1"/>
+          </a:fillRef>
+          <a:effectRef idx="0">
+            <a:schemeClr val="accent1"/>
+          </a:effectRef>
+          <a:fontRef idx="minor">
+            <a:schemeClr val="lt1"/>
+          </a:fontRef>
+        </p:style>
+        <p:txBody>
+          <a:bodyPr rtlCol="0" anchor="ctr"/>
+          <a:lstStyle/>
+          <a:p>
+            <a:pPr algn="ctr"/>
+            <a:endParaRPr lang="es-CO"/>
+          </a:p>
+        </p:txBody>
+      </p:sp>
     </p:spTree>
     <p:extLst>
       <p:ext uri="{BB962C8B-B14F-4D97-AF65-F5344CB8AC3E}">
@@ -3512,6 +3621,67 @@
           <a:chExt cx="0" cy="0"/>
         </a:xfrm>
       </p:grpSpPr>
+      <p:pic>
+        <p:nvPicPr>
+          <p:cNvPr id="2" name="Picture 1"/>
+          <p:cNvPicPr>
+            <a:picLocks noChangeAspect="1"/>
+          </p:cNvPicPr>
+          <p:nvPr/>
+        </p:nvPicPr>
+        <p:blipFill>
+          <a:blip r:embed="rId2"/>
+          <a:stretch>
+            <a:fillRect/>
+          </a:stretch>
+        </p:blipFill>
+        <p:spPr>
+          <a:xfrm>
+            <a:off x="371878" y="495259"/>
+            <a:ext cx="11430991" cy="5936494"/>
+          </a:xfrm>
+          <a:prstGeom prst="rect">
+            <a:avLst/>
+          </a:prstGeom>
+        </p:spPr>
+      </p:pic>
+    </p:spTree>
+    <p:extLst>
+      <p:ext uri="{BB962C8B-B14F-4D97-AF65-F5344CB8AC3E}">
+        <p14:creationId xmlns:p14="http://schemas.microsoft.com/office/powerpoint/2010/main" val="683266836"/>
+      </p:ext>
+    </p:extLst>
+  </p:cSld>
+  <p:clrMapOvr>
+    <a:masterClrMapping/>
+  </p:clrMapOvr>
+  <p:timing>
+    <p:tnLst>
+      <p:par>
+        <p:cTn id="1" dur="indefinite" restart="never" nodeType="tmRoot"/>
+      </p:par>
+    </p:tnLst>
+  </p:timing>
+</p:sld>
+</file>
+
+<file path=ppt/slides/slide15.xml><?xml version="1.0" encoding="utf-8"?>
+<p:sld xmlns:a="http://schemas.openxmlformats.org/drawingml/2006/main" xmlns:r="http://schemas.openxmlformats.org/officeDocument/2006/relationships" xmlns:p="http://schemas.openxmlformats.org/presentationml/2006/main">
+  <p:cSld>
+    <p:spTree>
+      <p:nvGrpSpPr>
+        <p:cNvPr id="1" name=""/>
+        <p:cNvGrpSpPr/>
+        <p:nvPr/>
+      </p:nvGrpSpPr>
+      <p:grpSpPr>
+        <a:xfrm>
+          <a:off x="0" y="0"/>
+          <a:ext cx="0" cy="0"/>
+          <a:chOff x="0" y="0"/>
+          <a:chExt cx="0" cy="0"/>
+        </a:xfrm>
+      </p:grpSpPr>
       <p:sp>
         <p:nvSpPr>
           <p:cNvPr id="2" name="Title 1"/>
@@ -3555,7 +3725,7 @@
 </p:sld>
 </file>
 
-<file path=ppt/slides/slide15.xml><?xml version="1.0" encoding="utf-8"?>
+<file path=ppt/slides/slide16.xml><?xml version="1.0" encoding="utf-8"?>
 <p:sld xmlns:a="http://schemas.openxmlformats.org/drawingml/2006/main" xmlns:r="http://schemas.openxmlformats.org/officeDocument/2006/relationships" xmlns:p="http://schemas.openxmlformats.org/presentationml/2006/main">
   <p:cSld>
     <p:spTree>

--- a/landraces_classification/classification_algorithms/Landrace_Gap_Analysis-results.pptx
+++ b/landraces_classification/classification_algorithms/Landrace_Gap_Analysis-results.pptx
@@ -17,10 +17,16 @@
     <p:sldId id="262" r:id="rId11"/>
     <p:sldId id="268" r:id="rId12"/>
     <p:sldId id="270" r:id="rId13"/>
-    <p:sldId id="269" r:id="rId14"/>
-    <p:sldId id="271" r:id="rId15"/>
-    <p:sldId id="264" r:id="rId16"/>
-    <p:sldId id="265" r:id="rId17"/>
+    <p:sldId id="279" r:id="rId14"/>
+    <p:sldId id="269" r:id="rId15"/>
+    <p:sldId id="271" r:id="rId16"/>
+    <p:sldId id="264" r:id="rId17"/>
+    <p:sldId id="272" r:id="rId18"/>
+    <p:sldId id="278" r:id="rId19"/>
+    <p:sldId id="273" r:id="rId20"/>
+    <p:sldId id="276" r:id="rId21"/>
+    <p:sldId id="277" r:id="rId22"/>
+    <p:sldId id="265" r:id="rId23"/>
   </p:sldIdLst>
   <p:sldSz cx="12192000" cy="6858000"/>
   <p:notesSz cx="6858000" cy="9144000"/>
@@ -3560,47 +3566,138 @@
           <a:chExt cx="0" cy="0"/>
         </a:xfrm>
       </p:grpSpPr>
-      <p:pic>
-        <p:nvPicPr>
-          <p:cNvPr id="2" name="Picture 1"/>
-          <p:cNvPicPr>
-            <a:picLocks noChangeAspect="1"/>
-          </p:cNvPicPr>
-          <p:nvPr/>
-        </p:nvPicPr>
-        <p:blipFill>
-          <a:blip r:embed="rId2"/>
-          <a:stretch>
-            <a:fillRect/>
-          </a:stretch>
-        </p:blipFill>
-        <p:spPr>
-          <a:xfrm>
-            <a:off x="448874" y="462261"/>
-            <a:ext cx="11354937" cy="5943600"/>
-          </a:xfrm>
-          <a:prstGeom prst="rect">
-            <a:avLst/>
-          </a:prstGeom>
-        </p:spPr>
-      </p:pic>
+      <p:graphicFrame>
+        <p:nvGraphicFramePr>
+          <p:cNvPr id="2" name="Table 1"/>
+          <p:cNvGraphicFramePr>
+            <a:graphicFrameLocks noGrp="1"/>
+          </p:cNvGraphicFramePr>
+          <p:nvPr>
+            <p:extLst>
+              <p:ext uri="{D42A27DB-BD31-4B8C-83A1-F6EECF244321}">
+                <p14:modId xmlns:p14="http://schemas.microsoft.com/office/powerpoint/2010/main" val="1674419694"/>
+              </p:ext>
+            </p:extLst>
+          </p:nvPr>
+        </p:nvGraphicFramePr>
+        <p:xfrm>
+          <a:off x="2040627" y="2634729"/>
+          <a:ext cx="8128000" cy="1112520"/>
+        </p:xfrm>
+        <a:graphic>
+          <a:graphicData uri="http://schemas.openxmlformats.org/drawingml/2006/table">
+            <a:tbl>
+              <a:tblPr firstRow="1" bandRow="1">
+                <a:tableStyleId>{5C22544A-7EE6-4342-B048-85BDC9FD1C3A}</a:tableStyleId>
+              </a:tblPr>
+              <a:tblGrid>
+                <a:gridCol w="4064000"/>
+                <a:gridCol w="4064000"/>
+              </a:tblGrid>
+              <a:tr h="370840">
+                <a:tc>
+                  <a:txBody>
+                    <a:bodyPr/>
+                    <a:lstStyle/>
+                    <a:p>
+                      <a:r>
+                        <a:rPr lang="en-US" dirty="0" smtClean="0"/>
+                        <a:t>Genepool</a:t>
+                      </a:r>
+                      <a:endParaRPr lang="es-CO" dirty="0"/>
+                    </a:p>
+                  </a:txBody>
+                  <a:tcPr/>
+                </a:tc>
+                <a:tc>
+                  <a:txBody>
+                    <a:bodyPr/>
+                    <a:lstStyle/>
+                    <a:p>
+                      <a:r>
+                        <a:rPr lang="en-US" dirty="0" smtClean="0"/>
+                        <a:t>Accuracy</a:t>
+                      </a:r>
+                      <a:endParaRPr lang="es-CO" dirty="0"/>
+                    </a:p>
+                  </a:txBody>
+                  <a:tcPr/>
+                </a:tc>
+              </a:tr>
+              <a:tr h="370840">
+                <a:tc>
+                  <a:txBody>
+                    <a:bodyPr/>
+                    <a:lstStyle/>
+                    <a:p>
+                      <a:r>
+                        <a:rPr lang="es-CO" dirty="0" smtClean="0"/>
+                        <a:t>Andean</a:t>
+                      </a:r>
+                      <a:endParaRPr lang="es-CO" dirty="0"/>
+                    </a:p>
+                  </a:txBody>
+                  <a:tcPr/>
+                </a:tc>
+                <a:tc>
+                  <a:txBody>
+                    <a:bodyPr/>
+                    <a:lstStyle/>
+                    <a:p>
+                      <a:r>
+                        <a:rPr lang="es-CO" dirty="0" smtClean="0"/>
+                        <a:t>0.8883764</a:t>
+                      </a:r>
+                      <a:endParaRPr lang="es-CO" dirty="0"/>
+                    </a:p>
+                  </a:txBody>
+                  <a:tcPr/>
+                </a:tc>
+              </a:tr>
+              <a:tr h="370840">
+                <a:tc>
+                  <a:txBody>
+                    <a:bodyPr/>
+                    <a:lstStyle/>
+                    <a:p>
+                      <a:r>
+                        <a:rPr lang="es-CO" dirty="0" smtClean="0"/>
+                        <a:t>Mesoamerican</a:t>
+                      </a:r>
+                      <a:endParaRPr lang="es-CO" dirty="0"/>
+                    </a:p>
+                  </a:txBody>
+                  <a:tcPr/>
+                </a:tc>
+                <a:tc>
+                  <a:txBody>
+                    <a:bodyPr/>
+                    <a:lstStyle/>
+                    <a:p>
+                      <a:r>
+                        <a:rPr lang="es-CO" dirty="0" smtClean="0"/>
+                        <a:t>0.9282319</a:t>
+                      </a:r>
+                      <a:endParaRPr lang="es-CO" dirty="0"/>
+                    </a:p>
+                  </a:txBody>
+                  <a:tcPr/>
+                </a:tc>
+              </a:tr>
+            </a:tbl>
+          </a:graphicData>
+        </a:graphic>
+      </p:graphicFrame>
     </p:spTree>
     <p:extLst>
       <p:ext uri="{BB962C8B-B14F-4D97-AF65-F5344CB8AC3E}">
-        <p14:creationId xmlns:p14="http://schemas.microsoft.com/office/powerpoint/2010/main" val="1124300279"/>
+        <p14:creationId xmlns:p14="http://schemas.microsoft.com/office/powerpoint/2010/main" val="376720252"/>
       </p:ext>
     </p:extLst>
   </p:cSld>
   <p:clrMapOvr>
     <a:masterClrMapping/>
   </p:clrMapOvr>
-  <p:timing>
-    <p:tnLst>
-      <p:par>
-        <p:cTn id="1" dur="indefinite" restart="never" nodeType="tmRoot"/>
-      </p:par>
-    </p:tnLst>
-  </p:timing>
 </p:sld>
 </file>
 
@@ -3637,8 +3734,8 @@
         </p:blipFill>
         <p:spPr>
           <a:xfrm>
-            <a:off x="371878" y="495259"/>
-            <a:ext cx="11430991" cy="5936494"/>
+            <a:off x="448874" y="462261"/>
+            <a:ext cx="11354937" cy="5943600"/>
           </a:xfrm>
           <a:prstGeom prst="rect">
             <a:avLst/>
@@ -3648,7 +3745,7 @@
     </p:spTree>
     <p:extLst>
       <p:ext uri="{BB962C8B-B14F-4D97-AF65-F5344CB8AC3E}">
-        <p14:creationId xmlns:p14="http://schemas.microsoft.com/office/powerpoint/2010/main" val="683266836"/>
+        <p14:creationId xmlns:p14="http://schemas.microsoft.com/office/powerpoint/2010/main" val="1124300279"/>
       </p:ext>
     </p:extLst>
   </p:cSld>
@@ -3682,33 +3779,34 @@
           <a:chExt cx="0" cy="0"/>
         </a:xfrm>
       </p:grpSpPr>
-      <p:sp>
-        <p:nvSpPr>
-          <p:cNvPr id="2" name="Title 1"/>
-          <p:cNvSpPr>
-            <a:spLocks noGrp="1"/>
-          </p:cNvSpPr>
-          <p:nvPr>
-            <p:ph type="ctrTitle"/>
-          </p:nvPr>
-        </p:nvSpPr>
-        <p:spPr/>
-        <p:txBody>
-          <a:bodyPr/>
-          <a:lstStyle/>
-          <a:p>
-            <a:r>
-              <a:rPr lang="en-US" dirty="0" smtClean="0"/>
-              <a:t>Race analysis</a:t>
-            </a:r>
-            <a:endParaRPr lang="es-CO" dirty="0"/>
-          </a:p>
-        </p:txBody>
-      </p:sp>
+      <p:pic>
+        <p:nvPicPr>
+          <p:cNvPr id="2" name="Picture 1"/>
+          <p:cNvPicPr>
+            <a:picLocks noChangeAspect="1"/>
+          </p:cNvPicPr>
+          <p:nvPr/>
+        </p:nvPicPr>
+        <p:blipFill>
+          <a:blip r:embed="rId2"/>
+          <a:stretch>
+            <a:fillRect/>
+          </a:stretch>
+        </p:blipFill>
+        <p:spPr>
+          <a:xfrm>
+            <a:off x="371878" y="495259"/>
+            <a:ext cx="11430991" cy="5936494"/>
+          </a:xfrm>
+          <a:prstGeom prst="rect">
+            <a:avLst/>
+          </a:prstGeom>
+        </p:spPr>
+      </p:pic>
     </p:spTree>
     <p:extLst>
       <p:ext uri="{BB962C8B-B14F-4D97-AF65-F5344CB8AC3E}">
-        <p14:creationId xmlns:p14="http://schemas.microsoft.com/office/powerpoint/2010/main" val="954851267"/>
+        <p14:creationId xmlns:p14="http://schemas.microsoft.com/office/powerpoint/2010/main" val="683266836"/>
       </p:ext>
     </p:extLst>
   </p:cSld>
@@ -3759,7 +3857,7 @@
           <a:p>
             <a:r>
               <a:rPr lang="en-US" dirty="0" smtClean="0"/>
-              <a:t>Subgroup analysis</a:t>
+              <a:t>Race analysis</a:t>
             </a:r>
             <a:endParaRPr lang="es-CO" dirty="0"/>
           </a:p>
@@ -3768,7 +3866,649 @@
     </p:spTree>
     <p:extLst>
       <p:ext uri="{BB962C8B-B14F-4D97-AF65-F5344CB8AC3E}">
-        <p14:creationId xmlns:p14="http://schemas.microsoft.com/office/powerpoint/2010/main" val="1039304946"/>
+        <p14:creationId xmlns:p14="http://schemas.microsoft.com/office/powerpoint/2010/main" val="954851267"/>
+      </p:ext>
+    </p:extLst>
+  </p:cSld>
+  <p:clrMapOvr>
+    <a:masterClrMapping/>
+  </p:clrMapOvr>
+  <p:timing>
+    <p:tnLst>
+      <p:par>
+        <p:cTn id="1" dur="indefinite" restart="never" nodeType="tmRoot"/>
+      </p:par>
+    </p:tnLst>
+  </p:timing>
+</p:sld>
+</file>
+
+<file path=ppt/slides/slide17.xml><?xml version="1.0" encoding="utf-8"?>
+<p:sld xmlns:a="http://schemas.openxmlformats.org/drawingml/2006/main" xmlns:r="http://schemas.openxmlformats.org/officeDocument/2006/relationships" xmlns:p="http://schemas.openxmlformats.org/presentationml/2006/main">
+  <p:cSld>
+    <p:spTree>
+      <p:nvGrpSpPr>
+        <p:cNvPr id="1" name=""/>
+        <p:cNvGrpSpPr/>
+        <p:nvPr/>
+      </p:nvGrpSpPr>
+      <p:grpSpPr>
+        <a:xfrm>
+          <a:off x="0" y="0"/>
+          <a:ext cx="0" cy="0"/>
+          <a:chOff x="0" y="0"/>
+          <a:chExt cx="0" cy="0"/>
+        </a:xfrm>
+      </p:grpSpPr>
+      <p:pic>
+        <p:nvPicPr>
+          <p:cNvPr id="2" name="Picture 1"/>
+          <p:cNvPicPr>
+            <a:picLocks noChangeAspect="1"/>
+          </p:cNvPicPr>
+          <p:nvPr/>
+        </p:nvPicPr>
+        <p:blipFill>
+          <a:blip r:embed="rId2"/>
+          <a:stretch>
+            <a:fillRect/>
+          </a:stretch>
+        </p:blipFill>
+        <p:spPr>
+          <a:xfrm>
+            <a:off x="171249" y="1015447"/>
+            <a:ext cx="6477561" cy="5334462"/>
+          </a:xfrm>
+          <a:prstGeom prst="rect">
+            <a:avLst/>
+          </a:prstGeom>
+        </p:spPr>
+      </p:pic>
+      <p:sp>
+        <p:nvSpPr>
+          <p:cNvPr id="8" name="Rectangle 7"/>
+          <p:cNvSpPr/>
+          <p:nvPr/>
+        </p:nvSpPr>
+        <p:spPr>
+          <a:xfrm>
+            <a:off x="10696755" y="3157268"/>
+            <a:ext cx="1372598" cy="258792"/>
+          </a:xfrm>
+          <a:prstGeom prst="rect">
+            <a:avLst/>
+          </a:prstGeom>
+          <a:solidFill>
+            <a:schemeClr val="bg1"/>
+          </a:solidFill>
+          <a:ln>
+            <a:solidFill>
+              <a:schemeClr val="bg1"/>
+            </a:solidFill>
+          </a:ln>
+        </p:spPr>
+        <p:style>
+          <a:lnRef idx="2">
+            <a:schemeClr val="accent1">
+              <a:shade val="50000"/>
+            </a:schemeClr>
+          </a:lnRef>
+          <a:fillRef idx="1">
+            <a:schemeClr val="accent1"/>
+          </a:fillRef>
+          <a:effectRef idx="0">
+            <a:schemeClr val="accent1"/>
+          </a:effectRef>
+          <a:fontRef idx="minor">
+            <a:schemeClr val="lt1"/>
+          </a:fontRef>
+        </p:style>
+        <p:txBody>
+          <a:bodyPr rtlCol="0" anchor="ctr"/>
+          <a:lstStyle/>
+          <a:p>
+            <a:pPr algn="ctr"/>
+            <a:endParaRPr lang="es-CO"/>
+          </a:p>
+        </p:txBody>
+      </p:sp>
+      <p:sp>
+        <p:nvSpPr>
+          <p:cNvPr id="9" name="TextBox 8"/>
+          <p:cNvSpPr txBox="1"/>
+          <p:nvPr/>
+        </p:nvSpPr>
+        <p:spPr>
+          <a:xfrm>
+            <a:off x="2222886" y="461449"/>
+            <a:ext cx="1629036" cy="369332"/>
+          </a:xfrm>
+          <a:prstGeom prst="rect">
+            <a:avLst/>
+          </a:prstGeom>
+          <a:noFill/>
+        </p:spPr>
+        <p:txBody>
+          <a:bodyPr wrap="none" rtlCol="0">
+            <a:spAutoFit/>
+          </a:bodyPr>
+          <a:lstStyle/>
+          <a:p>
+            <a:r>
+              <a:rPr lang="en-US" b="1" dirty="0" smtClean="0"/>
+              <a:t>Random Forest</a:t>
+            </a:r>
+            <a:endParaRPr lang="es-CO" b="1" dirty="0"/>
+          </a:p>
+        </p:txBody>
+      </p:sp>
+      <p:sp>
+        <p:nvSpPr>
+          <p:cNvPr id="10" name="TextBox 9"/>
+          <p:cNvSpPr txBox="1"/>
+          <p:nvPr/>
+        </p:nvSpPr>
+        <p:spPr>
+          <a:xfrm>
+            <a:off x="1918315" y="6349909"/>
+            <a:ext cx="2238177" cy="369332"/>
+          </a:xfrm>
+          <a:prstGeom prst="rect">
+            <a:avLst/>
+          </a:prstGeom>
+          <a:noFill/>
+        </p:spPr>
+        <p:txBody>
+          <a:bodyPr wrap="none" rtlCol="0">
+            <a:spAutoFit/>
+          </a:bodyPr>
+          <a:lstStyle/>
+          <a:p>
+            <a:r>
+              <a:rPr lang="en-US" dirty="0" smtClean="0"/>
+              <a:t>Accuracy = 0.7770073</a:t>
+            </a:r>
+            <a:endParaRPr lang="es-CO" dirty="0"/>
+          </a:p>
+        </p:txBody>
+      </p:sp>
+      <p:sp>
+        <p:nvSpPr>
+          <p:cNvPr id="11" name="TextBox 10"/>
+          <p:cNvSpPr txBox="1"/>
+          <p:nvPr/>
+        </p:nvSpPr>
+        <p:spPr>
+          <a:xfrm>
+            <a:off x="6996317" y="461449"/>
+            <a:ext cx="2595903" cy="369332"/>
+          </a:xfrm>
+          <a:prstGeom prst="rect">
+            <a:avLst/>
+          </a:prstGeom>
+          <a:noFill/>
+        </p:spPr>
+        <p:txBody>
+          <a:bodyPr wrap="none" rtlCol="0">
+            <a:spAutoFit/>
+          </a:bodyPr>
+          <a:lstStyle/>
+          <a:p>
+            <a:r>
+              <a:rPr lang="en-US" b="1" dirty="0" smtClean="0"/>
+              <a:t>Support Vector Machines</a:t>
+            </a:r>
+            <a:endParaRPr lang="es-CO" b="1" dirty="0"/>
+          </a:p>
+        </p:txBody>
+      </p:sp>
+      <p:sp>
+        <p:nvSpPr>
+          <p:cNvPr id="12" name="TextBox 11"/>
+          <p:cNvSpPr txBox="1"/>
+          <p:nvPr/>
+        </p:nvSpPr>
+        <p:spPr>
+          <a:xfrm>
+            <a:off x="7175179" y="6345661"/>
+            <a:ext cx="2004138" cy="369332"/>
+          </a:xfrm>
+          <a:prstGeom prst="rect">
+            <a:avLst/>
+          </a:prstGeom>
+          <a:noFill/>
+        </p:spPr>
+        <p:txBody>
+          <a:bodyPr wrap="none" rtlCol="0">
+            <a:spAutoFit/>
+          </a:bodyPr>
+          <a:lstStyle/>
+          <a:p>
+            <a:r>
+              <a:rPr lang="en-US" dirty="0" smtClean="0"/>
+              <a:t>Accuracy </a:t>
+            </a:r>
+            <a:r>
+              <a:rPr lang="en-US" dirty="0"/>
+              <a:t>= </a:t>
+            </a:r>
+            <a:r>
+              <a:rPr lang="en-US" dirty="0" smtClean="0"/>
+              <a:t>0.70588</a:t>
+            </a:r>
+            <a:endParaRPr lang="es-CO" dirty="0"/>
+          </a:p>
+        </p:txBody>
+      </p:sp>
+      <p:pic>
+        <p:nvPicPr>
+          <p:cNvPr id="4" name="Picture 3"/>
+          <p:cNvPicPr>
+            <a:picLocks noChangeAspect="1"/>
+          </p:cNvPicPr>
+          <p:nvPr/>
+        </p:nvPicPr>
+        <p:blipFill>
+          <a:blip r:embed="rId3"/>
+          <a:stretch>
+            <a:fillRect/>
+          </a:stretch>
+        </p:blipFill>
+        <p:spPr>
+          <a:xfrm>
+            <a:off x="5591792" y="1015447"/>
+            <a:ext cx="6477561" cy="5334462"/>
+          </a:xfrm>
+          <a:prstGeom prst="rect">
+            <a:avLst/>
+          </a:prstGeom>
+        </p:spPr>
+      </p:pic>
+      <p:sp>
+        <p:nvSpPr>
+          <p:cNvPr id="13" name="Rectangle 12"/>
+          <p:cNvSpPr/>
+          <p:nvPr/>
+        </p:nvSpPr>
+        <p:spPr>
+          <a:xfrm>
+            <a:off x="10819402" y="2792184"/>
+            <a:ext cx="1249951" cy="272751"/>
+          </a:xfrm>
+          <a:prstGeom prst="rect">
+            <a:avLst/>
+          </a:prstGeom>
+          <a:solidFill>
+            <a:schemeClr val="bg1"/>
+          </a:solidFill>
+          <a:ln>
+            <a:solidFill>
+              <a:schemeClr val="bg1"/>
+            </a:solidFill>
+          </a:ln>
+        </p:spPr>
+        <p:style>
+          <a:lnRef idx="2">
+            <a:schemeClr val="accent1">
+              <a:shade val="50000"/>
+            </a:schemeClr>
+          </a:lnRef>
+          <a:fillRef idx="1">
+            <a:schemeClr val="accent1"/>
+          </a:fillRef>
+          <a:effectRef idx="0">
+            <a:schemeClr val="accent1"/>
+          </a:effectRef>
+          <a:fontRef idx="minor">
+            <a:schemeClr val="lt1"/>
+          </a:fontRef>
+        </p:style>
+        <p:txBody>
+          <a:bodyPr rtlCol="0" anchor="ctr"/>
+          <a:lstStyle/>
+          <a:p>
+            <a:pPr algn="ctr"/>
+            <a:endParaRPr lang="es-CO"/>
+          </a:p>
+        </p:txBody>
+      </p:sp>
+    </p:spTree>
+    <p:extLst>
+      <p:ext uri="{BB962C8B-B14F-4D97-AF65-F5344CB8AC3E}">
+        <p14:creationId xmlns:p14="http://schemas.microsoft.com/office/powerpoint/2010/main" val="1322894064"/>
+      </p:ext>
+    </p:extLst>
+  </p:cSld>
+  <p:clrMapOvr>
+    <a:masterClrMapping/>
+  </p:clrMapOvr>
+  <p:timing>
+    <p:tnLst>
+      <p:par>
+        <p:cTn id="1" dur="indefinite" restart="never" nodeType="tmRoot"/>
+      </p:par>
+    </p:tnLst>
+  </p:timing>
+</p:sld>
+</file>
+
+<file path=ppt/slides/slide18.xml><?xml version="1.0" encoding="utf-8"?>
+<p:sld xmlns:a="http://schemas.openxmlformats.org/drawingml/2006/main" xmlns:r="http://schemas.openxmlformats.org/officeDocument/2006/relationships" xmlns:p="http://schemas.openxmlformats.org/presentationml/2006/main">
+  <p:cSld>
+    <p:spTree>
+      <p:nvGrpSpPr>
+        <p:cNvPr id="1" name=""/>
+        <p:cNvGrpSpPr/>
+        <p:nvPr/>
+      </p:nvGrpSpPr>
+      <p:grpSpPr>
+        <a:xfrm>
+          <a:off x="0" y="0"/>
+          <a:ext cx="0" cy="0"/>
+          <a:chOff x="0" y="0"/>
+          <a:chExt cx="0" cy="0"/>
+        </a:xfrm>
+      </p:grpSpPr>
+      <p:graphicFrame>
+        <p:nvGraphicFramePr>
+          <p:cNvPr id="2" name="Table 1"/>
+          <p:cNvGraphicFramePr>
+            <a:graphicFrameLocks noGrp="1"/>
+          </p:cNvGraphicFramePr>
+          <p:nvPr>
+            <p:extLst>
+              <p:ext uri="{D42A27DB-BD31-4B8C-83A1-F6EECF244321}">
+                <p14:modId xmlns:p14="http://schemas.microsoft.com/office/powerpoint/2010/main" val="2284320932"/>
+              </p:ext>
+            </p:extLst>
+          </p:nvPr>
+        </p:nvGraphicFramePr>
+        <p:xfrm>
+          <a:off x="1850846" y="2013628"/>
+          <a:ext cx="8128000" cy="2595880"/>
+        </p:xfrm>
+        <a:graphic>
+          <a:graphicData uri="http://schemas.openxmlformats.org/drawingml/2006/table">
+            <a:tbl>
+              <a:tblPr firstRow="1" bandRow="1">
+                <a:tableStyleId>{5C22544A-7EE6-4342-B048-85BDC9FD1C3A}</a:tableStyleId>
+              </a:tblPr>
+              <a:tblGrid>
+                <a:gridCol w="4064000"/>
+                <a:gridCol w="4064000"/>
+              </a:tblGrid>
+              <a:tr h="370840">
+                <a:tc>
+                  <a:txBody>
+                    <a:bodyPr/>
+                    <a:lstStyle/>
+                    <a:p>
+                      <a:r>
+                        <a:rPr lang="en-US" dirty="0" smtClean="0"/>
+                        <a:t>Race</a:t>
+                      </a:r>
+                      <a:endParaRPr lang="es-CO" dirty="0"/>
+                    </a:p>
+                  </a:txBody>
+                  <a:tcPr/>
+                </a:tc>
+                <a:tc>
+                  <a:txBody>
+                    <a:bodyPr/>
+                    <a:lstStyle/>
+                    <a:p>
+                      <a:r>
+                        <a:rPr lang="en-US" dirty="0" smtClean="0"/>
+                        <a:t>Accuracy</a:t>
+                      </a:r>
+                      <a:endParaRPr lang="es-CO" dirty="0"/>
+                    </a:p>
+                  </a:txBody>
+                  <a:tcPr/>
+                </a:tc>
+              </a:tr>
+              <a:tr h="370840">
+                <a:tc>
+                  <a:txBody>
+                    <a:bodyPr/>
+                    <a:lstStyle/>
+                    <a:p>
+                      <a:r>
+                        <a:rPr lang="es-CO" dirty="0" smtClean="0"/>
+                        <a:t>Chile</a:t>
+                      </a:r>
+                      <a:endParaRPr lang="es-CO" dirty="0"/>
+                    </a:p>
+                  </a:txBody>
+                  <a:tcPr/>
+                </a:tc>
+                <a:tc>
+                  <a:txBody>
+                    <a:bodyPr/>
+                    <a:lstStyle/>
+                    <a:p>
+                      <a:r>
+                        <a:rPr lang="es-CO" dirty="0" smtClean="0"/>
+                        <a:t>0.5833333</a:t>
+                      </a:r>
+                      <a:endParaRPr lang="es-CO" dirty="0"/>
+                    </a:p>
+                  </a:txBody>
+                  <a:tcPr/>
+                </a:tc>
+              </a:tr>
+              <a:tr h="370840">
+                <a:tc>
+                  <a:txBody>
+                    <a:bodyPr/>
+                    <a:lstStyle/>
+                    <a:p>
+                      <a:r>
+                        <a:rPr lang="es-CO" dirty="0" smtClean="0"/>
+                        <a:t>Durango-Jalisco</a:t>
+                      </a:r>
+                      <a:endParaRPr lang="es-CO" dirty="0"/>
+                    </a:p>
+                  </a:txBody>
+                  <a:tcPr/>
+                </a:tc>
+                <a:tc>
+                  <a:txBody>
+                    <a:bodyPr/>
+                    <a:lstStyle/>
+                    <a:p>
+                      <a:r>
+                        <a:rPr lang="es-CO" dirty="0" smtClean="0"/>
+                        <a:t>0.7241798</a:t>
+                      </a:r>
+                      <a:endParaRPr lang="es-CO" dirty="0"/>
+                    </a:p>
+                  </a:txBody>
+                  <a:tcPr/>
+                </a:tc>
+              </a:tr>
+              <a:tr h="370840">
+                <a:tc>
+                  <a:txBody>
+                    <a:bodyPr/>
+                    <a:lstStyle/>
+                    <a:p>
+                      <a:r>
+                        <a:rPr lang="es-CO" dirty="0" smtClean="0"/>
+                        <a:t>Guatemala</a:t>
+                      </a:r>
+                      <a:endParaRPr lang="es-CO" dirty="0"/>
+                    </a:p>
+                  </a:txBody>
+                  <a:tcPr/>
+                </a:tc>
+                <a:tc>
+                  <a:txBody>
+                    <a:bodyPr/>
+                    <a:lstStyle/>
+                    <a:p>
+                      <a:r>
+                        <a:rPr lang="es-CO" dirty="0" smtClean="0"/>
+                        <a:t>0.793722</a:t>
+                      </a:r>
+                      <a:endParaRPr lang="es-CO" dirty="0"/>
+                    </a:p>
+                  </a:txBody>
+                  <a:tcPr/>
+                </a:tc>
+              </a:tr>
+              <a:tr h="370840">
+                <a:tc>
+                  <a:txBody>
+                    <a:bodyPr/>
+                    <a:lstStyle/>
+                    <a:p>
+                      <a:r>
+                        <a:rPr lang="es-CO" dirty="0" err="1" smtClean="0"/>
+                        <a:t>Mesoamerica</a:t>
+                      </a:r>
+                      <a:endParaRPr lang="es-CO" dirty="0"/>
+                    </a:p>
+                  </a:txBody>
+                  <a:tcPr/>
+                </a:tc>
+                <a:tc>
+                  <a:txBody>
+                    <a:bodyPr/>
+                    <a:lstStyle/>
+                    <a:p>
+                      <a:r>
+                        <a:rPr lang="es-CO" dirty="0" smtClean="0"/>
+                        <a:t>0.8014101</a:t>
+                      </a:r>
+                      <a:endParaRPr lang="es-CO" dirty="0"/>
+                    </a:p>
+                  </a:txBody>
+                  <a:tcPr/>
+                </a:tc>
+              </a:tr>
+              <a:tr h="370840">
+                <a:tc>
+                  <a:txBody>
+                    <a:bodyPr/>
+                    <a:lstStyle/>
+                    <a:p>
+                      <a:r>
+                        <a:rPr lang="es-CO" dirty="0" smtClean="0"/>
+                        <a:t>Nueva Granada</a:t>
+                      </a:r>
+                      <a:endParaRPr lang="es-CO" dirty="0"/>
+                    </a:p>
+                  </a:txBody>
+                  <a:tcPr/>
+                </a:tc>
+                <a:tc>
+                  <a:txBody>
+                    <a:bodyPr/>
+                    <a:lstStyle/>
+                    <a:p>
+                      <a:r>
+                        <a:rPr lang="es-CO" dirty="0" smtClean="0"/>
+                        <a:t>0.8022284</a:t>
+                      </a:r>
+                      <a:endParaRPr lang="es-CO" dirty="0"/>
+                    </a:p>
+                  </a:txBody>
+                  <a:tcPr/>
+                </a:tc>
+              </a:tr>
+              <a:tr h="370840">
+                <a:tc>
+                  <a:txBody>
+                    <a:bodyPr/>
+                    <a:lstStyle/>
+                    <a:p>
+                      <a:r>
+                        <a:rPr lang="es-CO" dirty="0" err="1" smtClean="0"/>
+                        <a:t>Peru</a:t>
+                      </a:r>
+                      <a:endParaRPr lang="es-CO" dirty="0"/>
+                    </a:p>
+                  </a:txBody>
+                  <a:tcPr/>
+                </a:tc>
+                <a:tc>
+                  <a:txBody>
+                    <a:bodyPr/>
+                    <a:lstStyle/>
+                    <a:p>
+                      <a:r>
+                        <a:rPr lang="es-CO" dirty="0" smtClean="0"/>
+                        <a:t>0.7086207</a:t>
+                      </a:r>
+                      <a:endParaRPr lang="es-CO" dirty="0"/>
+                    </a:p>
+                  </a:txBody>
+                  <a:tcPr/>
+                </a:tc>
+              </a:tr>
+            </a:tbl>
+          </a:graphicData>
+        </a:graphic>
+      </p:graphicFrame>
+    </p:spTree>
+    <p:extLst>
+      <p:ext uri="{BB962C8B-B14F-4D97-AF65-F5344CB8AC3E}">
+        <p14:creationId xmlns:p14="http://schemas.microsoft.com/office/powerpoint/2010/main" val="4123802254"/>
+      </p:ext>
+    </p:extLst>
+  </p:cSld>
+  <p:clrMapOvr>
+    <a:masterClrMapping/>
+  </p:clrMapOvr>
+</p:sld>
+</file>
+
+<file path=ppt/slides/slide19.xml><?xml version="1.0" encoding="utf-8"?>
+<p:sld xmlns:a="http://schemas.openxmlformats.org/drawingml/2006/main" xmlns:r="http://schemas.openxmlformats.org/officeDocument/2006/relationships" xmlns:p="http://schemas.openxmlformats.org/presentationml/2006/main">
+  <p:cSld>
+    <p:spTree>
+      <p:nvGrpSpPr>
+        <p:cNvPr id="1" name=""/>
+        <p:cNvGrpSpPr/>
+        <p:nvPr/>
+      </p:nvGrpSpPr>
+      <p:grpSpPr>
+        <a:xfrm>
+          <a:off x="0" y="0"/>
+          <a:ext cx="0" cy="0"/>
+          <a:chOff x="0" y="0"/>
+          <a:chExt cx="0" cy="0"/>
+        </a:xfrm>
+      </p:grpSpPr>
+      <p:pic>
+        <p:nvPicPr>
+          <p:cNvPr id="3" name="Picture 2"/>
+          <p:cNvPicPr>
+            <a:picLocks noChangeAspect="1"/>
+          </p:cNvPicPr>
+          <p:nvPr/>
+        </p:nvPicPr>
+        <p:blipFill>
+          <a:blip r:embed="rId2"/>
+          <a:stretch>
+            <a:fillRect/>
+          </a:stretch>
+        </p:blipFill>
+        <p:spPr>
+          <a:xfrm>
+            <a:off x="1039053" y="486632"/>
+            <a:ext cx="9906859" cy="5936494"/>
+          </a:xfrm>
+          <a:prstGeom prst="rect">
+            <a:avLst/>
+          </a:prstGeom>
+        </p:spPr>
+      </p:pic>
+    </p:spTree>
+    <p:extLst>
+      <p:ext uri="{BB962C8B-B14F-4D97-AF65-F5344CB8AC3E}">
+        <p14:creationId xmlns:p14="http://schemas.microsoft.com/office/powerpoint/2010/main" val="845527843"/>
       </p:ext>
     </p:extLst>
   </p:cSld>
@@ -3866,6 +4606,436 @@
     <p:extLst>
       <p:ext uri="{BB962C8B-B14F-4D97-AF65-F5344CB8AC3E}">
         <p14:creationId xmlns:p14="http://schemas.microsoft.com/office/powerpoint/2010/main" val="2328725492"/>
+      </p:ext>
+    </p:extLst>
+  </p:cSld>
+  <p:clrMapOvr>
+    <a:masterClrMapping/>
+  </p:clrMapOvr>
+  <p:timing>
+    <p:tnLst>
+      <p:par>
+        <p:cTn id="1" dur="indefinite" restart="never" nodeType="tmRoot"/>
+      </p:par>
+    </p:tnLst>
+  </p:timing>
+</p:sld>
+</file>
+
+<file path=ppt/slides/slide20.xml><?xml version="1.0" encoding="utf-8"?>
+<p:sld xmlns:a="http://schemas.openxmlformats.org/drawingml/2006/main" xmlns:r="http://schemas.openxmlformats.org/officeDocument/2006/relationships" xmlns:p="http://schemas.openxmlformats.org/presentationml/2006/main">
+  <p:cSld>
+    <p:spTree>
+      <p:nvGrpSpPr>
+        <p:cNvPr id="1" name=""/>
+        <p:cNvGrpSpPr/>
+        <p:nvPr/>
+      </p:nvGrpSpPr>
+      <p:grpSpPr>
+        <a:xfrm>
+          <a:off x="0" y="0"/>
+          <a:ext cx="0" cy="0"/>
+          <a:chOff x="0" y="0"/>
+          <a:chExt cx="0" cy="0"/>
+        </a:xfrm>
+      </p:grpSpPr>
+      <p:pic>
+        <p:nvPicPr>
+          <p:cNvPr id="14" name="Picture 13"/>
+          <p:cNvPicPr>
+            <a:picLocks noChangeAspect="1"/>
+          </p:cNvPicPr>
+          <p:nvPr/>
+        </p:nvPicPr>
+        <p:blipFill>
+          <a:blip r:embed="rId2"/>
+          <a:stretch>
+            <a:fillRect/>
+          </a:stretch>
+        </p:blipFill>
+        <p:spPr>
+          <a:xfrm>
+            <a:off x="171249" y="1011199"/>
+            <a:ext cx="6477561" cy="5334462"/>
+          </a:xfrm>
+          <a:prstGeom prst="rect">
+            <a:avLst/>
+          </a:prstGeom>
+        </p:spPr>
+      </p:pic>
+      <p:pic>
+        <p:nvPicPr>
+          <p:cNvPr id="15" name="Picture 14"/>
+          <p:cNvPicPr>
+            <a:picLocks noChangeAspect="1"/>
+          </p:cNvPicPr>
+          <p:nvPr/>
+        </p:nvPicPr>
+        <p:blipFill>
+          <a:blip r:embed="rId3"/>
+          <a:stretch>
+            <a:fillRect/>
+          </a:stretch>
+        </p:blipFill>
+        <p:spPr>
+          <a:xfrm>
+            <a:off x="5591791" y="1019695"/>
+            <a:ext cx="6477561" cy="5334462"/>
+          </a:xfrm>
+          <a:prstGeom prst="rect">
+            <a:avLst/>
+          </a:prstGeom>
+        </p:spPr>
+      </p:pic>
+      <p:sp>
+        <p:nvSpPr>
+          <p:cNvPr id="8" name="Rectangle 7"/>
+          <p:cNvSpPr/>
+          <p:nvPr/>
+        </p:nvSpPr>
+        <p:spPr>
+          <a:xfrm>
+            <a:off x="10929668" y="2700067"/>
+            <a:ext cx="1139684" cy="228491"/>
+          </a:xfrm>
+          <a:prstGeom prst="rect">
+            <a:avLst/>
+          </a:prstGeom>
+          <a:solidFill>
+            <a:schemeClr val="bg1"/>
+          </a:solidFill>
+          <a:ln>
+            <a:solidFill>
+              <a:schemeClr val="bg1"/>
+            </a:solidFill>
+          </a:ln>
+        </p:spPr>
+        <p:style>
+          <a:lnRef idx="2">
+            <a:schemeClr val="accent1">
+              <a:shade val="50000"/>
+            </a:schemeClr>
+          </a:lnRef>
+          <a:fillRef idx="1">
+            <a:schemeClr val="accent1"/>
+          </a:fillRef>
+          <a:effectRef idx="0">
+            <a:schemeClr val="accent1"/>
+          </a:effectRef>
+          <a:fontRef idx="minor">
+            <a:schemeClr val="lt1"/>
+          </a:fontRef>
+        </p:style>
+        <p:txBody>
+          <a:bodyPr rtlCol="0" anchor="ctr"/>
+          <a:lstStyle/>
+          <a:p>
+            <a:pPr algn="ctr"/>
+            <a:endParaRPr lang="es-CO"/>
+          </a:p>
+        </p:txBody>
+      </p:sp>
+      <p:sp>
+        <p:nvSpPr>
+          <p:cNvPr id="9" name="TextBox 8"/>
+          <p:cNvSpPr txBox="1"/>
+          <p:nvPr/>
+        </p:nvSpPr>
+        <p:spPr>
+          <a:xfrm>
+            <a:off x="2222886" y="461449"/>
+            <a:ext cx="1629036" cy="369332"/>
+          </a:xfrm>
+          <a:prstGeom prst="rect">
+            <a:avLst/>
+          </a:prstGeom>
+          <a:noFill/>
+        </p:spPr>
+        <p:txBody>
+          <a:bodyPr wrap="none" rtlCol="0">
+            <a:spAutoFit/>
+          </a:bodyPr>
+          <a:lstStyle/>
+          <a:p>
+            <a:r>
+              <a:rPr lang="en-US" b="1" dirty="0" smtClean="0"/>
+              <a:t>Random Forest</a:t>
+            </a:r>
+            <a:endParaRPr lang="es-CO" b="1" dirty="0"/>
+          </a:p>
+        </p:txBody>
+      </p:sp>
+      <p:sp>
+        <p:nvSpPr>
+          <p:cNvPr id="10" name="TextBox 9"/>
+          <p:cNvSpPr txBox="1"/>
+          <p:nvPr/>
+        </p:nvSpPr>
+        <p:spPr>
+          <a:xfrm>
+            <a:off x="1918315" y="6349909"/>
+            <a:ext cx="2238177" cy="369332"/>
+          </a:xfrm>
+          <a:prstGeom prst="rect">
+            <a:avLst/>
+          </a:prstGeom>
+          <a:noFill/>
+        </p:spPr>
+        <p:txBody>
+          <a:bodyPr wrap="none" rtlCol="0">
+            <a:spAutoFit/>
+          </a:bodyPr>
+          <a:lstStyle/>
+          <a:p>
+            <a:r>
+              <a:rPr lang="en-US" dirty="0" smtClean="0"/>
+              <a:t>Accuracy = 0.7778612</a:t>
+            </a:r>
+            <a:endParaRPr lang="es-CO" dirty="0"/>
+          </a:p>
+        </p:txBody>
+      </p:sp>
+      <p:sp>
+        <p:nvSpPr>
+          <p:cNvPr id="11" name="TextBox 10"/>
+          <p:cNvSpPr txBox="1"/>
+          <p:nvPr/>
+        </p:nvSpPr>
+        <p:spPr>
+          <a:xfrm>
+            <a:off x="6996317" y="461449"/>
+            <a:ext cx="2595903" cy="369332"/>
+          </a:xfrm>
+          <a:prstGeom prst="rect">
+            <a:avLst/>
+          </a:prstGeom>
+          <a:noFill/>
+        </p:spPr>
+        <p:txBody>
+          <a:bodyPr wrap="none" rtlCol="0">
+            <a:spAutoFit/>
+          </a:bodyPr>
+          <a:lstStyle/>
+          <a:p>
+            <a:r>
+              <a:rPr lang="en-US" b="1" dirty="0" smtClean="0"/>
+              <a:t>Support Vector Machines</a:t>
+            </a:r>
+            <a:endParaRPr lang="es-CO" b="1" dirty="0"/>
+          </a:p>
+        </p:txBody>
+      </p:sp>
+      <p:sp>
+        <p:nvSpPr>
+          <p:cNvPr id="12" name="TextBox 11"/>
+          <p:cNvSpPr txBox="1"/>
+          <p:nvPr/>
+        </p:nvSpPr>
+        <p:spPr>
+          <a:xfrm>
+            <a:off x="7175179" y="6345661"/>
+            <a:ext cx="2238177" cy="369332"/>
+          </a:xfrm>
+          <a:prstGeom prst="rect">
+            <a:avLst/>
+          </a:prstGeom>
+          <a:noFill/>
+        </p:spPr>
+        <p:txBody>
+          <a:bodyPr wrap="none" rtlCol="0">
+            <a:spAutoFit/>
+          </a:bodyPr>
+          <a:lstStyle/>
+          <a:p>
+            <a:r>
+              <a:rPr lang="en-US" dirty="0" smtClean="0"/>
+              <a:t>Accuracy </a:t>
+            </a:r>
+            <a:r>
+              <a:rPr lang="en-US" dirty="0"/>
+              <a:t>= </a:t>
+            </a:r>
+            <a:r>
+              <a:rPr lang="en-US" dirty="0" smtClean="0"/>
+              <a:t>0.7127371</a:t>
+            </a:r>
+            <a:endParaRPr lang="es-CO" dirty="0"/>
+          </a:p>
+        </p:txBody>
+      </p:sp>
+      <p:sp>
+        <p:nvSpPr>
+          <p:cNvPr id="13" name="Rectangle 12"/>
+          <p:cNvSpPr/>
+          <p:nvPr/>
+        </p:nvSpPr>
+        <p:spPr>
+          <a:xfrm>
+            <a:off x="10819402" y="2792184"/>
+            <a:ext cx="1249951" cy="272751"/>
+          </a:xfrm>
+          <a:prstGeom prst="rect">
+            <a:avLst/>
+          </a:prstGeom>
+          <a:solidFill>
+            <a:schemeClr val="bg1"/>
+          </a:solidFill>
+          <a:ln>
+            <a:solidFill>
+              <a:schemeClr val="bg1"/>
+            </a:solidFill>
+          </a:ln>
+        </p:spPr>
+        <p:style>
+          <a:lnRef idx="2">
+            <a:schemeClr val="accent1">
+              <a:shade val="50000"/>
+            </a:schemeClr>
+          </a:lnRef>
+          <a:fillRef idx="1">
+            <a:schemeClr val="accent1"/>
+          </a:fillRef>
+          <a:effectRef idx="0">
+            <a:schemeClr val="accent1"/>
+          </a:effectRef>
+          <a:fontRef idx="minor">
+            <a:schemeClr val="lt1"/>
+          </a:fontRef>
+        </p:style>
+        <p:txBody>
+          <a:bodyPr rtlCol="0" anchor="ctr"/>
+          <a:lstStyle/>
+          <a:p>
+            <a:pPr algn="ctr"/>
+            <a:endParaRPr lang="es-CO"/>
+          </a:p>
+        </p:txBody>
+      </p:sp>
+    </p:spTree>
+    <p:extLst>
+      <p:ext uri="{BB962C8B-B14F-4D97-AF65-F5344CB8AC3E}">
+        <p14:creationId xmlns:p14="http://schemas.microsoft.com/office/powerpoint/2010/main" val="3941791871"/>
+      </p:ext>
+    </p:extLst>
+  </p:cSld>
+  <p:clrMapOvr>
+    <a:masterClrMapping/>
+  </p:clrMapOvr>
+  <p:timing>
+    <p:tnLst>
+      <p:par>
+        <p:cTn id="1" dur="indefinite" restart="never" nodeType="tmRoot"/>
+      </p:par>
+    </p:tnLst>
+  </p:timing>
+</p:sld>
+</file>
+
+<file path=ppt/slides/slide21.xml><?xml version="1.0" encoding="utf-8"?>
+<p:sld xmlns:a="http://schemas.openxmlformats.org/drawingml/2006/main" xmlns:r="http://schemas.openxmlformats.org/officeDocument/2006/relationships" xmlns:p="http://schemas.openxmlformats.org/presentationml/2006/main">
+  <p:cSld>
+    <p:spTree>
+      <p:nvGrpSpPr>
+        <p:cNvPr id="1" name=""/>
+        <p:cNvGrpSpPr/>
+        <p:nvPr/>
+      </p:nvGrpSpPr>
+      <p:grpSpPr>
+        <a:xfrm>
+          <a:off x="0" y="0"/>
+          <a:ext cx="0" cy="0"/>
+          <a:chOff x="0" y="0"/>
+          <a:chExt cx="0" cy="0"/>
+        </a:xfrm>
+      </p:grpSpPr>
+      <p:pic>
+        <p:nvPicPr>
+          <p:cNvPr id="4" name="Picture 3"/>
+          <p:cNvPicPr>
+            <a:picLocks noChangeAspect="1"/>
+          </p:cNvPicPr>
+          <p:nvPr/>
+        </p:nvPicPr>
+        <p:blipFill>
+          <a:blip r:embed="rId2"/>
+          <a:stretch>
+            <a:fillRect/>
+          </a:stretch>
+        </p:blipFill>
+        <p:spPr>
+          <a:xfrm>
+            <a:off x="1039053" y="486632"/>
+            <a:ext cx="9906859" cy="5936494"/>
+          </a:xfrm>
+          <a:prstGeom prst="rect">
+            <a:avLst/>
+          </a:prstGeom>
+        </p:spPr>
+      </p:pic>
+    </p:spTree>
+    <p:extLst>
+      <p:ext uri="{BB962C8B-B14F-4D97-AF65-F5344CB8AC3E}">
+        <p14:creationId xmlns:p14="http://schemas.microsoft.com/office/powerpoint/2010/main" val="357629470"/>
+      </p:ext>
+    </p:extLst>
+  </p:cSld>
+  <p:clrMapOvr>
+    <a:masterClrMapping/>
+  </p:clrMapOvr>
+  <p:timing>
+    <p:tnLst>
+      <p:par>
+        <p:cTn id="1" dur="indefinite" restart="never" nodeType="tmRoot"/>
+      </p:par>
+    </p:tnLst>
+  </p:timing>
+</p:sld>
+</file>
+
+<file path=ppt/slides/slide22.xml><?xml version="1.0" encoding="utf-8"?>
+<p:sld xmlns:a="http://schemas.openxmlformats.org/drawingml/2006/main" xmlns:r="http://schemas.openxmlformats.org/officeDocument/2006/relationships" xmlns:p="http://schemas.openxmlformats.org/presentationml/2006/main">
+  <p:cSld>
+    <p:spTree>
+      <p:nvGrpSpPr>
+        <p:cNvPr id="1" name=""/>
+        <p:cNvGrpSpPr/>
+        <p:nvPr/>
+      </p:nvGrpSpPr>
+      <p:grpSpPr>
+        <a:xfrm>
+          <a:off x="0" y="0"/>
+          <a:ext cx="0" cy="0"/>
+          <a:chOff x="0" y="0"/>
+          <a:chExt cx="0" cy="0"/>
+        </a:xfrm>
+      </p:grpSpPr>
+      <p:sp>
+        <p:nvSpPr>
+          <p:cNvPr id="2" name="Title 1"/>
+          <p:cNvSpPr>
+            <a:spLocks noGrp="1"/>
+          </p:cNvSpPr>
+          <p:nvPr>
+            <p:ph type="ctrTitle"/>
+          </p:nvPr>
+        </p:nvSpPr>
+        <p:spPr/>
+        <p:txBody>
+          <a:bodyPr/>
+          <a:lstStyle/>
+          <a:p>
+            <a:r>
+              <a:rPr lang="en-US" dirty="0" smtClean="0"/>
+              <a:t>Subgroup analysis</a:t>
+            </a:r>
+            <a:endParaRPr lang="es-CO" dirty="0"/>
+          </a:p>
+        </p:txBody>
+      </p:sp>
+    </p:spTree>
+    <p:extLst>
+      <p:ext uri="{BB962C8B-B14F-4D97-AF65-F5344CB8AC3E}">
+        <p14:creationId xmlns:p14="http://schemas.microsoft.com/office/powerpoint/2010/main" val="1039304946"/>
       </p:ext>
     </p:extLst>
   </p:cSld>

--- a/landraces_classification/classification_algorithms/Landrace_Gap_Analysis-results.pptx
+++ b/landraces_classification/classification_algorithms/Landrace_Gap_Analysis-results.pptx
@@ -6,27 +6,28 @@
   </p:sldMasterIdLst>
   <p:sldIdLst>
     <p:sldId id="256" r:id="rId2"/>
-    <p:sldId id="257" r:id="rId3"/>
-    <p:sldId id="258" r:id="rId4"/>
-    <p:sldId id="259" r:id="rId5"/>
-    <p:sldId id="267" r:id="rId6"/>
-    <p:sldId id="263" r:id="rId7"/>
-    <p:sldId id="266" r:id="rId8"/>
-    <p:sldId id="260" r:id="rId9"/>
-    <p:sldId id="261" r:id="rId10"/>
-    <p:sldId id="262" r:id="rId11"/>
-    <p:sldId id="268" r:id="rId12"/>
-    <p:sldId id="270" r:id="rId13"/>
-    <p:sldId id="279" r:id="rId14"/>
-    <p:sldId id="269" r:id="rId15"/>
-    <p:sldId id="271" r:id="rId16"/>
-    <p:sldId id="264" r:id="rId17"/>
-    <p:sldId id="272" r:id="rId18"/>
-    <p:sldId id="278" r:id="rId19"/>
-    <p:sldId id="273" r:id="rId20"/>
-    <p:sldId id="276" r:id="rId21"/>
-    <p:sldId id="277" r:id="rId22"/>
-    <p:sldId id="265" r:id="rId23"/>
+    <p:sldId id="280" r:id="rId3"/>
+    <p:sldId id="257" r:id="rId4"/>
+    <p:sldId id="258" r:id="rId5"/>
+    <p:sldId id="259" r:id="rId6"/>
+    <p:sldId id="267" r:id="rId7"/>
+    <p:sldId id="263" r:id="rId8"/>
+    <p:sldId id="266" r:id="rId9"/>
+    <p:sldId id="260" r:id="rId10"/>
+    <p:sldId id="261" r:id="rId11"/>
+    <p:sldId id="262" r:id="rId12"/>
+    <p:sldId id="268" r:id="rId13"/>
+    <p:sldId id="270" r:id="rId14"/>
+    <p:sldId id="279" r:id="rId15"/>
+    <p:sldId id="269" r:id="rId16"/>
+    <p:sldId id="271" r:id="rId17"/>
+    <p:sldId id="264" r:id="rId18"/>
+    <p:sldId id="272" r:id="rId19"/>
+    <p:sldId id="278" r:id="rId20"/>
+    <p:sldId id="273" r:id="rId21"/>
+    <p:sldId id="276" r:id="rId22"/>
+    <p:sldId id="277" r:id="rId23"/>
+    <p:sldId id="265" r:id="rId24"/>
   </p:sldIdLst>
   <p:sldSz cx="12192000" cy="6858000"/>
   <p:notesSz cx="6858000" cy="9144000"/>
@@ -264,7 +265,7 @@
           <a:p>
             <a:fld id="{C85E124E-CF58-40F0-9C4F-2B3D888B935B}" type="datetimeFigureOut">
               <a:rPr lang="es-CO" smtClean="0"/>
-              <a:t>08/09/2017</a:t>
+              <a:t>02/10/2017</a:t>
             </a:fld>
             <a:endParaRPr lang="es-CO"/>
           </a:p>
@@ -434,7 +435,7 @@
           <a:p>
             <a:fld id="{C85E124E-CF58-40F0-9C4F-2B3D888B935B}" type="datetimeFigureOut">
               <a:rPr lang="es-CO" smtClean="0"/>
-              <a:t>08/09/2017</a:t>
+              <a:t>02/10/2017</a:t>
             </a:fld>
             <a:endParaRPr lang="es-CO"/>
           </a:p>
@@ -614,7 +615,7 @@
           <a:p>
             <a:fld id="{C85E124E-CF58-40F0-9C4F-2B3D888B935B}" type="datetimeFigureOut">
               <a:rPr lang="es-CO" smtClean="0"/>
-              <a:t>08/09/2017</a:t>
+              <a:t>02/10/2017</a:t>
             </a:fld>
             <a:endParaRPr lang="es-CO"/>
           </a:p>
@@ -784,7 +785,7 @@
           <a:p>
             <a:fld id="{C85E124E-CF58-40F0-9C4F-2B3D888B935B}" type="datetimeFigureOut">
               <a:rPr lang="es-CO" smtClean="0"/>
-              <a:t>08/09/2017</a:t>
+              <a:t>02/10/2017</a:t>
             </a:fld>
             <a:endParaRPr lang="es-CO"/>
           </a:p>
@@ -1030,7 +1031,7 @@
           <a:p>
             <a:fld id="{C85E124E-CF58-40F0-9C4F-2B3D888B935B}" type="datetimeFigureOut">
               <a:rPr lang="es-CO" smtClean="0"/>
-              <a:t>08/09/2017</a:t>
+              <a:t>02/10/2017</a:t>
             </a:fld>
             <a:endParaRPr lang="es-CO"/>
           </a:p>
@@ -1262,7 +1263,7 @@
           <a:p>
             <a:fld id="{C85E124E-CF58-40F0-9C4F-2B3D888B935B}" type="datetimeFigureOut">
               <a:rPr lang="es-CO" smtClean="0"/>
-              <a:t>08/09/2017</a:t>
+              <a:t>02/10/2017</a:t>
             </a:fld>
             <a:endParaRPr lang="es-CO"/>
           </a:p>
@@ -1629,7 +1630,7 @@
           <a:p>
             <a:fld id="{C85E124E-CF58-40F0-9C4F-2B3D888B935B}" type="datetimeFigureOut">
               <a:rPr lang="es-CO" smtClean="0"/>
-              <a:t>08/09/2017</a:t>
+              <a:t>02/10/2017</a:t>
             </a:fld>
             <a:endParaRPr lang="es-CO"/>
           </a:p>
@@ -1747,7 +1748,7 @@
           <a:p>
             <a:fld id="{C85E124E-CF58-40F0-9C4F-2B3D888B935B}" type="datetimeFigureOut">
               <a:rPr lang="es-CO" smtClean="0"/>
-              <a:t>08/09/2017</a:t>
+              <a:t>02/10/2017</a:t>
             </a:fld>
             <a:endParaRPr lang="es-CO"/>
           </a:p>
@@ -1842,7 +1843,7 @@
           <a:p>
             <a:fld id="{C85E124E-CF58-40F0-9C4F-2B3D888B935B}" type="datetimeFigureOut">
               <a:rPr lang="es-CO" smtClean="0"/>
-              <a:t>08/09/2017</a:t>
+              <a:t>02/10/2017</a:t>
             </a:fld>
             <a:endParaRPr lang="es-CO"/>
           </a:p>
@@ -2119,7 +2120,7 @@
           <a:p>
             <a:fld id="{C85E124E-CF58-40F0-9C4F-2B3D888B935B}" type="datetimeFigureOut">
               <a:rPr lang="es-CO" smtClean="0"/>
-              <a:t>08/09/2017</a:t>
+              <a:t>02/10/2017</a:t>
             </a:fld>
             <a:endParaRPr lang="es-CO"/>
           </a:p>
@@ -2372,7 +2373,7 @@
           <a:p>
             <a:fld id="{C85E124E-CF58-40F0-9C4F-2B3D888B935B}" type="datetimeFigureOut">
               <a:rPr lang="es-CO" smtClean="0"/>
-              <a:t>08/09/2017</a:t>
+              <a:t>02/10/2017</a:t>
             </a:fld>
             <a:endParaRPr lang="es-CO"/>
           </a:p>
@@ -2585,7 +2586,7 @@
           <a:p>
             <a:fld id="{C85E124E-CF58-40F0-9C4F-2B3D888B935B}" type="datetimeFigureOut">
               <a:rPr lang="es-CO" smtClean="0"/>
-              <a:t>08/09/2017</a:t>
+              <a:t>02/10/2017</a:t>
             </a:fld>
             <a:endParaRPr lang="es-CO"/>
           </a:p>
@@ -3030,7 +3031,7 @@
           <a:p>
             <a:r>
               <a:rPr lang="en-US" dirty="0" smtClean="0"/>
-              <a:t>Results</a:t>
+              <a:t>Common bean database</a:t>
             </a:r>
             <a:endParaRPr lang="es-CO" dirty="0"/>
           </a:p>
@@ -3082,7 +3083,7 @@
         <p:spPr>
           <a:xfrm>
             <a:off x="4803898" y="543465"/>
-            <a:ext cx="2151295" cy="369332"/>
+            <a:ext cx="2296654" cy="369332"/>
           </a:xfrm>
           <a:prstGeom prst="rect">
             <a:avLst/>
@@ -3097,7 +3098,7 @@
           <a:p>
             <a:r>
               <a:rPr lang="en-US" b="1" dirty="0" smtClean="0"/>
-              <a:t>Qualitative variables</a:t>
+              <a:t>Quantitative variables</a:t>
             </a:r>
             <a:endParaRPr lang="es-CO" b="1" dirty="0"/>
           </a:p>
@@ -3105,22 +3106,28 @@
       </p:sp>
       <p:pic>
         <p:nvPicPr>
-          <p:cNvPr id="2" name="Picture 1"/>
+          <p:cNvPr id="4" name="Picture 3"/>
           <p:cNvPicPr>
             <a:picLocks noChangeAspect="1"/>
           </p:cNvPicPr>
           <p:nvPr/>
         </p:nvPicPr>
         <p:blipFill>
-          <a:blip r:embed="rId2"/>
+          <a:blip r:embed="rId2" cstate="print">
+            <a:extLst>
+              <a:ext uri="{28A0092B-C50C-407E-A947-70E740481C1C}">
+                <a14:useLocalDpi xmlns:a14="http://schemas.microsoft.com/office/drawing/2010/main" val="0"/>
+              </a:ext>
+            </a:extLst>
+          </a:blip>
           <a:stretch>
             <a:fillRect/>
           </a:stretch>
         </p:blipFill>
         <p:spPr>
           <a:xfrm>
-            <a:off x="1776936" y="1103885"/>
-            <a:ext cx="8205217" cy="5486400"/>
+            <a:off x="923025" y="1218809"/>
+            <a:ext cx="10058400" cy="4571999"/>
           </a:xfrm>
           <a:prstGeom prst="rect">
             <a:avLst/>
@@ -3130,7 +3137,7 @@
     </p:spTree>
     <p:extLst>
       <p:ext uri="{BB962C8B-B14F-4D97-AF65-F5344CB8AC3E}">
-        <p14:creationId xmlns:p14="http://schemas.microsoft.com/office/powerpoint/2010/main" val="3851783663"/>
+        <p14:creationId xmlns:p14="http://schemas.microsoft.com/office/powerpoint/2010/main" val="1697567720"/>
       </p:ext>
     </p:extLst>
   </p:cSld>
@@ -3164,6 +3171,36 @@
           <a:chExt cx="0" cy="0"/>
         </a:xfrm>
       </p:grpSpPr>
+      <p:sp>
+        <p:nvSpPr>
+          <p:cNvPr id="3" name="TextBox 2"/>
+          <p:cNvSpPr txBox="1"/>
+          <p:nvPr/>
+        </p:nvSpPr>
+        <p:spPr>
+          <a:xfrm>
+            <a:off x="4803898" y="543465"/>
+            <a:ext cx="2151295" cy="369332"/>
+          </a:xfrm>
+          <a:prstGeom prst="rect">
+            <a:avLst/>
+          </a:prstGeom>
+          <a:noFill/>
+        </p:spPr>
+        <p:txBody>
+          <a:bodyPr wrap="none" rtlCol="0">
+            <a:spAutoFit/>
+          </a:bodyPr>
+          <a:lstStyle/>
+          <a:p>
+            <a:r>
+              <a:rPr lang="en-US" b="1" dirty="0" smtClean="0"/>
+              <a:t>Qualitative variables</a:t>
+            </a:r>
+            <a:endParaRPr lang="es-CO" b="1" dirty="0"/>
+          </a:p>
+        </p:txBody>
+      </p:sp>
       <p:pic>
         <p:nvPicPr>
           <p:cNvPr id="2" name="Picture 1"/>
@@ -3180,166 +3217,18 @@
         </p:blipFill>
         <p:spPr>
           <a:xfrm>
-            <a:off x="823592" y="830781"/>
-            <a:ext cx="5334462" cy="5334462"/>
+            <a:off x="1776936" y="1103885"/>
+            <a:ext cx="8205217" cy="5486400"/>
           </a:xfrm>
           <a:prstGeom prst="rect">
             <a:avLst/>
           </a:prstGeom>
         </p:spPr>
       </p:pic>
-      <p:pic>
-        <p:nvPicPr>
-          <p:cNvPr id="3" name="Picture 2"/>
-          <p:cNvPicPr>
-            <a:picLocks noChangeAspect="1"/>
-          </p:cNvPicPr>
-          <p:nvPr/>
-        </p:nvPicPr>
-        <p:blipFill>
-          <a:blip r:embed="rId3"/>
-          <a:stretch>
-            <a:fillRect/>
-          </a:stretch>
-        </p:blipFill>
-        <p:spPr>
-          <a:xfrm>
-            <a:off x="6158054" y="830781"/>
-            <a:ext cx="5334462" cy="5334462"/>
-          </a:xfrm>
-          <a:prstGeom prst="rect">
-            <a:avLst/>
-          </a:prstGeom>
-        </p:spPr>
-      </p:pic>
-      <p:sp>
-        <p:nvSpPr>
-          <p:cNvPr id="4" name="TextBox 3"/>
-          <p:cNvSpPr txBox="1"/>
-          <p:nvPr/>
-        </p:nvSpPr>
-        <p:spPr>
-          <a:xfrm>
-            <a:off x="2222886" y="461449"/>
-            <a:ext cx="1629036" cy="369332"/>
-          </a:xfrm>
-          <a:prstGeom prst="rect">
-            <a:avLst/>
-          </a:prstGeom>
-          <a:noFill/>
-        </p:spPr>
-        <p:txBody>
-          <a:bodyPr wrap="none" rtlCol="0">
-            <a:spAutoFit/>
-          </a:bodyPr>
-          <a:lstStyle/>
-          <a:p>
-            <a:r>
-              <a:rPr lang="en-US" b="1" dirty="0" smtClean="0"/>
-              <a:t>Random Forest</a:t>
-            </a:r>
-            <a:endParaRPr lang="es-CO" b="1" dirty="0"/>
-          </a:p>
-        </p:txBody>
-      </p:sp>
-      <p:sp>
-        <p:nvSpPr>
-          <p:cNvPr id="5" name="TextBox 4"/>
-          <p:cNvSpPr txBox="1"/>
-          <p:nvPr/>
-        </p:nvSpPr>
-        <p:spPr>
-          <a:xfrm>
-            <a:off x="1976825" y="6165243"/>
-            <a:ext cx="2121158" cy="369332"/>
-          </a:xfrm>
-          <a:prstGeom prst="rect">
-            <a:avLst/>
-          </a:prstGeom>
-          <a:noFill/>
-        </p:spPr>
-        <p:txBody>
-          <a:bodyPr wrap="none" rtlCol="0">
-            <a:spAutoFit/>
-          </a:bodyPr>
-          <a:lstStyle/>
-          <a:p>
-            <a:r>
-              <a:rPr lang="en-US" dirty="0" smtClean="0"/>
-              <a:t>Accuracy = 0.910692</a:t>
-            </a:r>
-            <a:endParaRPr lang="es-CO" dirty="0"/>
-          </a:p>
-        </p:txBody>
-      </p:sp>
-      <p:sp>
-        <p:nvSpPr>
-          <p:cNvPr id="7" name="TextBox 6"/>
-          <p:cNvSpPr txBox="1"/>
-          <p:nvPr/>
-        </p:nvSpPr>
-        <p:spPr>
-          <a:xfrm>
-            <a:off x="6996317" y="461449"/>
-            <a:ext cx="2595903" cy="369332"/>
-          </a:xfrm>
-          <a:prstGeom prst="rect">
-            <a:avLst/>
-          </a:prstGeom>
-          <a:noFill/>
-        </p:spPr>
-        <p:txBody>
-          <a:bodyPr wrap="none" rtlCol="0">
-            <a:spAutoFit/>
-          </a:bodyPr>
-          <a:lstStyle/>
-          <a:p>
-            <a:r>
-              <a:rPr lang="en-US" b="1" dirty="0" smtClean="0"/>
-              <a:t>Support Vector Machines</a:t>
-            </a:r>
-            <a:endParaRPr lang="es-CO" b="1" dirty="0"/>
-          </a:p>
-        </p:txBody>
-      </p:sp>
-      <p:sp>
-        <p:nvSpPr>
-          <p:cNvPr id="8" name="TextBox 7"/>
-          <p:cNvSpPr txBox="1"/>
-          <p:nvPr/>
-        </p:nvSpPr>
-        <p:spPr>
-          <a:xfrm>
-            <a:off x="7233689" y="6165243"/>
-            <a:ext cx="2238177" cy="369332"/>
-          </a:xfrm>
-          <a:prstGeom prst="rect">
-            <a:avLst/>
-          </a:prstGeom>
-          <a:noFill/>
-        </p:spPr>
-        <p:txBody>
-          <a:bodyPr wrap="none" rtlCol="0">
-            <a:spAutoFit/>
-          </a:bodyPr>
-          <a:lstStyle/>
-          <a:p>
-            <a:r>
-              <a:rPr lang="en-US" dirty="0" smtClean="0"/>
-              <a:t>Accuracy </a:t>
-            </a:r>
-            <a:r>
-              <a:rPr lang="en-US" dirty="0"/>
-              <a:t>= 0.8924528</a:t>
-            </a:r>
-            <a:endParaRPr lang="es-CO" dirty="0"/>
-          </a:p>
-        </p:txBody>
-      </p:sp>
     </p:spTree>
     <p:extLst>
       <p:ext uri="{BB962C8B-B14F-4D97-AF65-F5344CB8AC3E}">
-        <p14:creationId xmlns:p14="http://schemas.microsoft.com/office/powerpoint/2010/main" val="2206704834"/>
+        <p14:creationId xmlns:p14="http://schemas.microsoft.com/office/powerpoint/2010/main" val="3851783663"/>
       </p:ext>
     </p:extLst>
   </p:cSld>
@@ -3375,6 +3264,215 @@
       </p:grpSpPr>
       <p:pic>
         <p:nvPicPr>
+          <p:cNvPr id="2" name="Picture 1"/>
+          <p:cNvPicPr>
+            <a:picLocks noChangeAspect="1"/>
+          </p:cNvPicPr>
+          <p:nvPr/>
+        </p:nvPicPr>
+        <p:blipFill>
+          <a:blip r:embed="rId2"/>
+          <a:stretch>
+            <a:fillRect/>
+          </a:stretch>
+        </p:blipFill>
+        <p:spPr>
+          <a:xfrm>
+            <a:off x="823592" y="830781"/>
+            <a:ext cx="5334462" cy="5334462"/>
+          </a:xfrm>
+          <a:prstGeom prst="rect">
+            <a:avLst/>
+          </a:prstGeom>
+        </p:spPr>
+      </p:pic>
+      <p:pic>
+        <p:nvPicPr>
+          <p:cNvPr id="3" name="Picture 2"/>
+          <p:cNvPicPr>
+            <a:picLocks noChangeAspect="1"/>
+          </p:cNvPicPr>
+          <p:nvPr/>
+        </p:nvPicPr>
+        <p:blipFill>
+          <a:blip r:embed="rId3"/>
+          <a:stretch>
+            <a:fillRect/>
+          </a:stretch>
+        </p:blipFill>
+        <p:spPr>
+          <a:xfrm>
+            <a:off x="6158054" y="830781"/>
+            <a:ext cx="5334462" cy="5334462"/>
+          </a:xfrm>
+          <a:prstGeom prst="rect">
+            <a:avLst/>
+          </a:prstGeom>
+        </p:spPr>
+      </p:pic>
+      <p:sp>
+        <p:nvSpPr>
+          <p:cNvPr id="4" name="TextBox 3"/>
+          <p:cNvSpPr txBox="1"/>
+          <p:nvPr/>
+        </p:nvSpPr>
+        <p:spPr>
+          <a:xfrm>
+            <a:off x="2222886" y="461449"/>
+            <a:ext cx="1629036" cy="369332"/>
+          </a:xfrm>
+          <a:prstGeom prst="rect">
+            <a:avLst/>
+          </a:prstGeom>
+          <a:noFill/>
+        </p:spPr>
+        <p:txBody>
+          <a:bodyPr wrap="none" rtlCol="0">
+            <a:spAutoFit/>
+          </a:bodyPr>
+          <a:lstStyle/>
+          <a:p>
+            <a:r>
+              <a:rPr lang="en-US" b="1" dirty="0" smtClean="0"/>
+              <a:t>Random Forest</a:t>
+            </a:r>
+            <a:endParaRPr lang="es-CO" b="1" dirty="0"/>
+          </a:p>
+        </p:txBody>
+      </p:sp>
+      <p:sp>
+        <p:nvSpPr>
+          <p:cNvPr id="5" name="TextBox 4"/>
+          <p:cNvSpPr txBox="1"/>
+          <p:nvPr/>
+        </p:nvSpPr>
+        <p:spPr>
+          <a:xfrm>
+            <a:off x="1976825" y="6165243"/>
+            <a:ext cx="2121158" cy="369332"/>
+          </a:xfrm>
+          <a:prstGeom prst="rect">
+            <a:avLst/>
+          </a:prstGeom>
+          <a:noFill/>
+        </p:spPr>
+        <p:txBody>
+          <a:bodyPr wrap="none" rtlCol="0">
+            <a:spAutoFit/>
+          </a:bodyPr>
+          <a:lstStyle/>
+          <a:p>
+            <a:r>
+              <a:rPr lang="en-US" dirty="0" smtClean="0"/>
+              <a:t>Accuracy = 0.910692</a:t>
+            </a:r>
+            <a:endParaRPr lang="es-CO" dirty="0"/>
+          </a:p>
+        </p:txBody>
+      </p:sp>
+      <p:sp>
+        <p:nvSpPr>
+          <p:cNvPr id="7" name="TextBox 6"/>
+          <p:cNvSpPr txBox="1"/>
+          <p:nvPr/>
+        </p:nvSpPr>
+        <p:spPr>
+          <a:xfrm>
+            <a:off x="6996317" y="461449"/>
+            <a:ext cx="2595903" cy="369332"/>
+          </a:xfrm>
+          <a:prstGeom prst="rect">
+            <a:avLst/>
+          </a:prstGeom>
+          <a:noFill/>
+        </p:spPr>
+        <p:txBody>
+          <a:bodyPr wrap="none" rtlCol="0">
+            <a:spAutoFit/>
+          </a:bodyPr>
+          <a:lstStyle/>
+          <a:p>
+            <a:r>
+              <a:rPr lang="en-US" b="1" dirty="0" smtClean="0"/>
+              <a:t>Support Vector Machines</a:t>
+            </a:r>
+            <a:endParaRPr lang="es-CO" b="1" dirty="0"/>
+          </a:p>
+        </p:txBody>
+      </p:sp>
+      <p:sp>
+        <p:nvSpPr>
+          <p:cNvPr id="8" name="TextBox 7"/>
+          <p:cNvSpPr txBox="1"/>
+          <p:nvPr/>
+        </p:nvSpPr>
+        <p:spPr>
+          <a:xfrm>
+            <a:off x="7233689" y="6165243"/>
+            <a:ext cx="2238177" cy="369332"/>
+          </a:xfrm>
+          <a:prstGeom prst="rect">
+            <a:avLst/>
+          </a:prstGeom>
+          <a:noFill/>
+        </p:spPr>
+        <p:txBody>
+          <a:bodyPr wrap="none" rtlCol="0">
+            <a:spAutoFit/>
+          </a:bodyPr>
+          <a:lstStyle/>
+          <a:p>
+            <a:r>
+              <a:rPr lang="en-US" dirty="0" smtClean="0"/>
+              <a:t>Accuracy </a:t>
+            </a:r>
+            <a:r>
+              <a:rPr lang="en-US" dirty="0"/>
+              <a:t>= 0.8924528</a:t>
+            </a:r>
+            <a:endParaRPr lang="es-CO" dirty="0"/>
+          </a:p>
+        </p:txBody>
+      </p:sp>
+    </p:spTree>
+    <p:extLst>
+      <p:ext uri="{BB962C8B-B14F-4D97-AF65-F5344CB8AC3E}">
+        <p14:creationId xmlns:p14="http://schemas.microsoft.com/office/powerpoint/2010/main" val="2206704834"/>
+      </p:ext>
+    </p:extLst>
+  </p:cSld>
+  <p:clrMapOvr>
+    <a:masterClrMapping/>
+  </p:clrMapOvr>
+  <p:timing>
+    <p:tnLst>
+      <p:par>
+        <p:cTn id="1" dur="indefinite" restart="never" nodeType="tmRoot"/>
+      </p:par>
+    </p:tnLst>
+  </p:timing>
+</p:sld>
+</file>
+
+<file path=ppt/slides/slide13.xml><?xml version="1.0" encoding="utf-8"?>
+<p:sld xmlns:a="http://schemas.openxmlformats.org/drawingml/2006/main" xmlns:r="http://schemas.openxmlformats.org/officeDocument/2006/relationships" xmlns:p="http://schemas.openxmlformats.org/presentationml/2006/main">
+  <p:cSld>
+    <p:spTree>
+      <p:nvGrpSpPr>
+        <p:cNvPr id="1" name=""/>
+        <p:cNvGrpSpPr/>
+        <p:nvPr/>
+      </p:nvGrpSpPr>
+      <p:grpSpPr>
+        <a:xfrm>
+          <a:off x="0" y="0"/>
+          <a:ext cx="0" cy="0"/>
+          <a:chOff x="0" y="0"/>
+          <a:chExt cx="0" cy="0"/>
+        </a:xfrm>
+      </p:grpSpPr>
+      <p:pic>
+        <p:nvPicPr>
           <p:cNvPr id="3" name="Picture 2"/>
           <p:cNvPicPr>
             <a:picLocks noChangeAspect="1"/>
@@ -3549,7 +3647,7 @@
 </p:sld>
 </file>
 
-<file path=ppt/slides/slide13.xml><?xml version="1.0" encoding="utf-8"?>
+<file path=ppt/slides/slide14.xml><?xml version="1.0" encoding="utf-8"?>
 <p:sld xmlns:a="http://schemas.openxmlformats.org/drawingml/2006/main" xmlns:r="http://schemas.openxmlformats.org/officeDocument/2006/relationships" xmlns:p="http://schemas.openxmlformats.org/presentationml/2006/main">
   <p:cSld>
     <p:spTree>
@@ -3701,67 +3799,6 @@
 </p:sld>
 </file>
 
-<file path=ppt/slides/slide14.xml><?xml version="1.0" encoding="utf-8"?>
-<p:sld xmlns:a="http://schemas.openxmlformats.org/drawingml/2006/main" xmlns:r="http://schemas.openxmlformats.org/officeDocument/2006/relationships" xmlns:p="http://schemas.openxmlformats.org/presentationml/2006/main">
-  <p:cSld>
-    <p:spTree>
-      <p:nvGrpSpPr>
-        <p:cNvPr id="1" name=""/>
-        <p:cNvGrpSpPr/>
-        <p:nvPr/>
-      </p:nvGrpSpPr>
-      <p:grpSpPr>
-        <a:xfrm>
-          <a:off x="0" y="0"/>
-          <a:ext cx="0" cy="0"/>
-          <a:chOff x="0" y="0"/>
-          <a:chExt cx="0" cy="0"/>
-        </a:xfrm>
-      </p:grpSpPr>
-      <p:pic>
-        <p:nvPicPr>
-          <p:cNvPr id="2" name="Picture 1"/>
-          <p:cNvPicPr>
-            <a:picLocks noChangeAspect="1"/>
-          </p:cNvPicPr>
-          <p:nvPr/>
-        </p:nvPicPr>
-        <p:blipFill>
-          <a:blip r:embed="rId2"/>
-          <a:stretch>
-            <a:fillRect/>
-          </a:stretch>
-        </p:blipFill>
-        <p:spPr>
-          <a:xfrm>
-            <a:off x="448874" y="462261"/>
-            <a:ext cx="11354937" cy="5943600"/>
-          </a:xfrm>
-          <a:prstGeom prst="rect">
-            <a:avLst/>
-          </a:prstGeom>
-        </p:spPr>
-      </p:pic>
-    </p:spTree>
-    <p:extLst>
-      <p:ext uri="{BB962C8B-B14F-4D97-AF65-F5344CB8AC3E}">
-        <p14:creationId xmlns:p14="http://schemas.microsoft.com/office/powerpoint/2010/main" val="1124300279"/>
-      </p:ext>
-    </p:extLst>
-  </p:cSld>
-  <p:clrMapOvr>
-    <a:masterClrMapping/>
-  </p:clrMapOvr>
-  <p:timing>
-    <p:tnLst>
-      <p:par>
-        <p:cTn id="1" dur="indefinite" restart="never" nodeType="tmRoot"/>
-      </p:par>
-    </p:tnLst>
-  </p:timing>
-</p:sld>
-</file>
-
 <file path=ppt/slides/slide15.xml><?xml version="1.0" encoding="utf-8"?>
 <p:sld xmlns:a="http://schemas.openxmlformats.org/drawingml/2006/main" xmlns:r="http://schemas.openxmlformats.org/officeDocument/2006/relationships" xmlns:p="http://schemas.openxmlformats.org/presentationml/2006/main">
   <p:cSld>
@@ -3795,8 +3832,8 @@
         </p:blipFill>
         <p:spPr>
           <a:xfrm>
-            <a:off x="371878" y="495259"/>
-            <a:ext cx="11430991" cy="5936494"/>
+            <a:off x="448874" y="462261"/>
+            <a:ext cx="11354937" cy="5943600"/>
           </a:xfrm>
           <a:prstGeom prst="rect">
             <a:avLst/>
@@ -3806,7 +3843,7 @@
     </p:spTree>
     <p:extLst>
       <p:ext uri="{BB962C8B-B14F-4D97-AF65-F5344CB8AC3E}">
-        <p14:creationId xmlns:p14="http://schemas.microsoft.com/office/powerpoint/2010/main" val="683266836"/>
+        <p14:creationId xmlns:p14="http://schemas.microsoft.com/office/powerpoint/2010/main" val="1124300279"/>
       </p:ext>
     </p:extLst>
   </p:cSld>
@@ -3840,33 +3877,34 @@
           <a:chExt cx="0" cy="0"/>
         </a:xfrm>
       </p:grpSpPr>
-      <p:sp>
-        <p:nvSpPr>
-          <p:cNvPr id="2" name="Title 1"/>
-          <p:cNvSpPr>
-            <a:spLocks noGrp="1"/>
-          </p:cNvSpPr>
-          <p:nvPr>
-            <p:ph type="ctrTitle"/>
-          </p:nvPr>
-        </p:nvSpPr>
-        <p:spPr/>
-        <p:txBody>
-          <a:bodyPr/>
-          <a:lstStyle/>
-          <a:p>
-            <a:r>
-              <a:rPr lang="en-US" dirty="0" smtClean="0"/>
-              <a:t>Race analysis</a:t>
-            </a:r>
-            <a:endParaRPr lang="es-CO" dirty="0"/>
-          </a:p>
-        </p:txBody>
-      </p:sp>
+      <p:pic>
+        <p:nvPicPr>
+          <p:cNvPr id="2" name="Picture 1"/>
+          <p:cNvPicPr>
+            <a:picLocks noChangeAspect="1"/>
+          </p:cNvPicPr>
+          <p:nvPr/>
+        </p:nvPicPr>
+        <p:blipFill>
+          <a:blip r:embed="rId2"/>
+          <a:stretch>
+            <a:fillRect/>
+          </a:stretch>
+        </p:blipFill>
+        <p:spPr>
+          <a:xfrm>
+            <a:off x="371878" y="495259"/>
+            <a:ext cx="11430991" cy="5936494"/>
+          </a:xfrm>
+          <a:prstGeom prst="rect">
+            <a:avLst/>
+          </a:prstGeom>
+        </p:spPr>
+      </p:pic>
     </p:spTree>
     <p:extLst>
       <p:ext uri="{BB962C8B-B14F-4D97-AF65-F5344CB8AC3E}">
-        <p14:creationId xmlns:p14="http://schemas.microsoft.com/office/powerpoint/2010/main" val="954851267"/>
+        <p14:creationId xmlns:p14="http://schemas.microsoft.com/office/powerpoint/2010/main" val="683266836"/>
       </p:ext>
     </p:extLst>
   </p:cSld>
@@ -3900,6 +3938,66 @@
           <a:chExt cx="0" cy="0"/>
         </a:xfrm>
       </p:grpSpPr>
+      <p:sp>
+        <p:nvSpPr>
+          <p:cNvPr id="2" name="Title 1"/>
+          <p:cNvSpPr>
+            <a:spLocks noGrp="1"/>
+          </p:cNvSpPr>
+          <p:nvPr>
+            <p:ph type="ctrTitle"/>
+          </p:nvPr>
+        </p:nvSpPr>
+        <p:spPr/>
+        <p:txBody>
+          <a:bodyPr/>
+          <a:lstStyle/>
+          <a:p>
+            <a:r>
+              <a:rPr lang="en-US" dirty="0" smtClean="0"/>
+              <a:t>Race analysis</a:t>
+            </a:r>
+            <a:endParaRPr lang="es-CO" dirty="0"/>
+          </a:p>
+        </p:txBody>
+      </p:sp>
+    </p:spTree>
+    <p:extLst>
+      <p:ext uri="{BB962C8B-B14F-4D97-AF65-F5344CB8AC3E}">
+        <p14:creationId xmlns:p14="http://schemas.microsoft.com/office/powerpoint/2010/main" val="954851267"/>
+      </p:ext>
+    </p:extLst>
+  </p:cSld>
+  <p:clrMapOvr>
+    <a:masterClrMapping/>
+  </p:clrMapOvr>
+  <p:timing>
+    <p:tnLst>
+      <p:par>
+        <p:cTn id="1" dur="indefinite" restart="never" nodeType="tmRoot"/>
+      </p:par>
+    </p:tnLst>
+  </p:timing>
+</p:sld>
+</file>
+
+<file path=ppt/slides/slide18.xml><?xml version="1.0" encoding="utf-8"?>
+<p:sld xmlns:a="http://schemas.openxmlformats.org/drawingml/2006/main" xmlns:r="http://schemas.openxmlformats.org/officeDocument/2006/relationships" xmlns:p="http://schemas.openxmlformats.org/presentationml/2006/main">
+  <p:cSld>
+    <p:spTree>
+      <p:nvGrpSpPr>
+        <p:cNvPr id="1" name=""/>
+        <p:cNvGrpSpPr/>
+        <p:nvPr/>
+      </p:nvGrpSpPr>
+      <p:grpSpPr>
+        <a:xfrm>
+          <a:off x="0" y="0"/>
+          <a:ext cx="0" cy="0"/>
+          <a:chOff x="0" y="0"/>
+          <a:chExt cx="0" cy="0"/>
+        </a:xfrm>
+      </p:grpSpPr>
       <p:pic>
         <p:nvPicPr>
           <p:cNvPr id="2" name="Picture 1"/>
@@ -4192,7 +4290,7 @@
 </p:sld>
 </file>
 
-<file path=ppt/slides/slide18.xml><?xml version="1.0" encoding="utf-8"?>
+<file path=ppt/slides/slide19.xml><?xml version="1.0" encoding="utf-8"?>
 <p:sld xmlns:a="http://schemas.openxmlformats.org/drawingml/2006/main" xmlns:r="http://schemas.openxmlformats.org/officeDocument/2006/relationships" xmlns:p="http://schemas.openxmlformats.org/presentationml/2006/main">
   <p:cSld>
     <p:spTree>
@@ -4464,7 +4562,389 @@
 </p:sld>
 </file>
 
-<file path=ppt/slides/slide19.xml><?xml version="1.0" encoding="utf-8"?>
+<file path=ppt/slides/slide2.xml><?xml version="1.0" encoding="utf-8"?>
+<p:sld xmlns:a="http://schemas.openxmlformats.org/drawingml/2006/main" xmlns:r="http://schemas.openxmlformats.org/officeDocument/2006/relationships" xmlns:p="http://schemas.openxmlformats.org/presentationml/2006/main">
+  <p:cSld>
+    <p:spTree>
+      <p:nvGrpSpPr>
+        <p:cNvPr id="1" name=""/>
+        <p:cNvGrpSpPr/>
+        <p:nvPr/>
+      </p:nvGrpSpPr>
+      <p:grpSpPr>
+        <a:xfrm>
+          <a:off x="0" y="0"/>
+          <a:ext cx="0" cy="0"/>
+          <a:chOff x="0" y="0"/>
+          <a:chExt cx="0" cy="0"/>
+        </a:xfrm>
+      </p:grpSpPr>
+      <p:sp>
+        <p:nvSpPr>
+          <p:cNvPr id="3" name="TextBox 2"/>
+          <p:cNvSpPr txBox="1"/>
+          <p:nvPr/>
+        </p:nvSpPr>
+        <p:spPr>
+          <a:xfrm>
+            <a:off x="1374652" y="383811"/>
+            <a:ext cx="3386953" cy="369332"/>
+          </a:xfrm>
+          <a:prstGeom prst="rect">
+            <a:avLst/>
+          </a:prstGeom>
+          <a:noFill/>
+        </p:spPr>
+        <p:txBody>
+          <a:bodyPr wrap="none" rtlCol="0">
+            <a:spAutoFit/>
+          </a:bodyPr>
+          <a:lstStyle/>
+          <a:p>
+            <a:r>
+              <a:rPr lang="en-US" b="1" dirty="0" smtClean="0"/>
+              <a:t>Original altitude data distribution</a:t>
+            </a:r>
+            <a:endParaRPr lang="es-CO" b="1" dirty="0"/>
+          </a:p>
+        </p:txBody>
+      </p:sp>
+      <p:pic>
+        <p:nvPicPr>
+          <p:cNvPr id="4" name="Picture 3"/>
+          <p:cNvPicPr>
+            <a:picLocks noChangeAspect="1"/>
+          </p:cNvPicPr>
+          <p:nvPr/>
+        </p:nvPicPr>
+        <p:blipFill>
+          <a:blip r:embed="rId2"/>
+          <a:stretch>
+            <a:fillRect/>
+          </a:stretch>
+        </p:blipFill>
+        <p:spPr>
+          <a:xfrm>
+            <a:off x="485740" y="1047349"/>
+            <a:ext cx="5164776" cy="5029200"/>
+          </a:xfrm>
+          <a:prstGeom prst="rect">
+            <a:avLst/>
+          </a:prstGeom>
+        </p:spPr>
+      </p:pic>
+      <p:pic>
+        <p:nvPicPr>
+          <p:cNvPr id="5" name="Picture 4"/>
+          <p:cNvPicPr>
+            <a:picLocks noChangeAspect="1"/>
+          </p:cNvPicPr>
+          <p:nvPr/>
+        </p:nvPicPr>
+        <p:blipFill>
+          <a:blip r:embed="rId3"/>
+          <a:stretch>
+            <a:fillRect/>
+          </a:stretch>
+        </p:blipFill>
+        <p:spPr>
+          <a:xfrm>
+            <a:off x="6328913" y="1047349"/>
+            <a:ext cx="5164775" cy="5029200"/>
+          </a:xfrm>
+          <a:prstGeom prst="rect">
+            <a:avLst/>
+          </a:prstGeom>
+        </p:spPr>
+      </p:pic>
+      <p:sp>
+        <p:nvSpPr>
+          <p:cNvPr id="6" name="TextBox 5"/>
+          <p:cNvSpPr txBox="1"/>
+          <p:nvPr/>
+        </p:nvSpPr>
+        <p:spPr>
+          <a:xfrm>
+            <a:off x="7046430" y="383811"/>
+            <a:ext cx="3729739" cy="369332"/>
+          </a:xfrm>
+          <a:prstGeom prst="rect">
+            <a:avLst/>
+          </a:prstGeom>
+          <a:noFill/>
+        </p:spPr>
+        <p:txBody>
+          <a:bodyPr wrap="none" rtlCol="0">
+            <a:spAutoFit/>
+          </a:bodyPr>
+          <a:lstStyle/>
+          <a:p>
+            <a:r>
+              <a:rPr lang="en-US" b="1" dirty="0" smtClean="0"/>
+              <a:t>Altitude data distribution </a:t>
+            </a:r>
+            <a:r>
+              <a:rPr lang="en-US" b="1" dirty="0" smtClean="0"/>
+              <a:t>from SRTM</a:t>
+            </a:r>
+            <a:endParaRPr lang="es-CO" b="1" dirty="0"/>
+          </a:p>
+        </p:txBody>
+      </p:sp>
+      <mc:AlternateContent xmlns:mc="http://schemas.openxmlformats.org/markup-compatibility/2006">
+        <mc:Choice xmlns:a14="http://schemas.microsoft.com/office/drawing/2010/main" Requires="a14">
+          <p:sp>
+            <p:nvSpPr>
+              <p:cNvPr id="7" name="TextBox 6"/>
+              <p:cNvSpPr txBox="1"/>
+              <p:nvPr/>
+            </p:nvSpPr>
+            <p:spPr>
+              <a:xfrm>
+                <a:off x="7205961" y="6076549"/>
+                <a:ext cx="3570208" cy="276999"/>
+              </a:xfrm>
+              <a:prstGeom prst="rect">
+                <a:avLst/>
+              </a:prstGeom>
+              <a:noFill/>
+            </p:spPr>
+            <p:txBody>
+              <a:bodyPr wrap="none" lIns="0" tIns="0" rIns="0" bIns="0" rtlCol="0">
+                <a:spAutoFit/>
+              </a:bodyPr>
+              <a:lstStyle/>
+              <a:p>
+                <a:pPr/>
+                <a14:m>
+                  <m:oMathPara xmlns:m="http://schemas.openxmlformats.org/officeDocument/2006/math">
+                    <m:oMathParaPr>
+                      <m:jc m:val="centerGroup"/>
+                    </m:oMathParaPr>
+                    <m:oMath xmlns:m="http://schemas.openxmlformats.org/officeDocument/2006/math">
+                      <m:r>
+                        <a:rPr lang="en-US" b="0" i="1" smtClean="0">
+                          <a:latin typeface="Cambria Math" panose="02040503050406030204" pitchFamily="18" charset="0"/>
+                        </a:rPr>
+                        <m:t>𝑃</m:t>
+                      </m:r>
+                      <m:d>
+                        <m:dPr>
+                          <m:ctrlPr>
+                            <a:rPr lang="en-US" b="0" i="1" smtClean="0">
+                              <a:latin typeface="Cambria Math" panose="02040503050406030204" pitchFamily="18" charset="0"/>
+                            </a:rPr>
+                          </m:ctrlPr>
+                        </m:dPr>
+                        <m:e>
+                          <m:r>
+                            <a:rPr lang="en-US" b="0" i="1" smtClean="0">
+                              <a:latin typeface="Cambria Math" panose="02040503050406030204" pitchFamily="18" charset="0"/>
+                            </a:rPr>
+                            <m:t>𝐴𝑙𝑡𝑖𝑡𝑢𝑑𝑒</m:t>
+                          </m:r>
+                          <m:r>
+                            <a:rPr lang="en-US" b="0" i="1" smtClean="0">
+                              <a:latin typeface="Cambria Math" panose="02040503050406030204" pitchFamily="18" charset="0"/>
+                              <a:ea typeface="Cambria Math" panose="02040503050406030204" pitchFamily="18" charset="0"/>
+                            </a:rPr>
+                            <m:t>≥</m:t>
+                          </m:r>
+                          <m:r>
+                            <a:rPr lang="en-US" b="0" i="1" smtClean="0">
+                              <a:latin typeface="Cambria Math" panose="02040503050406030204" pitchFamily="18" charset="0"/>
+                            </a:rPr>
+                            <m:t>3000</m:t>
+                          </m:r>
+                        </m:e>
+                      </m:d>
+                      <m:r>
+                        <a:rPr lang="en-US" b="0" i="1" smtClean="0">
+                          <a:latin typeface="Cambria Math" panose="02040503050406030204" pitchFamily="18" charset="0"/>
+                        </a:rPr>
+                        <m:t>=0.01251908</m:t>
+                      </m:r>
+                    </m:oMath>
+                  </m:oMathPara>
+                </a14:m>
+                <a:endParaRPr lang="es-CO" dirty="0"/>
+              </a:p>
+            </p:txBody>
+          </p:sp>
+        </mc:Choice>
+        <mc:Fallback>
+          <p:sp>
+            <p:nvSpPr>
+              <p:cNvPr id="7" name="TextBox 6"/>
+              <p:cNvSpPr txBox="1">
+                <a:spLocks noRot="1" noChangeAspect="1" noMove="1" noResize="1" noEditPoints="1" noAdjustHandles="1" noChangeArrowheads="1" noChangeShapeType="1" noTextEdit="1"/>
+              </p:cNvSpPr>
+              <p:nvPr/>
+            </p:nvSpPr>
+            <p:spPr>
+              <a:xfrm>
+                <a:off x="7205961" y="6076549"/>
+                <a:ext cx="3570208" cy="276999"/>
+              </a:xfrm>
+              <a:prstGeom prst="rect">
+                <a:avLst/>
+              </a:prstGeom>
+              <a:blipFill rotWithShape="0">
+                <a:blip r:embed="rId4"/>
+                <a:stretch>
+                  <a:fillRect l="-1024" r="-1195" b="-11111"/>
+                </a:stretch>
+              </a:blipFill>
+            </p:spPr>
+            <p:txBody>
+              <a:bodyPr/>
+              <a:lstStyle/>
+              <a:p>
+                <a:r>
+                  <a:rPr lang="es-CO">
+                    <a:noFill/>
+                  </a:rPr>
+                  <a:t> </a:t>
+                </a:r>
+              </a:p>
+            </p:txBody>
+          </p:sp>
+        </mc:Fallback>
+      </mc:AlternateContent>
+      <mc:AlternateContent xmlns:mc="http://schemas.openxmlformats.org/markup-compatibility/2006">
+        <mc:Choice xmlns:a14="http://schemas.microsoft.com/office/drawing/2010/main" Requires="a14">
+          <p:sp>
+            <p:nvSpPr>
+              <p:cNvPr id="8" name="TextBox 7"/>
+              <p:cNvSpPr txBox="1"/>
+              <p:nvPr/>
+            </p:nvSpPr>
+            <p:spPr>
+              <a:xfrm>
+                <a:off x="7141841" y="6353548"/>
+                <a:ext cx="3736920" cy="276999"/>
+              </a:xfrm>
+              <a:prstGeom prst="rect">
+                <a:avLst/>
+              </a:prstGeom>
+              <a:noFill/>
+            </p:spPr>
+            <p:txBody>
+              <a:bodyPr wrap="none" lIns="0" tIns="0" rIns="0" bIns="0" rtlCol="0">
+                <a:spAutoFit/>
+              </a:bodyPr>
+              <a:lstStyle/>
+              <a:p>
+                <a:pPr/>
+                <a14:m>
+                  <m:oMathPara xmlns:m="http://schemas.openxmlformats.org/officeDocument/2006/math">
+                    <m:oMathParaPr>
+                      <m:jc m:val="centerGroup"/>
+                    </m:oMathParaPr>
+                    <m:oMath xmlns:m="http://schemas.openxmlformats.org/officeDocument/2006/math">
+                      <m:r>
+                        <a:rPr lang="en-US" b="0" i="1" smtClean="0">
+                          <a:latin typeface="Cambria Math" panose="02040503050406030204" pitchFamily="18" charset="0"/>
+                        </a:rPr>
+                        <m:t>𝑃</m:t>
+                      </m:r>
+                      <m:d>
+                        <m:dPr>
+                          <m:ctrlPr>
+                            <a:rPr lang="en-US" b="0" i="1" smtClean="0">
+                              <a:latin typeface="Cambria Math" panose="02040503050406030204" pitchFamily="18" charset="0"/>
+                            </a:rPr>
+                          </m:ctrlPr>
+                        </m:dPr>
+                        <m:e>
+                          <m:r>
+                            <a:rPr lang="en-US" b="0" i="1" smtClean="0">
+                              <a:latin typeface="Cambria Math" panose="02040503050406030204" pitchFamily="18" charset="0"/>
+                            </a:rPr>
+                            <m:t>𝐴𝑙𝑡𝑖𝑡𝑢𝑑𝑒</m:t>
+                          </m:r>
+                          <m:r>
+                            <a:rPr lang="en-US" b="0" i="1" smtClean="0">
+                              <a:latin typeface="Cambria Math" panose="02040503050406030204" pitchFamily="18" charset="0"/>
+                              <a:ea typeface="Cambria Math" panose="02040503050406030204" pitchFamily="18" charset="0"/>
+                            </a:rPr>
+                            <m:t>≥</m:t>
+                          </m:r>
+                          <m:r>
+                            <a:rPr lang="en-US" b="1" i="1" smtClean="0">
+                              <a:latin typeface="Cambria Math" panose="02040503050406030204" pitchFamily="18" charset="0"/>
+                            </a:rPr>
+                            <m:t>𝟑𝟓𝟎𝟎</m:t>
+                          </m:r>
+                        </m:e>
+                      </m:d>
+                      <m:r>
+                        <a:rPr lang="en-US" b="0" i="1" smtClean="0">
+                          <a:latin typeface="Cambria Math" panose="02040503050406030204" pitchFamily="18" charset="0"/>
+                        </a:rPr>
+                        <m:t>=0.002565249</m:t>
+                      </m:r>
+                    </m:oMath>
+                  </m:oMathPara>
+                </a14:m>
+                <a:endParaRPr lang="es-CO" dirty="0"/>
+              </a:p>
+            </p:txBody>
+          </p:sp>
+        </mc:Choice>
+        <mc:Fallback>
+          <p:sp>
+            <p:nvSpPr>
+              <p:cNvPr id="8" name="TextBox 7"/>
+              <p:cNvSpPr txBox="1">
+                <a:spLocks noRot="1" noChangeAspect="1" noMove="1" noResize="1" noEditPoints="1" noAdjustHandles="1" noChangeArrowheads="1" noChangeShapeType="1" noTextEdit="1"/>
+              </p:cNvSpPr>
+              <p:nvPr/>
+            </p:nvSpPr>
+            <p:spPr>
+              <a:xfrm>
+                <a:off x="7141841" y="6353548"/>
+                <a:ext cx="3736920" cy="276999"/>
+              </a:xfrm>
+              <a:prstGeom prst="rect">
+                <a:avLst/>
+              </a:prstGeom>
+              <a:blipFill rotWithShape="0">
+                <a:blip r:embed="rId5"/>
+                <a:stretch>
+                  <a:fillRect l="-1142" r="-1305" b="-10870"/>
+                </a:stretch>
+              </a:blipFill>
+            </p:spPr>
+            <p:txBody>
+              <a:bodyPr/>
+              <a:lstStyle/>
+              <a:p>
+                <a:r>
+                  <a:rPr lang="es-CO">
+                    <a:noFill/>
+                  </a:rPr>
+                  <a:t> </a:t>
+                </a:r>
+              </a:p>
+            </p:txBody>
+          </p:sp>
+        </mc:Fallback>
+      </mc:AlternateContent>
+    </p:spTree>
+    <p:extLst>
+      <p:ext uri="{BB962C8B-B14F-4D97-AF65-F5344CB8AC3E}">
+        <p14:creationId xmlns:p14="http://schemas.microsoft.com/office/powerpoint/2010/main" val="1273712124"/>
+      </p:ext>
+    </p:extLst>
+  </p:cSld>
+  <p:clrMapOvr>
+    <a:masterClrMapping/>
+  </p:clrMapOvr>
+</p:sld>
+</file>
+
+<file path=ppt/slides/slide20.xml><?xml version="1.0" encoding="utf-8"?>
 <p:sld xmlns:a="http://schemas.openxmlformats.org/drawingml/2006/main" xmlns:r="http://schemas.openxmlformats.org/officeDocument/2006/relationships" xmlns:p="http://schemas.openxmlformats.org/presentationml/2006/main">
   <p:cSld>
     <p:spTree>
@@ -4509,412 +4989,6 @@
     <p:extLst>
       <p:ext uri="{BB962C8B-B14F-4D97-AF65-F5344CB8AC3E}">
         <p14:creationId xmlns:p14="http://schemas.microsoft.com/office/powerpoint/2010/main" val="845527843"/>
-      </p:ext>
-    </p:extLst>
-  </p:cSld>
-  <p:clrMapOvr>
-    <a:masterClrMapping/>
-  </p:clrMapOvr>
-  <p:timing>
-    <p:tnLst>
-      <p:par>
-        <p:cTn id="1" dur="indefinite" restart="never" nodeType="tmRoot"/>
-      </p:par>
-    </p:tnLst>
-  </p:timing>
-</p:sld>
-</file>
-
-<file path=ppt/slides/slide2.xml><?xml version="1.0" encoding="utf-8"?>
-<p:sld xmlns:a="http://schemas.openxmlformats.org/drawingml/2006/main" xmlns:r="http://schemas.openxmlformats.org/officeDocument/2006/relationships" xmlns:p="http://schemas.openxmlformats.org/presentationml/2006/main">
-  <p:cSld>
-    <p:spTree>
-      <p:nvGrpSpPr>
-        <p:cNvPr id="1" name=""/>
-        <p:cNvGrpSpPr/>
-        <p:nvPr/>
-      </p:nvGrpSpPr>
-      <p:grpSpPr>
-        <a:xfrm>
-          <a:off x="0" y="0"/>
-          <a:ext cx="0" cy="0"/>
-          <a:chOff x="0" y="0"/>
-          <a:chExt cx="0" cy="0"/>
-        </a:xfrm>
-      </p:grpSpPr>
-      <p:pic>
-        <p:nvPicPr>
-          <p:cNvPr id="2" name="Picture 1"/>
-          <p:cNvPicPr>
-            <a:picLocks noChangeAspect="1"/>
-          </p:cNvPicPr>
-          <p:nvPr/>
-        </p:nvPicPr>
-        <p:blipFill>
-          <a:blip r:embed="rId2" cstate="print">
-            <a:extLst>
-              <a:ext uri="{28A0092B-C50C-407E-A947-70E740481C1C}">
-                <a14:useLocalDpi xmlns:a14="http://schemas.microsoft.com/office/drawing/2010/main" val="0"/>
-              </a:ext>
-            </a:extLst>
-          </a:blip>
-          <a:stretch>
-            <a:fillRect/>
-          </a:stretch>
-        </p:blipFill>
-        <p:spPr>
-          <a:xfrm>
-            <a:off x="923025" y="1261940"/>
-            <a:ext cx="10058400" cy="4571999"/>
-          </a:xfrm>
-          <a:prstGeom prst="rect">
-            <a:avLst/>
-          </a:prstGeom>
-        </p:spPr>
-      </p:pic>
-      <p:sp>
-        <p:nvSpPr>
-          <p:cNvPr id="3" name="TextBox 2"/>
-          <p:cNvSpPr txBox="1"/>
-          <p:nvPr/>
-        </p:nvSpPr>
-        <p:spPr>
-          <a:xfrm>
-            <a:off x="4803898" y="543465"/>
-            <a:ext cx="2296654" cy="369332"/>
-          </a:xfrm>
-          <a:prstGeom prst="rect">
-            <a:avLst/>
-          </a:prstGeom>
-          <a:noFill/>
-        </p:spPr>
-        <p:txBody>
-          <a:bodyPr wrap="none" rtlCol="0">
-            <a:spAutoFit/>
-          </a:bodyPr>
-          <a:lstStyle/>
-          <a:p>
-            <a:r>
-              <a:rPr lang="en-US" b="1" dirty="0" smtClean="0"/>
-              <a:t>Quantitative variables</a:t>
-            </a:r>
-            <a:endParaRPr lang="es-CO" b="1" dirty="0"/>
-          </a:p>
-        </p:txBody>
-      </p:sp>
-    </p:spTree>
-    <p:extLst>
-      <p:ext uri="{BB962C8B-B14F-4D97-AF65-F5344CB8AC3E}">
-        <p14:creationId xmlns:p14="http://schemas.microsoft.com/office/powerpoint/2010/main" val="2328725492"/>
-      </p:ext>
-    </p:extLst>
-  </p:cSld>
-  <p:clrMapOvr>
-    <a:masterClrMapping/>
-  </p:clrMapOvr>
-  <p:timing>
-    <p:tnLst>
-      <p:par>
-        <p:cTn id="1" dur="indefinite" restart="never" nodeType="tmRoot"/>
-      </p:par>
-    </p:tnLst>
-  </p:timing>
-</p:sld>
-</file>
-
-<file path=ppt/slides/slide20.xml><?xml version="1.0" encoding="utf-8"?>
-<p:sld xmlns:a="http://schemas.openxmlformats.org/drawingml/2006/main" xmlns:r="http://schemas.openxmlformats.org/officeDocument/2006/relationships" xmlns:p="http://schemas.openxmlformats.org/presentationml/2006/main">
-  <p:cSld>
-    <p:spTree>
-      <p:nvGrpSpPr>
-        <p:cNvPr id="1" name=""/>
-        <p:cNvGrpSpPr/>
-        <p:nvPr/>
-      </p:nvGrpSpPr>
-      <p:grpSpPr>
-        <a:xfrm>
-          <a:off x="0" y="0"/>
-          <a:ext cx="0" cy="0"/>
-          <a:chOff x="0" y="0"/>
-          <a:chExt cx="0" cy="0"/>
-        </a:xfrm>
-      </p:grpSpPr>
-      <p:pic>
-        <p:nvPicPr>
-          <p:cNvPr id="14" name="Picture 13"/>
-          <p:cNvPicPr>
-            <a:picLocks noChangeAspect="1"/>
-          </p:cNvPicPr>
-          <p:nvPr/>
-        </p:nvPicPr>
-        <p:blipFill>
-          <a:blip r:embed="rId2"/>
-          <a:stretch>
-            <a:fillRect/>
-          </a:stretch>
-        </p:blipFill>
-        <p:spPr>
-          <a:xfrm>
-            <a:off x="171249" y="1011199"/>
-            <a:ext cx="6477561" cy="5334462"/>
-          </a:xfrm>
-          <a:prstGeom prst="rect">
-            <a:avLst/>
-          </a:prstGeom>
-        </p:spPr>
-      </p:pic>
-      <p:pic>
-        <p:nvPicPr>
-          <p:cNvPr id="15" name="Picture 14"/>
-          <p:cNvPicPr>
-            <a:picLocks noChangeAspect="1"/>
-          </p:cNvPicPr>
-          <p:nvPr/>
-        </p:nvPicPr>
-        <p:blipFill>
-          <a:blip r:embed="rId3"/>
-          <a:stretch>
-            <a:fillRect/>
-          </a:stretch>
-        </p:blipFill>
-        <p:spPr>
-          <a:xfrm>
-            <a:off x="5591791" y="1019695"/>
-            <a:ext cx="6477561" cy="5334462"/>
-          </a:xfrm>
-          <a:prstGeom prst="rect">
-            <a:avLst/>
-          </a:prstGeom>
-        </p:spPr>
-      </p:pic>
-      <p:sp>
-        <p:nvSpPr>
-          <p:cNvPr id="8" name="Rectangle 7"/>
-          <p:cNvSpPr/>
-          <p:nvPr/>
-        </p:nvSpPr>
-        <p:spPr>
-          <a:xfrm>
-            <a:off x="10929668" y="2700067"/>
-            <a:ext cx="1139684" cy="228491"/>
-          </a:xfrm>
-          <a:prstGeom prst="rect">
-            <a:avLst/>
-          </a:prstGeom>
-          <a:solidFill>
-            <a:schemeClr val="bg1"/>
-          </a:solidFill>
-          <a:ln>
-            <a:solidFill>
-              <a:schemeClr val="bg1"/>
-            </a:solidFill>
-          </a:ln>
-        </p:spPr>
-        <p:style>
-          <a:lnRef idx="2">
-            <a:schemeClr val="accent1">
-              <a:shade val="50000"/>
-            </a:schemeClr>
-          </a:lnRef>
-          <a:fillRef idx="1">
-            <a:schemeClr val="accent1"/>
-          </a:fillRef>
-          <a:effectRef idx="0">
-            <a:schemeClr val="accent1"/>
-          </a:effectRef>
-          <a:fontRef idx="minor">
-            <a:schemeClr val="lt1"/>
-          </a:fontRef>
-        </p:style>
-        <p:txBody>
-          <a:bodyPr rtlCol="0" anchor="ctr"/>
-          <a:lstStyle/>
-          <a:p>
-            <a:pPr algn="ctr"/>
-            <a:endParaRPr lang="es-CO"/>
-          </a:p>
-        </p:txBody>
-      </p:sp>
-      <p:sp>
-        <p:nvSpPr>
-          <p:cNvPr id="9" name="TextBox 8"/>
-          <p:cNvSpPr txBox="1"/>
-          <p:nvPr/>
-        </p:nvSpPr>
-        <p:spPr>
-          <a:xfrm>
-            <a:off x="2222886" y="461449"/>
-            <a:ext cx="1629036" cy="369332"/>
-          </a:xfrm>
-          <a:prstGeom prst="rect">
-            <a:avLst/>
-          </a:prstGeom>
-          <a:noFill/>
-        </p:spPr>
-        <p:txBody>
-          <a:bodyPr wrap="none" rtlCol="0">
-            <a:spAutoFit/>
-          </a:bodyPr>
-          <a:lstStyle/>
-          <a:p>
-            <a:r>
-              <a:rPr lang="en-US" b="1" dirty="0" smtClean="0"/>
-              <a:t>Random Forest</a:t>
-            </a:r>
-            <a:endParaRPr lang="es-CO" b="1" dirty="0"/>
-          </a:p>
-        </p:txBody>
-      </p:sp>
-      <p:sp>
-        <p:nvSpPr>
-          <p:cNvPr id="10" name="TextBox 9"/>
-          <p:cNvSpPr txBox="1"/>
-          <p:nvPr/>
-        </p:nvSpPr>
-        <p:spPr>
-          <a:xfrm>
-            <a:off x="1918315" y="6349909"/>
-            <a:ext cx="2238177" cy="369332"/>
-          </a:xfrm>
-          <a:prstGeom prst="rect">
-            <a:avLst/>
-          </a:prstGeom>
-          <a:noFill/>
-        </p:spPr>
-        <p:txBody>
-          <a:bodyPr wrap="none" rtlCol="0">
-            <a:spAutoFit/>
-          </a:bodyPr>
-          <a:lstStyle/>
-          <a:p>
-            <a:r>
-              <a:rPr lang="en-US" dirty="0" smtClean="0"/>
-              <a:t>Accuracy = 0.7778612</a:t>
-            </a:r>
-            <a:endParaRPr lang="es-CO" dirty="0"/>
-          </a:p>
-        </p:txBody>
-      </p:sp>
-      <p:sp>
-        <p:nvSpPr>
-          <p:cNvPr id="11" name="TextBox 10"/>
-          <p:cNvSpPr txBox="1"/>
-          <p:nvPr/>
-        </p:nvSpPr>
-        <p:spPr>
-          <a:xfrm>
-            <a:off x="6996317" y="461449"/>
-            <a:ext cx="2595903" cy="369332"/>
-          </a:xfrm>
-          <a:prstGeom prst="rect">
-            <a:avLst/>
-          </a:prstGeom>
-          <a:noFill/>
-        </p:spPr>
-        <p:txBody>
-          <a:bodyPr wrap="none" rtlCol="0">
-            <a:spAutoFit/>
-          </a:bodyPr>
-          <a:lstStyle/>
-          <a:p>
-            <a:r>
-              <a:rPr lang="en-US" b="1" dirty="0" smtClean="0"/>
-              <a:t>Support Vector Machines</a:t>
-            </a:r>
-            <a:endParaRPr lang="es-CO" b="1" dirty="0"/>
-          </a:p>
-        </p:txBody>
-      </p:sp>
-      <p:sp>
-        <p:nvSpPr>
-          <p:cNvPr id="12" name="TextBox 11"/>
-          <p:cNvSpPr txBox="1"/>
-          <p:nvPr/>
-        </p:nvSpPr>
-        <p:spPr>
-          <a:xfrm>
-            <a:off x="7175179" y="6345661"/>
-            <a:ext cx="2238177" cy="369332"/>
-          </a:xfrm>
-          <a:prstGeom prst="rect">
-            <a:avLst/>
-          </a:prstGeom>
-          <a:noFill/>
-        </p:spPr>
-        <p:txBody>
-          <a:bodyPr wrap="none" rtlCol="0">
-            <a:spAutoFit/>
-          </a:bodyPr>
-          <a:lstStyle/>
-          <a:p>
-            <a:r>
-              <a:rPr lang="en-US" dirty="0" smtClean="0"/>
-              <a:t>Accuracy </a:t>
-            </a:r>
-            <a:r>
-              <a:rPr lang="en-US" dirty="0"/>
-              <a:t>= </a:t>
-            </a:r>
-            <a:r>
-              <a:rPr lang="en-US" dirty="0" smtClean="0"/>
-              <a:t>0.7127371</a:t>
-            </a:r>
-            <a:endParaRPr lang="es-CO" dirty="0"/>
-          </a:p>
-        </p:txBody>
-      </p:sp>
-      <p:sp>
-        <p:nvSpPr>
-          <p:cNvPr id="13" name="Rectangle 12"/>
-          <p:cNvSpPr/>
-          <p:nvPr/>
-        </p:nvSpPr>
-        <p:spPr>
-          <a:xfrm>
-            <a:off x="10819402" y="2792184"/>
-            <a:ext cx="1249951" cy="272751"/>
-          </a:xfrm>
-          <a:prstGeom prst="rect">
-            <a:avLst/>
-          </a:prstGeom>
-          <a:solidFill>
-            <a:schemeClr val="bg1"/>
-          </a:solidFill>
-          <a:ln>
-            <a:solidFill>
-              <a:schemeClr val="bg1"/>
-            </a:solidFill>
-          </a:ln>
-        </p:spPr>
-        <p:style>
-          <a:lnRef idx="2">
-            <a:schemeClr val="accent1">
-              <a:shade val="50000"/>
-            </a:schemeClr>
-          </a:lnRef>
-          <a:fillRef idx="1">
-            <a:schemeClr val="accent1"/>
-          </a:fillRef>
-          <a:effectRef idx="0">
-            <a:schemeClr val="accent1"/>
-          </a:effectRef>
-          <a:fontRef idx="minor">
-            <a:schemeClr val="lt1"/>
-          </a:fontRef>
-        </p:style>
-        <p:txBody>
-          <a:bodyPr rtlCol="0" anchor="ctr"/>
-          <a:lstStyle/>
-          <a:p>
-            <a:pPr algn="ctr"/>
-            <a:endParaRPr lang="es-CO"/>
-          </a:p>
-        </p:txBody>
-      </p:sp>
-    </p:spTree>
-    <p:extLst>
-      <p:ext uri="{BB962C8B-B14F-4D97-AF65-F5344CB8AC3E}">
-        <p14:creationId xmlns:p14="http://schemas.microsoft.com/office/powerpoint/2010/main" val="3941791871"/>
       </p:ext>
     </p:extLst>
   </p:cSld>
@@ -4950,6 +5024,315 @@
       </p:grpSpPr>
       <p:pic>
         <p:nvPicPr>
+          <p:cNvPr id="14" name="Picture 13"/>
+          <p:cNvPicPr>
+            <a:picLocks noChangeAspect="1"/>
+          </p:cNvPicPr>
+          <p:nvPr/>
+        </p:nvPicPr>
+        <p:blipFill>
+          <a:blip r:embed="rId2"/>
+          <a:stretch>
+            <a:fillRect/>
+          </a:stretch>
+        </p:blipFill>
+        <p:spPr>
+          <a:xfrm>
+            <a:off x="171249" y="1011199"/>
+            <a:ext cx="6477561" cy="5334462"/>
+          </a:xfrm>
+          <a:prstGeom prst="rect">
+            <a:avLst/>
+          </a:prstGeom>
+        </p:spPr>
+      </p:pic>
+      <p:pic>
+        <p:nvPicPr>
+          <p:cNvPr id="15" name="Picture 14"/>
+          <p:cNvPicPr>
+            <a:picLocks noChangeAspect="1"/>
+          </p:cNvPicPr>
+          <p:nvPr/>
+        </p:nvPicPr>
+        <p:blipFill>
+          <a:blip r:embed="rId3"/>
+          <a:stretch>
+            <a:fillRect/>
+          </a:stretch>
+        </p:blipFill>
+        <p:spPr>
+          <a:xfrm>
+            <a:off x="5591791" y="1019695"/>
+            <a:ext cx="6477561" cy="5334462"/>
+          </a:xfrm>
+          <a:prstGeom prst="rect">
+            <a:avLst/>
+          </a:prstGeom>
+        </p:spPr>
+      </p:pic>
+      <p:sp>
+        <p:nvSpPr>
+          <p:cNvPr id="8" name="Rectangle 7"/>
+          <p:cNvSpPr/>
+          <p:nvPr/>
+        </p:nvSpPr>
+        <p:spPr>
+          <a:xfrm>
+            <a:off x="10929668" y="2700067"/>
+            <a:ext cx="1139684" cy="228491"/>
+          </a:xfrm>
+          <a:prstGeom prst="rect">
+            <a:avLst/>
+          </a:prstGeom>
+          <a:solidFill>
+            <a:schemeClr val="bg1"/>
+          </a:solidFill>
+          <a:ln>
+            <a:solidFill>
+              <a:schemeClr val="bg1"/>
+            </a:solidFill>
+          </a:ln>
+        </p:spPr>
+        <p:style>
+          <a:lnRef idx="2">
+            <a:schemeClr val="accent1">
+              <a:shade val="50000"/>
+            </a:schemeClr>
+          </a:lnRef>
+          <a:fillRef idx="1">
+            <a:schemeClr val="accent1"/>
+          </a:fillRef>
+          <a:effectRef idx="0">
+            <a:schemeClr val="accent1"/>
+          </a:effectRef>
+          <a:fontRef idx="minor">
+            <a:schemeClr val="lt1"/>
+          </a:fontRef>
+        </p:style>
+        <p:txBody>
+          <a:bodyPr rtlCol="0" anchor="ctr"/>
+          <a:lstStyle/>
+          <a:p>
+            <a:pPr algn="ctr"/>
+            <a:endParaRPr lang="es-CO"/>
+          </a:p>
+        </p:txBody>
+      </p:sp>
+      <p:sp>
+        <p:nvSpPr>
+          <p:cNvPr id="9" name="TextBox 8"/>
+          <p:cNvSpPr txBox="1"/>
+          <p:nvPr/>
+        </p:nvSpPr>
+        <p:spPr>
+          <a:xfrm>
+            <a:off x="2222886" y="461449"/>
+            <a:ext cx="1629036" cy="369332"/>
+          </a:xfrm>
+          <a:prstGeom prst="rect">
+            <a:avLst/>
+          </a:prstGeom>
+          <a:noFill/>
+        </p:spPr>
+        <p:txBody>
+          <a:bodyPr wrap="none" rtlCol="0">
+            <a:spAutoFit/>
+          </a:bodyPr>
+          <a:lstStyle/>
+          <a:p>
+            <a:r>
+              <a:rPr lang="en-US" b="1" dirty="0" smtClean="0"/>
+              <a:t>Random Forest</a:t>
+            </a:r>
+            <a:endParaRPr lang="es-CO" b="1" dirty="0"/>
+          </a:p>
+        </p:txBody>
+      </p:sp>
+      <p:sp>
+        <p:nvSpPr>
+          <p:cNvPr id="10" name="TextBox 9"/>
+          <p:cNvSpPr txBox="1"/>
+          <p:nvPr/>
+        </p:nvSpPr>
+        <p:spPr>
+          <a:xfrm>
+            <a:off x="1918315" y="6349909"/>
+            <a:ext cx="2238177" cy="369332"/>
+          </a:xfrm>
+          <a:prstGeom prst="rect">
+            <a:avLst/>
+          </a:prstGeom>
+          <a:noFill/>
+        </p:spPr>
+        <p:txBody>
+          <a:bodyPr wrap="none" rtlCol="0">
+            <a:spAutoFit/>
+          </a:bodyPr>
+          <a:lstStyle/>
+          <a:p>
+            <a:r>
+              <a:rPr lang="en-US" dirty="0" smtClean="0"/>
+              <a:t>Accuracy = 0.7778612</a:t>
+            </a:r>
+            <a:endParaRPr lang="es-CO" dirty="0"/>
+          </a:p>
+        </p:txBody>
+      </p:sp>
+      <p:sp>
+        <p:nvSpPr>
+          <p:cNvPr id="11" name="TextBox 10"/>
+          <p:cNvSpPr txBox="1"/>
+          <p:nvPr/>
+        </p:nvSpPr>
+        <p:spPr>
+          <a:xfrm>
+            <a:off x="6996317" y="461449"/>
+            <a:ext cx="2595903" cy="369332"/>
+          </a:xfrm>
+          <a:prstGeom prst="rect">
+            <a:avLst/>
+          </a:prstGeom>
+          <a:noFill/>
+        </p:spPr>
+        <p:txBody>
+          <a:bodyPr wrap="none" rtlCol="0">
+            <a:spAutoFit/>
+          </a:bodyPr>
+          <a:lstStyle/>
+          <a:p>
+            <a:r>
+              <a:rPr lang="en-US" b="1" dirty="0" smtClean="0"/>
+              <a:t>Support Vector Machines</a:t>
+            </a:r>
+            <a:endParaRPr lang="es-CO" b="1" dirty="0"/>
+          </a:p>
+        </p:txBody>
+      </p:sp>
+      <p:sp>
+        <p:nvSpPr>
+          <p:cNvPr id="12" name="TextBox 11"/>
+          <p:cNvSpPr txBox="1"/>
+          <p:nvPr/>
+        </p:nvSpPr>
+        <p:spPr>
+          <a:xfrm>
+            <a:off x="7175179" y="6345661"/>
+            <a:ext cx="2238177" cy="369332"/>
+          </a:xfrm>
+          <a:prstGeom prst="rect">
+            <a:avLst/>
+          </a:prstGeom>
+          <a:noFill/>
+        </p:spPr>
+        <p:txBody>
+          <a:bodyPr wrap="none" rtlCol="0">
+            <a:spAutoFit/>
+          </a:bodyPr>
+          <a:lstStyle/>
+          <a:p>
+            <a:r>
+              <a:rPr lang="en-US" dirty="0" smtClean="0"/>
+              <a:t>Accuracy </a:t>
+            </a:r>
+            <a:r>
+              <a:rPr lang="en-US" dirty="0"/>
+              <a:t>= </a:t>
+            </a:r>
+            <a:r>
+              <a:rPr lang="en-US" dirty="0" smtClean="0"/>
+              <a:t>0.7127371</a:t>
+            </a:r>
+            <a:endParaRPr lang="es-CO" dirty="0"/>
+          </a:p>
+        </p:txBody>
+      </p:sp>
+      <p:sp>
+        <p:nvSpPr>
+          <p:cNvPr id="13" name="Rectangle 12"/>
+          <p:cNvSpPr/>
+          <p:nvPr/>
+        </p:nvSpPr>
+        <p:spPr>
+          <a:xfrm>
+            <a:off x="10819402" y="2792184"/>
+            <a:ext cx="1249951" cy="272751"/>
+          </a:xfrm>
+          <a:prstGeom prst="rect">
+            <a:avLst/>
+          </a:prstGeom>
+          <a:solidFill>
+            <a:schemeClr val="bg1"/>
+          </a:solidFill>
+          <a:ln>
+            <a:solidFill>
+              <a:schemeClr val="bg1"/>
+            </a:solidFill>
+          </a:ln>
+        </p:spPr>
+        <p:style>
+          <a:lnRef idx="2">
+            <a:schemeClr val="accent1">
+              <a:shade val="50000"/>
+            </a:schemeClr>
+          </a:lnRef>
+          <a:fillRef idx="1">
+            <a:schemeClr val="accent1"/>
+          </a:fillRef>
+          <a:effectRef idx="0">
+            <a:schemeClr val="accent1"/>
+          </a:effectRef>
+          <a:fontRef idx="minor">
+            <a:schemeClr val="lt1"/>
+          </a:fontRef>
+        </p:style>
+        <p:txBody>
+          <a:bodyPr rtlCol="0" anchor="ctr"/>
+          <a:lstStyle/>
+          <a:p>
+            <a:pPr algn="ctr"/>
+            <a:endParaRPr lang="es-CO"/>
+          </a:p>
+        </p:txBody>
+      </p:sp>
+    </p:spTree>
+    <p:extLst>
+      <p:ext uri="{BB962C8B-B14F-4D97-AF65-F5344CB8AC3E}">
+        <p14:creationId xmlns:p14="http://schemas.microsoft.com/office/powerpoint/2010/main" val="3941791871"/>
+      </p:ext>
+    </p:extLst>
+  </p:cSld>
+  <p:clrMapOvr>
+    <a:masterClrMapping/>
+  </p:clrMapOvr>
+  <p:timing>
+    <p:tnLst>
+      <p:par>
+        <p:cTn id="1" dur="indefinite" restart="never" nodeType="tmRoot"/>
+      </p:par>
+    </p:tnLst>
+  </p:timing>
+</p:sld>
+</file>
+
+<file path=ppt/slides/slide22.xml><?xml version="1.0" encoding="utf-8"?>
+<p:sld xmlns:a="http://schemas.openxmlformats.org/drawingml/2006/main" xmlns:r="http://schemas.openxmlformats.org/officeDocument/2006/relationships" xmlns:p="http://schemas.openxmlformats.org/presentationml/2006/main">
+  <p:cSld>
+    <p:spTree>
+      <p:nvGrpSpPr>
+        <p:cNvPr id="1" name=""/>
+        <p:cNvGrpSpPr/>
+        <p:nvPr/>
+      </p:nvGrpSpPr>
+      <p:grpSpPr>
+        <a:xfrm>
+          <a:off x="0" y="0"/>
+          <a:ext cx="0" cy="0"/>
+          <a:chOff x="0" y="0"/>
+          <a:chExt cx="0" cy="0"/>
+        </a:xfrm>
+      </p:grpSpPr>
+      <p:pic>
+        <p:nvPicPr>
           <p:cNvPr id="4" name="Picture 3"/>
           <p:cNvPicPr>
             <a:picLocks noChangeAspect="1"/>
@@ -4992,7 +5375,7 @@
 </p:sld>
 </file>
 
-<file path=ppt/slides/slide22.xml><?xml version="1.0" encoding="utf-8"?>
+<file path=ppt/slides/slide23.xml><?xml version="1.0" encoding="utf-8"?>
 <p:sld xmlns:a="http://schemas.openxmlformats.org/drawingml/2006/main" xmlns:r="http://schemas.openxmlformats.org/officeDocument/2006/relationships" xmlns:p="http://schemas.openxmlformats.org/presentationml/2006/main">
   <p:cSld>
     <p:spTree>
@@ -5069,39 +5452,9 @@
           <a:chExt cx="0" cy="0"/>
         </a:xfrm>
       </p:grpSpPr>
-      <p:sp>
-        <p:nvSpPr>
-          <p:cNvPr id="3" name="TextBox 2"/>
-          <p:cNvSpPr txBox="1"/>
-          <p:nvPr/>
-        </p:nvSpPr>
-        <p:spPr>
-          <a:xfrm>
-            <a:off x="4803898" y="543465"/>
-            <a:ext cx="2151295" cy="369332"/>
-          </a:xfrm>
-          <a:prstGeom prst="rect">
-            <a:avLst/>
-          </a:prstGeom>
-          <a:noFill/>
-        </p:spPr>
-        <p:txBody>
-          <a:bodyPr wrap="none" rtlCol="0">
-            <a:spAutoFit/>
-          </a:bodyPr>
-          <a:lstStyle/>
-          <a:p>
-            <a:r>
-              <a:rPr lang="en-US" b="1" dirty="0" smtClean="0"/>
-              <a:t>Qualitative variables</a:t>
-            </a:r>
-            <a:endParaRPr lang="es-CO" b="1" dirty="0"/>
-          </a:p>
-        </p:txBody>
-      </p:sp>
       <p:pic>
         <p:nvPicPr>
-          <p:cNvPr id="4" name="Picture 3"/>
+          <p:cNvPr id="2" name="Picture 1"/>
           <p:cNvPicPr>
             <a:picLocks noChangeAspect="1"/>
           </p:cNvPicPr>
@@ -5121,7 +5474,7 @@
         </p:blipFill>
         <p:spPr>
           <a:xfrm>
-            <a:off x="850345" y="1244687"/>
+            <a:off x="923025" y="1261940"/>
             <a:ext cx="10058400" cy="4571999"/>
           </a:xfrm>
           <a:prstGeom prst="rect">
@@ -5129,10 +5482,40 @@
           </a:prstGeom>
         </p:spPr>
       </p:pic>
+      <p:sp>
+        <p:nvSpPr>
+          <p:cNvPr id="3" name="TextBox 2"/>
+          <p:cNvSpPr txBox="1"/>
+          <p:nvPr/>
+        </p:nvSpPr>
+        <p:spPr>
+          <a:xfrm>
+            <a:off x="4803898" y="543465"/>
+            <a:ext cx="2296654" cy="369332"/>
+          </a:xfrm>
+          <a:prstGeom prst="rect">
+            <a:avLst/>
+          </a:prstGeom>
+          <a:noFill/>
+        </p:spPr>
+        <p:txBody>
+          <a:bodyPr wrap="none" rtlCol="0">
+            <a:spAutoFit/>
+          </a:bodyPr>
+          <a:lstStyle/>
+          <a:p>
+            <a:r>
+              <a:rPr lang="en-US" b="1" dirty="0" smtClean="0"/>
+              <a:t>Quantitative variables</a:t>
+            </a:r>
+            <a:endParaRPr lang="es-CO" b="1" dirty="0"/>
+          </a:p>
+        </p:txBody>
+      </p:sp>
     </p:spTree>
     <p:extLst>
       <p:ext uri="{BB962C8B-B14F-4D97-AF65-F5344CB8AC3E}">
-        <p14:creationId xmlns:p14="http://schemas.microsoft.com/office/powerpoint/2010/main" val="1806684363"/>
+        <p14:creationId xmlns:p14="http://schemas.microsoft.com/office/powerpoint/2010/main" val="2328725492"/>
       </p:ext>
     </p:extLst>
   </p:cSld>
@@ -5198,6 +5581,103 @@
       </p:sp>
       <p:pic>
         <p:nvPicPr>
+          <p:cNvPr id="4" name="Picture 3"/>
+          <p:cNvPicPr>
+            <a:picLocks noChangeAspect="1"/>
+          </p:cNvPicPr>
+          <p:nvPr/>
+        </p:nvPicPr>
+        <p:blipFill>
+          <a:blip r:embed="rId2" cstate="print">
+            <a:extLst>
+              <a:ext uri="{28A0092B-C50C-407E-A947-70E740481C1C}">
+                <a14:useLocalDpi xmlns:a14="http://schemas.microsoft.com/office/drawing/2010/main" val="0"/>
+              </a:ext>
+            </a:extLst>
+          </a:blip>
+          <a:stretch>
+            <a:fillRect/>
+          </a:stretch>
+        </p:blipFill>
+        <p:spPr>
+          <a:xfrm>
+            <a:off x="850345" y="1244687"/>
+            <a:ext cx="10058400" cy="4571999"/>
+          </a:xfrm>
+          <a:prstGeom prst="rect">
+            <a:avLst/>
+          </a:prstGeom>
+        </p:spPr>
+      </p:pic>
+    </p:spTree>
+    <p:extLst>
+      <p:ext uri="{BB962C8B-B14F-4D97-AF65-F5344CB8AC3E}">
+        <p14:creationId xmlns:p14="http://schemas.microsoft.com/office/powerpoint/2010/main" val="1806684363"/>
+      </p:ext>
+    </p:extLst>
+  </p:cSld>
+  <p:clrMapOvr>
+    <a:masterClrMapping/>
+  </p:clrMapOvr>
+  <p:timing>
+    <p:tnLst>
+      <p:par>
+        <p:cTn id="1" dur="indefinite" restart="never" nodeType="tmRoot"/>
+      </p:par>
+    </p:tnLst>
+  </p:timing>
+</p:sld>
+</file>
+
+<file path=ppt/slides/slide5.xml><?xml version="1.0" encoding="utf-8"?>
+<p:sld xmlns:a="http://schemas.openxmlformats.org/drawingml/2006/main" xmlns:r="http://schemas.openxmlformats.org/officeDocument/2006/relationships" xmlns:p="http://schemas.openxmlformats.org/presentationml/2006/main">
+  <p:cSld>
+    <p:spTree>
+      <p:nvGrpSpPr>
+        <p:cNvPr id="1" name=""/>
+        <p:cNvGrpSpPr/>
+        <p:nvPr/>
+      </p:nvGrpSpPr>
+      <p:grpSpPr>
+        <a:xfrm>
+          <a:off x="0" y="0"/>
+          <a:ext cx="0" cy="0"/>
+          <a:chOff x="0" y="0"/>
+          <a:chExt cx="0" cy="0"/>
+        </a:xfrm>
+      </p:grpSpPr>
+      <p:sp>
+        <p:nvSpPr>
+          <p:cNvPr id="3" name="TextBox 2"/>
+          <p:cNvSpPr txBox="1"/>
+          <p:nvPr/>
+        </p:nvSpPr>
+        <p:spPr>
+          <a:xfrm>
+            <a:off x="4803898" y="543465"/>
+            <a:ext cx="2151295" cy="369332"/>
+          </a:xfrm>
+          <a:prstGeom prst="rect">
+            <a:avLst/>
+          </a:prstGeom>
+          <a:noFill/>
+        </p:spPr>
+        <p:txBody>
+          <a:bodyPr wrap="none" rtlCol="0">
+            <a:spAutoFit/>
+          </a:bodyPr>
+          <a:lstStyle/>
+          <a:p>
+            <a:r>
+              <a:rPr lang="en-US" b="1" dirty="0" smtClean="0"/>
+              <a:t>Qualitative variables</a:t>
+            </a:r>
+            <a:endParaRPr lang="es-CO" b="1" dirty="0"/>
+          </a:p>
+        </p:txBody>
+      </p:sp>
+      <p:pic>
+        <p:nvPicPr>
           <p:cNvPr id="2" name="Picture 1"/>
           <p:cNvPicPr>
             <a:picLocks noChangeAspect="1"/>
@@ -5246,7 +5726,7 @@
 </p:sld>
 </file>
 
-<file path=ppt/slides/slide5.xml><?xml version="1.0" encoding="utf-8"?>
+<file path=ppt/slides/slide6.xml><?xml version="1.0" encoding="utf-8"?>
 <p:sld xmlns:a="http://schemas.openxmlformats.org/drawingml/2006/main" xmlns:r="http://schemas.openxmlformats.org/officeDocument/2006/relationships" xmlns:p="http://schemas.openxmlformats.org/presentationml/2006/main">
   <p:cSld>
     <p:spTree>
@@ -5802,97 +6282,6 @@
 </p:sld>
 </file>
 
-<file path=ppt/slides/slide6.xml><?xml version="1.0" encoding="utf-8"?>
-<p:sld xmlns:a="http://schemas.openxmlformats.org/drawingml/2006/main" xmlns:r="http://schemas.openxmlformats.org/officeDocument/2006/relationships" xmlns:p="http://schemas.openxmlformats.org/presentationml/2006/main">
-  <p:cSld>
-    <p:spTree>
-      <p:nvGrpSpPr>
-        <p:cNvPr id="1" name=""/>
-        <p:cNvGrpSpPr/>
-        <p:nvPr/>
-      </p:nvGrpSpPr>
-      <p:grpSpPr>
-        <a:xfrm>
-          <a:off x="0" y="0"/>
-          <a:ext cx="0" cy="0"/>
-          <a:chOff x="0" y="0"/>
-          <a:chExt cx="0" cy="0"/>
-        </a:xfrm>
-      </p:grpSpPr>
-      <p:sp>
-        <p:nvSpPr>
-          <p:cNvPr id="3" name="TextBox 2"/>
-          <p:cNvSpPr txBox="1"/>
-          <p:nvPr/>
-        </p:nvSpPr>
-        <p:spPr>
-          <a:xfrm>
-            <a:off x="4338071" y="569345"/>
-            <a:ext cx="3019994" cy="369332"/>
-          </a:xfrm>
-          <a:prstGeom prst="rect">
-            <a:avLst/>
-          </a:prstGeom>
-          <a:noFill/>
-        </p:spPr>
-        <p:txBody>
-          <a:bodyPr wrap="none" rtlCol="0">
-            <a:spAutoFit/>
-          </a:bodyPr>
-          <a:lstStyle/>
-          <a:p>
-            <a:r>
-              <a:rPr lang="en-US" b="1" dirty="0" smtClean="0"/>
-              <a:t>Principal Component Analysis</a:t>
-            </a:r>
-            <a:endParaRPr lang="es-CO" b="1" dirty="0"/>
-          </a:p>
-        </p:txBody>
-      </p:sp>
-      <p:pic>
-        <p:nvPicPr>
-          <p:cNvPr id="4" name="Picture 3"/>
-          <p:cNvPicPr>
-            <a:picLocks noChangeAspect="1"/>
-          </p:cNvPicPr>
-          <p:nvPr/>
-        </p:nvPicPr>
-        <p:blipFill>
-          <a:blip r:embed="rId2"/>
-          <a:stretch>
-            <a:fillRect/>
-          </a:stretch>
-        </p:blipFill>
-        <p:spPr>
-          <a:xfrm>
-            <a:off x="2455644" y="1103884"/>
-            <a:ext cx="6784848" cy="5486400"/>
-          </a:xfrm>
-          <a:prstGeom prst="rect">
-            <a:avLst/>
-          </a:prstGeom>
-        </p:spPr>
-      </p:pic>
-    </p:spTree>
-    <p:extLst>
-      <p:ext uri="{BB962C8B-B14F-4D97-AF65-F5344CB8AC3E}">
-        <p14:creationId xmlns:p14="http://schemas.microsoft.com/office/powerpoint/2010/main" val="3119361723"/>
-      </p:ext>
-    </p:extLst>
-  </p:cSld>
-  <p:clrMapOvr>
-    <a:masterClrMapping/>
-  </p:clrMapOvr>
-  <p:timing>
-    <p:tnLst>
-      <p:par>
-        <p:cTn id="1" dur="indefinite" restart="never" nodeType="tmRoot"/>
-      </p:par>
-    </p:tnLst>
-  </p:timing>
-</p:sld>
-</file>
-
 <file path=ppt/slides/slide7.xml><?xml version="1.0" encoding="utf-8"?>
 <p:sld xmlns:a="http://schemas.openxmlformats.org/drawingml/2006/main" xmlns:r="http://schemas.openxmlformats.org/officeDocument/2006/relationships" xmlns:p="http://schemas.openxmlformats.org/presentationml/2006/main">
   <p:cSld>
@@ -5912,14 +6301,14 @@
       </p:grpSpPr>
       <p:sp>
         <p:nvSpPr>
-          <p:cNvPr id="2" name="TextBox 1"/>
+          <p:cNvPr id="3" name="TextBox 2"/>
           <p:cNvSpPr txBox="1"/>
           <p:nvPr/>
         </p:nvSpPr>
         <p:spPr>
           <a:xfrm>
-            <a:off x="1276710" y="2311880"/>
-            <a:ext cx="4342920" cy="1938992"/>
+            <a:off x="4338071" y="569345"/>
+            <a:ext cx="3019994" cy="369332"/>
           </a:xfrm>
           <a:prstGeom prst="rect">
             <a:avLst/>
@@ -5932,39 +6321,42 @@
           </a:bodyPr>
           <a:lstStyle/>
           <a:p>
-            <a:pPr marL="342900" indent="-342900">
-              <a:buAutoNum type="arabicPeriod"/>
-            </a:pPr>
-            <a:r>
-              <a:rPr lang="en-US" sz="4000" dirty="0" smtClean="0"/>
-              <a:t>Genepool analysis</a:t>
-            </a:r>
-          </a:p>
-          <a:p>
-            <a:pPr marL="342900" indent="-342900">
-              <a:buAutoNum type="arabicPeriod"/>
-            </a:pPr>
-            <a:r>
-              <a:rPr lang="en-US" sz="4000" dirty="0" smtClean="0"/>
-              <a:t>Race analysis</a:t>
-            </a:r>
-          </a:p>
-          <a:p>
-            <a:pPr marL="342900" indent="-342900">
-              <a:buAutoNum type="arabicPeriod"/>
-            </a:pPr>
-            <a:r>
-              <a:rPr lang="en-US" sz="4000" dirty="0" smtClean="0"/>
-              <a:t>Subgroup analysis</a:t>
-            </a:r>
-            <a:endParaRPr lang="es-CO" sz="4000" dirty="0"/>
-          </a:p>
-        </p:txBody>
-      </p:sp>
+            <a:r>
+              <a:rPr lang="en-US" b="1" dirty="0" smtClean="0"/>
+              <a:t>Principal Component Analysis</a:t>
+            </a:r>
+            <a:endParaRPr lang="es-CO" b="1" dirty="0"/>
+          </a:p>
+        </p:txBody>
+      </p:sp>
+      <p:pic>
+        <p:nvPicPr>
+          <p:cNvPr id="4" name="Picture 3"/>
+          <p:cNvPicPr>
+            <a:picLocks noChangeAspect="1"/>
+          </p:cNvPicPr>
+          <p:nvPr/>
+        </p:nvPicPr>
+        <p:blipFill>
+          <a:blip r:embed="rId2"/>
+          <a:stretch>
+            <a:fillRect/>
+          </a:stretch>
+        </p:blipFill>
+        <p:spPr>
+          <a:xfrm>
+            <a:off x="2455644" y="1103884"/>
+            <a:ext cx="6784848" cy="5486400"/>
+          </a:xfrm>
+          <a:prstGeom prst="rect">
+            <a:avLst/>
+          </a:prstGeom>
+        </p:spPr>
+      </p:pic>
     </p:spTree>
     <p:extLst>
       <p:ext uri="{BB962C8B-B14F-4D97-AF65-F5344CB8AC3E}">
-        <p14:creationId xmlns:p14="http://schemas.microsoft.com/office/powerpoint/2010/main" val="3099021834"/>
+        <p14:creationId xmlns:p14="http://schemas.microsoft.com/office/powerpoint/2010/main" val="3119361723"/>
       </p:ext>
     </p:extLst>
   </p:cSld>
@@ -6000,31 +6392,59 @@
       </p:grpSpPr>
       <p:sp>
         <p:nvSpPr>
-          <p:cNvPr id="2" name="Title 1"/>
-          <p:cNvSpPr>
-            <a:spLocks noGrp="1"/>
-          </p:cNvSpPr>
-          <p:nvPr>
-            <p:ph type="ctrTitle"/>
-          </p:nvPr>
-        </p:nvSpPr>
-        <p:spPr/>
-        <p:txBody>
-          <a:bodyPr/>
-          <a:lstStyle/>
-          <a:p>
-            <a:r>
-              <a:rPr lang="en-US" dirty="0" smtClean="0"/>
+          <p:cNvPr id="2" name="TextBox 1"/>
+          <p:cNvSpPr txBox="1"/>
+          <p:nvPr/>
+        </p:nvSpPr>
+        <p:spPr>
+          <a:xfrm>
+            <a:off x="1276710" y="2311880"/>
+            <a:ext cx="4342920" cy="1938992"/>
+          </a:xfrm>
+          <a:prstGeom prst="rect">
+            <a:avLst/>
+          </a:prstGeom>
+          <a:noFill/>
+        </p:spPr>
+        <p:txBody>
+          <a:bodyPr wrap="none" rtlCol="0">
+            <a:spAutoFit/>
+          </a:bodyPr>
+          <a:lstStyle/>
+          <a:p>
+            <a:pPr marL="342900" indent="-342900">
+              <a:buAutoNum type="arabicPeriod"/>
+            </a:pPr>
+            <a:r>
+              <a:rPr lang="en-US" sz="4000" dirty="0" smtClean="0"/>
               <a:t>Genepool analysis</a:t>
             </a:r>
-            <a:endParaRPr lang="es-CO" dirty="0"/>
+          </a:p>
+          <a:p>
+            <a:pPr marL="342900" indent="-342900">
+              <a:buAutoNum type="arabicPeriod"/>
+            </a:pPr>
+            <a:r>
+              <a:rPr lang="en-US" sz="4000" dirty="0" smtClean="0"/>
+              <a:t>Race analysis</a:t>
+            </a:r>
+          </a:p>
+          <a:p>
+            <a:pPr marL="342900" indent="-342900">
+              <a:buAutoNum type="arabicPeriod"/>
+            </a:pPr>
+            <a:r>
+              <a:rPr lang="en-US" sz="4000" dirty="0" smtClean="0"/>
+              <a:t>Subgroup analysis</a:t>
+            </a:r>
+            <a:endParaRPr lang="es-CO" sz="4000" dirty="0"/>
           </a:p>
         </p:txBody>
       </p:sp>
     </p:spTree>
     <p:extLst>
       <p:ext uri="{BB962C8B-B14F-4D97-AF65-F5344CB8AC3E}">
-        <p14:creationId xmlns:p14="http://schemas.microsoft.com/office/powerpoint/2010/main" val="3648963295"/>
+        <p14:creationId xmlns:p14="http://schemas.microsoft.com/office/powerpoint/2010/main" val="3099021834"/>
       </p:ext>
     </p:extLst>
   </p:cSld>
@@ -6060,68 +6480,31 @@
       </p:grpSpPr>
       <p:sp>
         <p:nvSpPr>
-          <p:cNvPr id="3" name="TextBox 2"/>
-          <p:cNvSpPr txBox="1"/>
-          <p:nvPr/>
-        </p:nvSpPr>
-        <p:spPr>
-          <a:xfrm>
-            <a:off x="4803898" y="543465"/>
-            <a:ext cx="2296654" cy="369332"/>
-          </a:xfrm>
-          <a:prstGeom prst="rect">
-            <a:avLst/>
-          </a:prstGeom>
-          <a:noFill/>
-        </p:spPr>
-        <p:txBody>
-          <a:bodyPr wrap="none" rtlCol="0">
-            <a:spAutoFit/>
-          </a:bodyPr>
-          <a:lstStyle/>
-          <a:p>
-            <a:r>
-              <a:rPr lang="en-US" b="1" dirty="0" smtClean="0"/>
-              <a:t>Quantitative variables</a:t>
-            </a:r>
-            <a:endParaRPr lang="es-CO" b="1" dirty="0"/>
-          </a:p>
-        </p:txBody>
-      </p:sp>
-      <p:pic>
-        <p:nvPicPr>
-          <p:cNvPr id="4" name="Picture 3"/>
-          <p:cNvPicPr>
-            <a:picLocks noChangeAspect="1"/>
-          </p:cNvPicPr>
-          <p:nvPr/>
-        </p:nvPicPr>
-        <p:blipFill>
-          <a:blip r:embed="rId2" cstate="print">
-            <a:extLst>
-              <a:ext uri="{28A0092B-C50C-407E-A947-70E740481C1C}">
-                <a14:useLocalDpi xmlns:a14="http://schemas.microsoft.com/office/drawing/2010/main" val="0"/>
-              </a:ext>
-            </a:extLst>
-          </a:blip>
-          <a:stretch>
-            <a:fillRect/>
-          </a:stretch>
-        </p:blipFill>
-        <p:spPr>
-          <a:xfrm>
-            <a:off x="923025" y="1218809"/>
-            <a:ext cx="10058400" cy="4571999"/>
-          </a:xfrm>
-          <a:prstGeom prst="rect">
-            <a:avLst/>
-          </a:prstGeom>
-        </p:spPr>
-      </p:pic>
+          <p:cNvPr id="2" name="Title 1"/>
+          <p:cNvSpPr>
+            <a:spLocks noGrp="1"/>
+          </p:cNvSpPr>
+          <p:nvPr>
+            <p:ph type="ctrTitle"/>
+          </p:nvPr>
+        </p:nvSpPr>
+        <p:spPr/>
+        <p:txBody>
+          <a:bodyPr/>
+          <a:lstStyle/>
+          <a:p>
+            <a:r>
+              <a:rPr lang="en-US" dirty="0" smtClean="0"/>
+              <a:t>Genepool analysis</a:t>
+            </a:r>
+            <a:endParaRPr lang="es-CO" dirty="0"/>
+          </a:p>
+        </p:txBody>
+      </p:sp>
     </p:spTree>
     <p:extLst>
       <p:ext uri="{BB962C8B-B14F-4D97-AF65-F5344CB8AC3E}">
-        <p14:creationId xmlns:p14="http://schemas.microsoft.com/office/powerpoint/2010/main" val="1697567720"/>
+        <p14:creationId xmlns:p14="http://schemas.microsoft.com/office/powerpoint/2010/main" val="3648963295"/>
       </p:ext>
     </p:extLst>
   </p:cSld>

--- a/landraces_classification/classification_algorithms/Landrace_Gap_Analysis-results.pptx
+++ b/landraces_classification/classification_algorithms/Landrace_Gap_Analysis-results.pptx
@@ -28,6 +28,11 @@
     <p:sldId id="276" r:id="rId22"/>
     <p:sldId id="277" r:id="rId23"/>
     <p:sldId id="265" r:id="rId24"/>
+    <p:sldId id="281" r:id="rId25"/>
+    <p:sldId id="282" r:id="rId26"/>
+    <p:sldId id="283" r:id="rId27"/>
+    <p:sldId id="284" r:id="rId28"/>
+    <p:sldId id="285" r:id="rId29"/>
   </p:sldIdLst>
   <p:sldSz cx="12192000" cy="6858000"/>
   <p:notesSz cx="6858000" cy="9144000"/>
@@ -265,7 +270,7 @@
           <a:p>
             <a:fld id="{C85E124E-CF58-40F0-9C4F-2B3D888B935B}" type="datetimeFigureOut">
               <a:rPr lang="es-CO" smtClean="0"/>
-              <a:t>02/10/2017</a:t>
+              <a:t>05/10/2017</a:t>
             </a:fld>
             <a:endParaRPr lang="es-CO"/>
           </a:p>
@@ -435,7 +440,7 @@
           <a:p>
             <a:fld id="{C85E124E-CF58-40F0-9C4F-2B3D888B935B}" type="datetimeFigureOut">
               <a:rPr lang="es-CO" smtClean="0"/>
-              <a:t>02/10/2017</a:t>
+              <a:t>05/10/2017</a:t>
             </a:fld>
             <a:endParaRPr lang="es-CO"/>
           </a:p>
@@ -615,7 +620,7 @@
           <a:p>
             <a:fld id="{C85E124E-CF58-40F0-9C4F-2B3D888B935B}" type="datetimeFigureOut">
               <a:rPr lang="es-CO" smtClean="0"/>
-              <a:t>02/10/2017</a:t>
+              <a:t>05/10/2017</a:t>
             </a:fld>
             <a:endParaRPr lang="es-CO"/>
           </a:p>
@@ -785,7 +790,7 @@
           <a:p>
             <a:fld id="{C85E124E-CF58-40F0-9C4F-2B3D888B935B}" type="datetimeFigureOut">
               <a:rPr lang="es-CO" smtClean="0"/>
-              <a:t>02/10/2017</a:t>
+              <a:t>05/10/2017</a:t>
             </a:fld>
             <a:endParaRPr lang="es-CO"/>
           </a:p>
@@ -1031,7 +1036,7 @@
           <a:p>
             <a:fld id="{C85E124E-CF58-40F0-9C4F-2B3D888B935B}" type="datetimeFigureOut">
               <a:rPr lang="es-CO" smtClean="0"/>
-              <a:t>02/10/2017</a:t>
+              <a:t>05/10/2017</a:t>
             </a:fld>
             <a:endParaRPr lang="es-CO"/>
           </a:p>
@@ -1263,7 +1268,7 @@
           <a:p>
             <a:fld id="{C85E124E-CF58-40F0-9C4F-2B3D888B935B}" type="datetimeFigureOut">
               <a:rPr lang="es-CO" smtClean="0"/>
-              <a:t>02/10/2017</a:t>
+              <a:t>05/10/2017</a:t>
             </a:fld>
             <a:endParaRPr lang="es-CO"/>
           </a:p>
@@ -1630,7 +1635,7 @@
           <a:p>
             <a:fld id="{C85E124E-CF58-40F0-9C4F-2B3D888B935B}" type="datetimeFigureOut">
               <a:rPr lang="es-CO" smtClean="0"/>
-              <a:t>02/10/2017</a:t>
+              <a:t>05/10/2017</a:t>
             </a:fld>
             <a:endParaRPr lang="es-CO"/>
           </a:p>
@@ -1748,7 +1753,7 @@
           <a:p>
             <a:fld id="{C85E124E-CF58-40F0-9C4F-2B3D888B935B}" type="datetimeFigureOut">
               <a:rPr lang="es-CO" smtClean="0"/>
-              <a:t>02/10/2017</a:t>
+              <a:t>05/10/2017</a:t>
             </a:fld>
             <a:endParaRPr lang="es-CO"/>
           </a:p>
@@ -1843,7 +1848,7 @@
           <a:p>
             <a:fld id="{C85E124E-CF58-40F0-9C4F-2B3D888B935B}" type="datetimeFigureOut">
               <a:rPr lang="es-CO" smtClean="0"/>
-              <a:t>02/10/2017</a:t>
+              <a:t>05/10/2017</a:t>
             </a:fld>
             <a:endParaRPr lang="es-CO"/>
           </a:p>
@@ -2120,7 +2125,7 @@
           <a:p>
             <a:fld id="{C85E124E-CF58-40F0-9C4F-2B3D888B935B}" type="datetimeFigureOut">
               <a:rPr lang="es-CO" smtClean="0"/>
-              <a:t>02/10/2017</a:t>
+              <a:t>05/10/2017</a:t>
             </a:fld>
             <a:endParaRPr lang="es-CO"/>
           </a:p>
@@ -2373,7 +2378,7 @@
           <a:p>
             <a:fld id="{C85E124E-CF58-40F0-9C4F-2B3D888B935B}" type="datetimeFigureOut">
               <a:rPr lang="es-CO" smtClean="0"/>
-              <a:t>02/10/2017</a:t>
+              <a:t>05/10/2017</a:t>
             </a:fld>
             <a:endParaRPr lang="es-CO"/>
           </a:p>
@@ -2586,7 +2591,7 @@
           <a:p>
             <a:fld id="{C85E124E-CF58-40F0-9C4F-2B3D888B935B}" type="datetimeFigureOut">
               <a:rPr lang="es-CO" smtClean="0"/>
-              <a:t>02/10/2017</a:t>
+              <a:t>05/10/2017</a:t>
             </a:fld>
             <a:endParaRPr lang="es-CO"/>
           </a:p>
@@ -4681,18 +4686,14 @@
           <a:p>
             <a:r>
               <a:rPr lang="en-US" b="1" dirty="0" smtClean="0"/>
-              <a:t>Altitude data distribution </a:t>
-            </a:r>
-            <a:r>
-              <a:rPr lang="en-US" b="1" dirty="0" smtClean="0"/>
-              <a:t>from SRTM</a:t>
+              <a:t>Altitude data distribution from SRTM</a:t>
             </a:r>
             <a:endParaRPr lang="es-CO" b="1" dirty="0"/>
           </a:p>
         </p:txBody>
       </p:sp>
-      <mc:AlternateContent xmlns:mc="http://schemas.openxmlformats.org/markup-compatibility/2006">
-        <mc:Choice xmlns:a14="http://schemas.microsoft.com/office/drawing/2010/main" Requires="a14">
+      <mc:AlternateContent xmlns:mc="http://schemas.openxmlformats.org/markup-compatibility/2006" xmlns:a14="http://schemas.microsoft.com/office/drawing/2010/main">
+        <mc:Choice Requires="a14">
           <p:sp>
             <p:nvSpPr>
               <p:cNvPr id="7" name="TextBox 6"/>
@@ -4772,7 +4773,7 @@
             </p:txBody>
           </p:sp>
         </mc:Choice>
-        <mc:Fallback>
+        <mc:Fallback xmlns="">
           <p:sp>
             <p:nvSpPr>
               <p:cNvPr id="7" name="TextBox 6"/>
@@ -4811,8 +4812,8 @@
           </p:sp>
         </mc:Fallback>
       </mc:AlternateContent>
-      <mc:AlternateContent xmlns:mc="http://schemas.openxmlformats.org/markup-compatibility/2006">
-        <mc:Choice xmlns:a14="http://schemas.microsoft.com/office/drawing/2010/main" Requires="a14">
+      <mc:AlternateContent xmlns:mc="http://schemas.openxmlformats.org/markup-compatibility/2006" xmlns:a14="http://schemas.microsoft.com/office/drawing/2010/main">
+        <mc:Choice Requires="a14">
           <p:sp>
             <p:nvSpPr>
               <p:cNvPr id="8" name="TextBox 7"/>
@@ -4892,7 +4893,7 @@
             </p:txBody>
           </p:sp>
         </mc:Choice>
-        <mc:Fallback>
+        <mc:Fallback xmlns="">
           <p:sp>
             <p:nvSpPr>
               <p:cNvPr id="8" name="TextBox 7"/>
@@ -5419,6 +5420,374 @@
     <p:extLst>
       <p:ext uri="{BB962C8B-B14F-4D97-AF65-F5344CB8AC3E}">
         <p14:creationId xmlns:p14="http://schemas.microsoft.com/office/powerpoint/2010/main" val="1039304946"/>
+      </p:ext>
+    </p:extLst>
+  </p:cSld>
+  <p:clrMapOvr>
+    <a:masterClrMapping/>
+  </p:clrMapOvr>
+  <p:timing>
+    <p:tnLst>
+      <p:par>
+        <p:cTn id="1" dur="indefinite" restart="never" nodeType="tmRoot"/>
+      </p:par>
+    </p:tnLst>
+  </p:timing>
+</p:sld>
+</file>
+
+<file path=ppt/slides/slide24.xml><?xml version="1.0" encoding="utf-8"?>
+<p:sld xmlns:a="http://schemas.openxmlformats.org/drawingml/2006/main" xmlns:r="http://schemas.openxmlformats.org/officeDocument/2006/relationships" xmlns:p="http://schemas.openxmlformats.org/presentationml/2006/main">
+  <p:cSld>
+    <p:spTree>
+      <p:nvGrpSpPr>
+        <p:cNvPr id="1" name=""/>
+        <p:cNvGrpSpPr/>
+        <p:nvPr/>
+      </p:nvGrpSpPr>
+      <p:grpSpPr>
+        <a:xfrm>
+          <a:off x="0" y="0"/>
+          <a:ext cx="0" cy="0"/>
+          <a:chOff x="0" y="0"/>
+          <a:chExt cx="0" cy="0"/>
+        </a:xfrm>
+      </p:grpSpPr>
+      <p:sp>
+        <p:nvSpPr>
+          <p:cNvPr id="2" name="Title 1"/>
+          <p:cNvSpPr>
+            <a:spLocks noGrp="1"/>
+          </p:cNvSpPr>
+          <p:nvPr>
+            <p:ph type="ctrTitle"/>
+          </p:nvPr>
+        </p:nvSpPr>
+        <p:spPr/>
+        <p:txBody>
+          <a:bodyPr/>
+          <a:lstStyle/>
+          <a:p>
+            <a:r>
+              <a:rPr lang="en-US" dirty="0" smtClean="0"/>
+              <a:t>PCA </a:t>
+            </a:r>
+            <a:r>
+              <a:rPr lang="en-US" dirty="0" smtClean="0"/>
+              <a:t>analysis</a:t>
+            </a:r>
+            <a:endParaRPr lang="es-CO" dirty="0"/>
+          </a:p>
+        </p:txBody>
+      </p:sp>
+    </p:spTree>
+    <p:extLst>
+      <p:ext uri="{BB962C8B-B14F-4D97-AF65-F5344CB8AC3E}">
+        <p14:creationId xmlns:p14="http://schemas.microsoft.com/office/powerpoint/2010/main" val="2750737906"/>
+      </p:ext>
+    </p:extLst>
+  </p:cSld>
+  <p:clrMapOvr>
+    <a:masterClrMapping/>
+  </p:clrMapOvr>
+  <p:timing>
+    <p:tnLst>
+      <p:par>
+        <p:cTn id="1" dur="indefinite" restart="never" nodeType="tmRoot"/>
+      </p:par>
+    </p:tnLst>
+  </p:timing>
+</p:sld>
+</file>
+
+<file path=ppt/slides/slide25.xml><?xml version="1.0" encoding="utf-8"?>
+<p:sld xmlns:a="http://schemas.openxmlformats.org/drawingml/2006/main" xmlns:r="http://schemas.openxmlformats.org/officeDocument/2006/relationships" xmlns:p="http://schemas.openxmlformats.org/presentationml/2006/main">
+  <p:cSld>
+    <p:spTree>
+      <p:nvGrpSpPr>
+        <p:cNvPr id="1" name=""/>
+        <p:cNvGrpSpPr/>
+        <p:nvPr/>
+      </p:nvGrpSpPr>
+      <p:grpSpPr>
+        <a:xfrm>
+          <a:off x="0" y="0"/>
+          <a:ext cx="0" cy="0"/>
+          <a:chOff x="0" y="0"/>
+          <a:chExt cx="0" cy="0"/>
+        </a:xfrm>
+      </p:grpSpPr>
+      <p:pic>
+        <p:nvPicPr>
+          <p:cNvPr id="4" name="Picture 3"/>
+          <p:cNvPicPr>
+            <a:picLocks noChangeAspect="1"/>
+          </p:cNvPicPr>
+          <p:nvPr/>
+        </p:nvPicPr>
+        <p:blipFill>
+          <a:blip r:embed="rId2"/>
+          <a:stretch>
+            <a:fillRect/>
+          </a:stretch>
+        </p:blipFill>
+        <p:spPr>
+          <a:xfrm>
+            <a:off x="2794921" y="0"/>
+            <a:ext cx="6602158" cy="6858000"/>
+          </a:xfrm>
+          <a:prstGeom prst="rect">
+            <a:avLst/>
+          </a:prstGeom>
+        </p:spPr>
+      </p:pic>
+    </p:spTree>
+    <p:extLst>
+      <p:ext uri="{BB962C8B-B14F-4D97-AF65-F5344CB8AC3E}">
+        <p14:creationId xmlns:p14="http://schemas.microsoft.com/office/powerpoint/2010/main" val="4048351782"/>
+      </p:ext>
+    </p:extLst>
+  </p:cSld>
+  <p:clrMapOvr>
+    <a:masterClrMapping/>
+  </p:clrMapOvr>
+  <p:timing>
+    <p:tnLst>
+      <p:par>
+        <p:cTn id="1" dur="indefinite" restart="never" nodeType="tmRoot"/>
+      </p:par>
+    </p:tnLst>
+  </p:timing>
+</p:sld>
+</file>
+
+<file path=ppt/slides/slide26.xml><?xml version="1.0" encoding="utf-8"?>
+<p:sld xmlns:a="http://schemas.openxmlformats.org/drawingml/2006/main" xmlns:r="http://schemas.openxmlformats.org/officeDocument/2006/relationships" xmlns:p="http://schemas.openxmlformats.org/presentationml/2006/main">
+  <p:cSld>
+    <p:spTree>
+      <p:nvGrpSpPr>
+        <p:cNvPr id="1" name=""/>
+        <p:cNvGrpSpPr/>
+        <p:nvPr/>
+      </p:nvGrpSpPr>
+      <p:grpSpPr>
+        <a:xfrm>
+          <a:off x="0" y="0"/>
+          <a:ext cx="0" cy="0"/>
+          <a:chOff x="0" y="0"/>
+          <a:chExt cx="0" cy="0"/>
+        </a:xfrm>
+      </p:grpSpPr>
+      <p:pic>
+        <p:nvPicPr>
+          <p:cNvPr id="2" name="Picture 1"/>
+          <p:cNvPicPr>
+            <a:picLocks noChangeAspect="1"/>
+          </p:cNvPicPr>
+          <p:nvPr/>
+        </p:nvPicPr>
+        <p:blipFill>
+          <a:blip r:embed="rId2"/>
+          <a:stretch>
+            <a:fillRect/>
+          </a:stretch>
+        </p:blipFill>
+        <p:spPr>
+          <a:xfrm>
+            <a:off x="0" y="85496"/>
+            <a:ext cx="12192000" cy="6687007"/>
+          </a:xfrm>
+          <a:prstGeom prst="rect">
+            <a:avLst/>
+          </a:prstGeom>
+        </p:spPr>
+      </p:pic>
+    </p:spTree>
+    <p:extLst>
+      <p:ext uri="{BB962C8B-B14F-4D97-AF65-F5344CB8AC3E}">
+        <p14:creationId xmlns:p14="http://schemas.microsoft.com/office/powerpoint/2010/main" val="3469411157"/>
+      </p:ext>
+    </p:extLst>
+  </p:cSld>
+  <p:clrMapOvr>
+    <a:masterClrMapping/>
+  </p:clrMapOvr>
+  <p:timing>
+    <p:tnLst>
+      <p:par>
+        <p:cTn id="1" dur="indefinite" restart="never" nodeType="tmRoot"/>
+      </p:par>
+    </p:tnLst>
+  </p:timing>
+</p:sld>
+</file>
+
+<file path=ppt/slides/slide27.xml><?xml version="1.0" encoding="utf-8"?>
+<p:sld xmlns:a="http://schemas.openxmlformats.org/drawingml/2006/main" xmlns:r="http://schemas.openxmlformats.org/officeDocument/2006/relationships" xmlns:p="http://schemas.openxmlformats.org/presentationml/2006/main">
+  <p:cSld>
+    <p:spTree>
+      <p:nvGrpSpPr>
+        <p:cNvPr id="1" name=""/>
+        <p:cNvGrpSpPr/>
+        <p:nvPr/>
+      </p:nvGrpSpPr>
+      <p:grpSpPr>
+        <a:xfrm>
+          <a:off x="0" y="0"/>
+          <a:ext cx="0" cy="0"/>
+          <a:chOff x="0" y="0"/>
+          <a:chExt cx="0" cy="0"/>
+        </a:xfrm>
+      </p:grpSpPr>
+      <p:pic>
+        <p:nvPicPr>
+          <p:cNvPr id="2" name="Picture 1"/>
+          <p:cNvPicPr>
+            <a:picLocks noChangeAspect="1"/>
+          </p:cNvPicPr>
+          <p:nvPr/>
+        </p:nvPicPr>
+        <p:blipFill>
+          <a:blip r:embed="rId2"/>
+          <a:stretch>
+            <a:fillRect/>
+          </a:stretch>
+        </p:blipFill>
+        <p:spPr>
+          <a:xfrm>
+            <a:off x="0" y="785004"/>
+            <a:ext cx="5604462" cy="5486400"/>
+          </a:xfrm>
+          <a:prstGeom prst="rect">
+            <a:avLst/>
+          </a:prstGeom>
+        </p:spPr>
+      </p:pic>
+      <p:sp>
+        <p:nvSpPr>
+          <p:cNvPr id="3" name="TextBox 2"/>
+          <p:cNvSpPr txBox="1"/>
+          <p:nvPr/>
+        </p:nvSpPr>
+        <p:spPr>
+          <a:xfrm>
+            <a:off x="2017432" y="6383547"/>
+            <a:ext cx="1569597" cy="369332"/>
+          </a:xfrm>
+          <a:prstGeom prst="rect">
+            <a:avLst/>
+          </a:prstGeom>
+          <a:noFill/>
+        </p:spPr>
+        <p:txBody>
+          <a:bodyPr wrap="none" rtlCol="0">
+            <a:spAutoFit/>
+          </a:bodyPr>
+          <a:lstStyle/>
+          <a:p>
+            <a:r>
+              <a:rPr lang="en-US" dirty="0" smtClean="0"/>
+              <a:t>Perplexity = 30</a:t>
+            </a:r>
+            <a:endParaRPr lang="es-CO" dirty="0"/>
+          </a:p>
+        </p:txBody>
+      </p:sp>
+      <p:pic>
+        <p:nvPicPr>
+          <p:cNvPr id="4" name="Picture 3"/>
+          <p:cNvPicPr>
+            <a:picLocks noChangeAspect="1"/>
+          </p:cNvPicPr>
+          <p:nvPr/>
+        </p:nvPicPr>
+        <p:blipFill>
+          <a:blip r:embed="rId3"/>
+          <a:stretch>
+            <a:fillRect/>
+          </a:stretch>
+        </p:blipFill>
+        <p:spPr>
+          <a:xfrm>
+            <a:off x="6044230" y="785004"/>
+            <a:ext cx="5493318" cy="5486400"/>
+          </a:xfrm>
+          <a:prstGeom prst="rect">
+            <a:avLst/>
+          </a:prstGeom>
+        </p:spPr>
+      </p:pic>
+      <p:sp>
+        <p:nvSpPr>
+          <p:cNvPr id="5" name="TextBox 4"/>
+          <p:cNvSpPr txBox="1"/>
+          <p:nvPr/>
+        </p:nvSpPr>
+        <p:spPr>
+          <a:xfrm>
+            <a:off x="8006090" y="6383547"/>
+            <a:ext cx="1569597" cy="369332"/>
+          </a:xfrm>
+          <a:prstGeom prst="rect">
+            <a:avLst/>
+          </a:prstGeom>
+          <a:noFill/>
+        </p:spPr>
+        <p:txBody>
+          <a:bodyPr wrap="none" rtlCol="0">
+            <a:spAutoFit/>
+          </a:bodyPr>
+          <a:lstStyle/>
+          <a:p>
+            <a:r>
+              <a:rPr lang="en-US" dirty="0" smtClean="0"/>
+              <a:t>Perplexity = 50</a:t>
+            </a:r>
+            <a:endParaRPr lang="es-CO" dirty="0"/>
+          </a:p>
+        </p:txBody>
+      </p:sp>
+    </p:spTree>
+    <p:extLst>
+      <p:ext uri="{BB962C8B-B14F-4D97-AF65-F5344CB8AC3E}">
+        <p14:creationId xmlns:p14="http://schemas.microsoft.com/office/powerpoint/2010/main" val="3536315812"/>
+      </p:ext>
+    </p:extLst>
+  </p:cSld>
+  <p:clrMapOvr>
+    <a:masterClrMapping/>
+  </p:clrMapOvr>
+  <p:timing>
+    <p:tnLst>
+      <p:par>
+        <p:cTn id="1" dur="indefinite" restart="never" nodeType="tmRoot"/>
+      </p:par>
+    </p:tnLst>
+  </p:timing>
+</p:sld>
+</file>
+
+<file path=ppt/slides/slide28.xml><?xml version="1.0" encoding="utf-8"?>
+<p:sld xmlns:a="http://schemas.openxmlformats.org/drawingml/2006/main" xmlns:r="http://schemas.openxmlformats.org/officeDocument/2006/relationships" xmlns:p="http://schemas.openxmlformats.org/presentationml/2006/main">
+  <p:cSld>
+    <p:spTree>
+      <p:nvGrpSpPr>
+        <p:cNvPr id="1" name=""/>
+        <p:cNvGrpSpPr/>
+        <p:nvPr/>
+      </p:nvGrpSpPr>
+      <p:grpSpPr>
+        <a:xfrm>
+          <a:off x="0" y="0"/>
+          <a:ext cx="0" cy="0"/>
+          <a:chOff x="0" y="0"/>
+          <a:chExt cx="0" cy="0"/>
+        </a:xfrm>
+      </p:grpSpPr>
+    </p:spTree>
+    <p:extLst>
+      <p:ext uri="{BB962C8B-B14F-4D97-AF65-F5344CB8AC3E}">
+        <p14:creationId xmlns:p14="http://schemas.microsoft.com/office/powerpoint/2010/main" val="1273158641"/>
       </p:ext>
     </p:extLst>
   </p:cSld>
